--- a/report/PresentationCleanIt.pptx
+++ b/report/PresentationCleanIt.pptx
@@ -14,10 +14,10 @@
     <p:sldId id="289" r:id="rId5"/>
     <p:sldId id="291" r:id="rId6"/>
     <p:sldId id="284" r:id="rId7"/>
-    <p:sldId id="266" r:id="rId8"/>
-    <p:sldId id="272" r:id="rId9"/>
-    <p:sldId id="286" r:id="rId10"/>
-    <p:sldId id="273" r:id="rId11"/>
+    <p:sldId id="272" r:id="rId8"/>
+    <p:sldId id="266" r:id="rId9"/>
+    <p:sldId id="292" r:id="rId10"/>
+    <p:sldId id="286" r:id="rId11"/>
     <p:sldId id="275" r:id="rId12"/>
     <p:sldId id="276" r:id="rId13"/>
     <p:sldId id="287" r:id="rId14"/>
@@ -2864,7 +2864,7 @@
           <a:p>
             <a:fld id="{160F1987-7253-4EEF-8C0A-58AC6C013025}" type="datetimeFigureOut">
               <a:rPr lang="en-US" smtClean="0"/>
-              <a:t>3/22/2022</a:t>
+              <a:t>3/23/2022</a:t>
             </a:fld>
             <a:endParaRPr lang="en-US"/>
           </a:p>
@@ -3262,7 +3262,7 @@
           <a:p>
             <a:fld id="{1604D4DE-C599-4EAD-B5E5-164EABFF7CC1}" type="datetime1">
               <a:rPr lang="en-US" smtClean="0"/>
-              <a:t>3/22/2022</a:t>
+              <a:t>3/23/2022</a:t>
             </a:fld>
             <a:endParaRPr lang="en-US"/>
           </a:p>
@@ -3432,7 +3432,7 @@
           <a:p>
             <a:fld id="{AA2A2633-8AC0-4FB7-8B15-3D0759C5B0FB}" type="datetime1">
               <a:rPr lang="en-US" smtClean="0"/>
-              <a:t>3/22/2022</a:t>
+              <a:t>3/23/2022</a:t>
             </a:fld>
             <a:endParaRPr lang="en-US"/>
           </a:p>
@@ -3612,7 +3612,7 @@
           <a:p>
             <a:fld id="{031B380F-C090-45D9-A021-2D030F97E5A9}" type="datetime1">
               <a:rPr lang="en-US" smtClean="0"/>
-              <a:t>3/22/2022</a:t>
+              <a:t>3/23/2022</a:t>
             </a:fld>
             <a:endParaRPr lang="en-US"/>
           </a:p>
@@ -3782,7 +3782,7 @@
           <a:p>
             <a:fld id="{51C65A3E-1677-4785-90BF-51C2C2A503F1}" type="datetime1">
               <a:rPr lang="en-US" smtClean="0"/>
-              <a:t>3/22/2022</a:t>
+              <a:t>3/23/2022</a:t>
             </a:fld>
             <a:endParaRPr lang="en-US"/>
           </a:p>
@@ -4028,7 +4028,7 @@
           <a:p>
             <a:fld id="{E8531640-EF49-4F94-8A56-2FE5469B48AC}" type="datetime1">
               <a:rPr lang="en-US" smtClean="0"/>
-              <a:t>3/22/2022</a:t>
+              <a:t>3/23/2022</a:t>
             </a:fld>
             <a:endParaRPr lang="en-US"/>
           </a:p>
@@ -4260,7 +4260,7 @@
           <a:p>
             <a:fld id="{015B87E3-01F0-4848-8092-BB11745E8E05}" type="datetime1">
               <a:rPr lang="en-US" smtClean="0"/>
-              <a:t>3/22/2022</a:t>
+              <a:t>3/23/2022</a:t>
             </a:fld>
             <a:endParaRPr lang="en-US"/>
           </a:p>
@@ -4627,7 +4627,7 @@
           <a:p>
             <a:fld id="{88A8B99E-4CF8-47EF-9E4A-34A02D45AA55}" type="datetime1">
               <a:rPr lang="en-US" smtClean="0"/>
-              <a:t>3/22/2022</a:t>
+              <a:t>3/23/2022</a:t>
             </a:fld>
             <a:endParaRPr lang="en-US"/>
           </a:p>
@@ -4745,7 +4745,7 @@
           <a:p>
             <a:fld id="{D3F0E82F-DFAA-4E9A-9E60-FB65BD62E35A}" type="datetime1">
               <a:rPr lang="en-US" smtClean="0"/>
-              <a:t>3/22/2022</a:t>
+              <a:t>3/23/2022</a:t>
             </a:fld>
             <a:endParaRPr lang="en-US"/>
           </a:p>
@@ -4840,7 +4840,7 @@
           <a:p>
             <a:fld id="{8FE0881F-C0A6-447E-B27D-5710CBB761D7}" type="datetime1">
               <a:rPr lang="en-US" smtClean="0"/>
-              <a:t>3/22/2022</a:t>
+              <a:t>3/23/2022</a:t>
             </a:fld>
             <a:endParaRPr lang="en-US"/>
           </a:p>
@@ -5117,7 +5117,7 @@
           <a:p>
             <a:fld id="{9631B333-AF53-4648-B3E4-C1DF71A1AD25}" type="datetime1">
               <a:rPr lang="en-US" smtClean="0"/>
-              <a:t>3/22/2022</a:t>
+              <a:t>3/23/2022</a:t>
             </a:fld>
             <a:endParaRPr lang="en-US"/>
           </a:p>
@@ -5374,7 +5374,7 @@
           <a:p>
             <a:fld id="{063A44FA-3E87-48EC-B697-1CEED2561D48}" type="datetime1">
               <a:rPr lang="en-US" smtClean="0"/>
-              <a:t>3/22/2022</a:t>
+              <a:t>3/23/2022</a:t>
             </a:fld>
             <a:endParaRPr lang="en-US"/>
           </a:p>
@@ -5587,7 +5587,7 @@
           <a:p>
             <a:fld id="{77AC1685-AFF8-45BF-8960-23632372EB2B}" type="datetime1">
               <a:rPr lang="en-US" smtClean="0"/>
-              <a:t>3/22/2022</a:t>
+              <a:t>3/23/2022</a:t>
             </a:fld>
             <a:endParaRPr lang="en-US"/>
           </a:p>
@@ -6309,6 +6309,150 @@
 <file path=ppt/slides/slide10.xml><?xml version="1.0" encoding="utf-8"?>
 <p:sld xmlns:a="http://schemas.openxmlformats.org/drawingml/2006/main" xmlns:r="http://schemas.openxmlformats.org/officeDocument/2006/relationships" xmlns:p="http://schemas.openxmlformats.org/presentationml/2006/main">
   <p:cSld>
+    <p:bg>
+      <p:bgPr>
+        <a:solidFill>
+          <a:schemeClr val="bg2"/>
+        </a:solidFill>
+        <a:effectLst/>
+      </p:bgPr>
+    </p:bg>
+    <p:spTree>
+      <p:nvGrpSpPr>
+        <p:cNvPr id="1" name=""/>
+        <p:cNvGrpSpPr/>
+        <p:nvPr/>
+      </p:nvGrpSpPr>
+      <p:grpSpPr>
+        <a:xfrm>
+          <a:off x="0" y="0"/>
+          <a:ext cx="0" cy="0"/>
+          <a:chOff x="0" y="0"/>
+          <a:chExt cx="0" cy="0"/>
+        </a:xfrm>
+      </p:grpSpPr>
+      <p:sp>
+        <p:nvSpPr>
+          <p:cNvPr id="2" name="Title 1">
+            <a:extLst>
+              <a:ext uri="{FF2B5EF4-FFF2-40B4-BE49-F238E27FC236}">
+                <a16:creationId xmlns:a16="http://schemas.microsoft.com/office/drawing/2014/main" id="{066DBE7E-EAA7-4A84-8D19-89D916CFD1DE}"/>
+              </a:ext>
+            </a:extLst>
+          </p:cNvPr>
+          <p:cNvSpPr>
+            <a:spLocks noGrp="1"/>
+          </p:cNvSpPr>
+          <p:nvPr>
+            <p:ph type="title"/>
+          </p:nvPr>
+        </p:nvSpPr>
+        <p:spPr>
+          <a:xfrm>
+            <a:off x="838200" y="136525"/>
+            <a:ext cx="10515600" cy="862309"/>
+          </a:xfrm>
+        </p:spPr>
+        <p:txBody>
+          <a:bodyPr/>
+          <a:lstStyle/>
+          <a:p>
+            <a:r>
+              <a:rPr lang="en-US">
+                <a:solidFill>
+                  <a:schemeClr val="accent2"/>
+                </a:solidFill>
+              </a:rPr>
+              <a:t>System Architecture and System Design</a:t>
+            </a:r>
+            <a:endParaRPr lang="en-US" dirty="0">
+              <a:solidFill>
+                <a:schemeClr val="accent2"/>
+              </a:solidFill>
+            </a:endParaRPr>
+          </a:p>
+        </p:txBody>
+      </p:sp>
+      <p:sp>
+        <p:nvSpPr>
+          <p:cNvPr id="4" name="Slide Number Placeholder 3">
+            <a:extLst>
+              <a:ext uri="{FF2B5EF4-FFF2-40B4-BE49-F238E27FC236}">
+                <a16:creationId xmlns:a16="http://schemas.microsoft.com/office/drawing/2014/main" id="{4899AAC5-0D7D-458D-9D63-DE96827A7C58}"/>
+              </a:ext>
+            </a:extLst>
+          </p:cNvPr>
+          <p:cNvSpPr>
+            <a:spLocks noGrp="1"/>
+          </p:cNvSpPr>
+          <p:nvPr>
+            <p:ph type="sldNum" sz="quarter" idx="12"/>
+          </p:nvPr>
+        </p:nvSpPr>
+        <p:spPr/>
+        <p:txBody>
+          <a:bodyPr/>
+          <a:lstStyle/>
+          <a:p>
+            <a:fld id="{F5120A83-C056-4377-B827-91A8F8C4B5BB}" type="slidenum">
+              <a:rPr lang="en-US" smtClean="0"/>
+              <a:t>10</a:t>
+            </a:fld>
+            <a:endParaRPr lang="en-US"/>
+          </a:p>
+        </p:txBody>
+      </p:sp>
+      <p:pic>
+        <p:nvPicPr>
+          <p:cNvPr id="7" name="Inhaltsplatzhalter 6">
+            <a:extLst>
+              <a:ext uri="{FF2B5EF4-FFF2-40B4-BE49-F238E27FC236}">
+                <a16:creationId xmlns:a16="http://schemas.microsoft.com/office/drawing/2014/main" id="{D2FD92C7-47D6-460E-BACC-EA0DDC8D5898}"/>
+              </a:ext>
+            </a:extLst>
+          </p:cNvPr>
+          <p:cNvPicPr>
+            <a:picLocks noGrp="1" noChangeAspect="1"/>
+          </p:cNvPicPr>
+          <p:nvPr>
+            <p:ph idx="1"/>
+          </p:nvPr>
+        </p:nvPicPr>
+        <p:blipFill>
+          <a:blip r:embed="rId2">
+            <a:extLst>
+              <a:ext uri="{28A0092B-C50C-407E-A947-70E740481C1C}">
+                <a14:useLocalDpi xmlns:a14="http://schemas.microsoft.com/office/drawing/2010/main" val="0"/>
+              </a:ext>
+            </a:extLst>
+          </a:blip>
+          <a:stretch>
+            <a:fillRect/>
+          </a:stretch>
+        </p:blipFill>
+        <p:spPr>
+          <a:xfrm>
+            <a:off x="3173506" y="1329338"/>
+            <a:ext cx="5609344" cy="5647765"/>
+          </a:xfrm>
+        </p:spPr>
+      </p:pic>
+    </p:spTree>
+    <p:extLst>
+      <p:ext uri="{BB962C8B-B14F-4D97-AF65-F5344CB8AC3E}">
+        <p14:creationId xmlns:p14="http://schemas.microsoft.com/office/powerpoint/2010/main" val="3480988706"/>
+      </p:ext>
+    </p:extLst>
+  </p:cSld>
+  <p:clrMapOvr>
+    <a:masterClrMapping/>
+  </p:clrMapOvr>
+</p:sld>
+</file>
+
+<file path=ppt/slides/slide11.xml><?xml version="1.0" encoding="utf-8"?>
+<p:sld xmlns:a="http://schemas.openxmlformats.org/drawingml/2006/main" xmlns:r="http://schemas.openxmlformats.org/officeDocument/2006/relationships" xmlns:p="http://schemas.openxmlformats.org/presentationml/2006/main">
+  <p:cSld>
     <p:spTree>
       <p:nvGrpSpPr>
         <p:cNvPr id="1" name=""/>
@@ -6354,17 +6498,46 @@
         </p:blipFill>
         <p:spPr>
           <a:xfrm>
-            <a:off x="0" y="0"/>
+            <a:off x="0" y="9331"/>
             <a:ext cx="12192000" cy="6858000"/>
           </a:xfrm>
+          <a:gradFill>
+            <a:gsLst>
+              <a:gs pos="0">
+                <a:schemeClr val="accent1">
+                  <a:lumMod val="5000"/>
+                  <a:lumOff val="95000"/>
+                </a:schemeClr>
+              </a:gs>
+              <a:gs pos="74000">
+                <a:schemeClr val="accent1">
+                  <a:lumMod val="45000"/>
+                  <a:lumOff val="55000"/>
+                </a:schemeClr>
+              </a:gs>
+              <a:gs pos="83000">
+                <a:schemeClr val="accent1">
+                  <a:lumMod val="45000"/>
+                  <a:lumOff val="55000"/>
+                </a:schemeClr>
+              </a:gs>
+              <a:gs pos="100000">
+                <a:schemeClr val="accent1">
+                  <a:lumMod val="30000"/>
+                  <a:lumOff val="70000"/>
+                </a:schemeClr>
+              </a:gs>
+            </a:gsLst>
+            <a:lin ang="5400000" scaled="1"/>
+          </a:gradFill>
         </p:spPr>
       </p:pic>
       <p:sp>
         <p:nvSpPr>
-          <p:cNvPr id="8" name="Slide Number Placeholder 7">
+          <p:cNvPr id="6" name="Slide Number Placeholder 5">
             <a:extLst>
               <a:ext uri="{FF2B5EF4-FFF2-40B4-BE49-F238E27FC236}">
-                <a16:creationId xmlns:a16="http://schemas.microsoft.com/office/drawing/2014/main" id="{3DAABF3D-305B-4D0F-8B69-FA09737E6D87}"/>
+                <a16:creationId xmlns:a16="http://schemas.microsoft.com/office/drawing/2014/main" id="{0DF05544-5F7D-4718-9FDA-17BE992E1378}"/>
               </a:ext>
             </a:extLst>
           </p:cNvPr>
@@ -6382,7 +6555,7 @@
           <a:p>
             <a:fld id="{F5120A83-C056-4377-B827-91A8F8C4B5BB}" type="slidenum">
               <a:rPr lang="en-US" smtClean="0"/>
-              <a:t>10</a:t>
+              <a:t>11</a:t>
             </a:fld>
             <a:endParaRPr lang="en-US"/>
           </a:p>
@@ -6611,10 +6784,10 @@
       </p:sp>
       <p:sp>
         <p:nvSpPr>
-          <p:cNvPr id="7" name="Rectangle 6">
+          <p:cNvPr id="4" name="Rectangle 3">
             <a:extLst>
               <a:ext uri="{FF2B5EF4-FFF2-40B4-BE49-F238E27FC236}">
-                <a16:creationId xmlns:a16="http://schemas.microsoft.com/office/drawing/2014/main" id="{58DC94EB-ACF2-4560-9E9B-B6DA2D4B8427}"/>
+                <a16:creationId xmlns:a16="http://schemas.microsoft.com/office/drawing/2014/main" id="{039294E9-AC1C-4DC3-8430-E98B71EF3444}"/>
               </a:ext>
             </a:extLst>
           </p:cNvPr>
@@ -6623,55 +6796,36 @@
         </p:nvSpPr>
         <p:spPr>
           <a:xfrm>
-            <a:off x="9097347" y="221024"/>
-            <a:ext cx="2491073" cy="310821"/>
+            <a:off x="8141533" y="391951"/>
+            <a:ext cx="2771849" cy="584775"/>
           </a:xfrm>
           <a:prstGeom prst="rect">
             <a:avLst/>
           </a:prstGeom>
-          <a:noFill/>
-          <a:ln w="9525" cap="flat" cmpd="sng" algn="ctr">
-            <a:solidFill>
-              <a:schemeClr val="accent2"/>
-            </a:solidFill>
-            <a:prstDash val="solid"/>
-            <a:round/>
-            <a:headEnd type="none" w="med" len="med"/>
-            <a:tailEnd type="none" w="med" len="med"/>
-          </a:ln>
         </p:spPr>
-        <p:style>
-          <a:lnRef idx="0">
-            <a:scrgbClr r="0" g="0" b="0"/>
-          </a:lnRef>
-          <a:fillRef idx="0">
-            <a:scrgbClr r="0" g="0" b="0"/>
-          </a:fillRef>
-          <a:effectRef idx="0">
-            <a:scrgbClr r="0" g="0" b="0"/>
-          </a:effectRef>
-          <a:fontRef idx="minor">
-            <a:schemeClr val="accent2"/>
-          </a:fontRef>
-        </p:style>
-        <p:txBody>
-          <a:bodyPr rtlCol="0" anchor="ctr"/>
+        <p:txBody>
+          <a:bodyPr wrap="none">
+            <a:spAutoFit/>
+          </a:bodyPr>
           <a:lstStyle/>
           <a:p>
-            <a:pPr algn="ctr"/>
-            <a:r>
-              <a:rPr lang="en-US" sz="2000" dirty="0"/>
-              <a:t>Study director page</a:t>
+            <a:r>
+              <a:rPr lang="en-US" sz="3200" dirty="0">
+                <a:solidFill>
+                  <a:srgbClr val="C00000"/>
+                </a:solidFill>
+              </a:rPr>
+              <a:t>Order overview</a:t>
             </a:r>
           </a:p>
         </p:txBody>
       </p:sp>
       <p:sp>
         <p:nvSpPr>
-          <p:cNvPr id="9" name="Title 1">
+          <p:cNvPr id="7" name="Title 1">
             <a:extLst>
               <a:ext uri="{FF2B5EF4-FFF2-40B4-BE49-F238E27FC236}">
-                <a16:creationId xmlns:a16="http://schemas.microsoft.com/office/drawing/2014/main" id="{3BBCD2D4-349C-4833-A1A0-46534E1E67A6}"/>
+                <a16:creationId xmlns:a16="http://schemas.microsoft.com/office/drawing/2014/main" id="{AE6F42D0-DD6D-4811-BA74-9F33F753FF48}"/>
               </a:ext>
             </a:extLst>
           </p:cNvPr>
@@ -6694,10 +6848,6 @@
           </a:bodyPr>
           <a:lstStyle/>
           <a:p>
-            <a:r>
-              <a:rPr lang="en-GB" sz="2800" dirty="0"/>
-              <a:t>User interface design</a:t>
-            </a:r>
             <a:br>
               <a:rPr lang="en-US" dirty="0"/>
             </a:br>
@@ -6709,10 +6859,105 @@
           </a:p>
         </p:txBody>
       </p:sp>
+      <p:pic>
+        <p:nvPicPr>
+          <p:cNvPr id="3" name="Grafik 2">
+            <a:extLst>
+              <a:ext uri="{FF2B5EF4-FFF2-40B4-BE49-F238E27FC236}">
+                <a16:creationId xmlns:a16="http://schemas.microsoft.com/office/drawing/2014/main" id="{3B452A1A-4E99-4779-B53F-08DCD61C7FEC}"/>
+              </a:ext>
+            </a:extLst>
+          </p:cNvPr>
+          <p:cNvPicPr>
+            <a:picLocks noChangeAspect="1"/>
+          </p:cNvPicPr>
+          <p:nvPr/>
+        </p:nvPicPr>
+        <p:blipFill>
+          <a:blip r:embed="rId3">
+            <a:extLst>
+              <a:ext uri="{28A0092B-C50C-407E-A947-70E740481C1C}">
+                <a14:useLocalDpi xmlns:a14="http://schemas.microsoft.com/office/drawing/2010/main" val="0"/>
+              </a:ext>
+            </a:extLst>
+          </a:blip>
+          <a:stretch>
+            <a:fillRect/>
+          </a:stretch>
+        </p:blipFill>
+        <p:spPr>
+          <a:xfrm>
+            <a:off x="1102518" y="1188243"/>
+            <a:ext cx="9986963" cy="4843723"/>
+          </a:xfrm>
+          <a:prstGeom prst="rect">
+            <a:avLst/>
+          </a:prstGeom>
+        </p:spPr>
+      </p:pic>
+      <p:sp>
+        <p:nvSpPr>
+          <p:cNvPr id="8" name="Rechteck 7">
+            <a:extLst>
+              <a:ext uri="{FF2B5EF4-FFF2-40B4-BE49-F238E27FC236}">
+                <a16:creationId xmlns:a16="http://schemas.microsoft.com/office/drawing/2014/main" id="{CA318C67-7B6E-4660-BB01-EFFCDB970272}"/>
+              </a:ext>
+            </a:extLst>
+          </p:cNvPr>
+          <p:cNvSpPr/>
+          <p:nvPr/>
+        </p:nvSpPr>
+        <p:spPr>
+          <a:xfrm>
+            <a:off x="449342" y="-138880"/>
+            <a:ext cx="6237221" cy="923330"/>
+          </a:xfrm>
+          <a:prstGeom prst="rect">
+            <a:avLst/>
+          </a:prstGeom>
+          <a:noFill/>
+        </p:spPr>
+        <p:txBody>
+          <a:bodyPr wrap="none" lIns="91440" tIns="45720" rIns="91440" bIns="45720">
+            <a:spAutoFit/>
+            <a:scene3d>
+              <a:camera prst="orthographicFront"/>
+              <a:lightRig rig="harsh" dir="t"/>
+            </a:scene3d>
+            <a:sp3d extrusionH="57150" prstMaterial="matte">
+              <a:bevelT w="63500" h="12700" prst="angle"/>
+              <a:contourClr>
+                <a:schemeClr val="bg1">
+                  <a:lumMod val="65000"/>
+                </a:schemeClr>
+              </a:contourClr>
+            </a:sp3d>
+          </a:bodyPr>
+          <a:lstStyle/>
+          <a:p>
+            <a:pPr algn="ctr"/>
+            <a:r>
+              <a:rPr lang="en-GB" sz="5400" b="1" dirty="0">
+                <a:ln/>
+                <a:solidFill>
+                  <a:schemeClr val="accent3"/>
+                </a:solidFill>
+              </a:rPr>
+              <a:t>User interface design</a:t>
+            </a:r>
+            <a:endParaRPr lang="en-US" sz="5400" b="1" dirty="0">
+              <a:ln/>
+              <a:solidFill>
+                <a:schemeClr val="accent3"/>
+              </a:solidFill>
+            </a:endParaRPr>
+          </a:p>
+        </p:txBody>
+      </p:sp>
     </p:spTree>
     <p:extLst>
       <p:ext uri="{BB962C8B-B14F-4D97-AF65-F5344CB8AC3E}">
-        <p14:creationId xmlns:p14="http://schemas.microsoft.com/office/powerpoint/2010/main" val="3050508031"/>
+        <p14:creationId xmlns:p14="http://schemas.microsoft.com/office/powerpoint/2010/main" val="2089847261"/>
       </p:ext>
     </p:extLst>
   </p:cSld>
@@ -6722,7 +6967,7 @@
 </p:sld>
 </file>
 
-<file path=ppt/slides/slide11.xml><?xml version="1.0" encoding="utf-8"?>
+<file path=ppt/slides/slide12.xml><?xml version="1.0" encoding="utf-8"?>
 <p:sld xmlns:a="http://schemas.openxmlformats.org/drawingml/2006/main" xmlns:r="http://schemas.openxmlformats.org/officeDocument/2006/relationships" xmlns:p="http://schemas.openxmlformats.org/presentationml/2006/main">
   <p:cSld>
     <p:spTree>
@@ -6770,17 +7015,46 @@
         </p:blipFill>
         <p:spPr>
           <a:xfrm>
-            <a:off x="0" y="9331"/>
+            <a:off x="0" y="0"/>
             <a:ext cx="12192000" cy="6858000"/>
           </a:xfrm>
+          <a:gradFill>
+            <a:gsLst>
+              <a:gs pos="0">
+                <a:schemeClr val="accent1">
+                  <a:lumMod val="5000"/>
+                  <a:lumOff val="95000"/>
+                </a:schemeClr>
+              </a:gs>
+              <a:gs pos="74000">
+                <a:schemeClr val="accent1">
+                  <a:lumMod val="45000"/>
+                  <a:lumOff val="55000"/>
+                </a:schemeClr>
+              </a:gs>
+              <a:gs pos="83000">
+                <a:schemeClr val="accent1">
+                  <a:lumMod val="45000"/>
+                  <a:lumOff val="55000"/>
+                </a:schemeClr>
+              </a:gs>
+              <a:gs pos="100000">
+                <a:schemeClr val="accent1">
+                  <a:lumMod val="30000"/>
+                  <a:lumOff val="70000"/>
+                </a:schemeClr>
+              </a:gs>
+            </a:gsLst>
+            <a:lin ang="5400000" scaled="1"/>
+          </a:gradFill>
         </p:spPr>
       </p:pic>
       <p:sp>
         <p:nvSpPr>
-          <p:cNvPr id="6" name="Slide Number Placeholder 5">
+          <p:cNvPr id="4" name="Slide Number Placeholder 3">
             <a:extLst>
               <a:ext uri="{FF2B5EF4-FFF2-40B4-BE49-F238E27FC236}">
-                <a16:creationId xmlns:a16="http://schemas.microsoft.com/office/drawing/2014/main" id="{0DF05544-5F7D-4718-9FDA-17BE992E1378}"/>
+                <a16:creationId xmlns:a16="http://schemas.microsoft.com/office/drawing/2014/main" id="{BB6AF4C7-1A44-463F-97C7-DEA9AD7D1528}"/>
               </a:ext>
             </a:extLst>
           </p:cNvPr>
@@ -6798,7 +7072,7 @@
           <a:p>
             <a:fld id="{F5120A83-C056-4377-B827-91A8F8C4B5BB}" type="slidenum">
               <a:rPr lang="en-US" smtClean="0"/>
-              <a:t>11</a:t>
+              <a:t>12</a:t>
             </a:fld>
             <a:endParaRPr lang="en-US"/>
           </a:p>
@@ -7027,10 +7301,10 @@
       </p:sp>
       <p:sp>
         <p:nvSpPr>
-          <p:cNvPr id="4" name="Rectangle 3">
+          <p:cNvPr id="7" name="Rectangle 6">
             <a:extLst>
               <a:ext uri="{FF2B5EF4-FFF2-40B4-BE49-F238E27FC236}">
-                <a16:creationId xmlns:a16="http://schemas.microsoft.com/office/drawing/2014/main" id="{039294E9-AC1C-4DC3-8430-E98B71EF3444}"/>
+                <a16:creationId xmlns:a16="http://schemas.microsoft.com/office/drawing/2014/main" id="{03942F36-FC79-41C6-8C4F-AF1CDE29708F}"/>
               </a:ext>
             </a:extLst>
           </p:cNvPr>
@@ -7039,8 +7313,8 @@
         </p:nvSpPr>
         <p:spPr>
           <a:xfrm>
-            <a:off x="9235209" y="454470"/>
-            <a:ext cx="2771849" cy="584775"/>
+            <a:off x="7991998" y="347182"/>
+            <a:ext cx="3087512" cy="584775"/>
           </a:xfrm>
           <a:prstGeom prst="rect">
             <a:avLst/>
@@ -7058,17 +7332,17 @@
                   <a:srgbClr val="C00000"/>
                 </a:solidFill>
               </a:rPr>
-              <a:t>Order overview</a:t>
+              <a:t>Order detail page</a:t>
             </a:r>
           </a:p>
         </p:txBody>
       </p:sp>
       <p:sp>
         <p:nvSpPr>
-          <p:cNvPr id="7" name="Title 1">
+          <p:cNvPr id="8" name="Title 1">
             <a:extLst>
               <a:ext uri="{FF2B5EF4-FFF2-40B4-BE49-F238E27FC236}">
-                <a16:creationId xmlns:a16="http://schemas.microsoft.com/office/drawing/2014/main" id="{AE6F42D0-DD6D-4811-BA74-9F33F753FF48}"/>
+                <a16:creationId xmlns:a16="http://schemas.microsoft.com/office/drawing/2014/main" id="{9A8DC680-B27E-4F92-88B5-C5B3BA5684A9}"/>
               </a:ext>
             </a:extLst>
           </p:cNvPr>
@@ -7091,10 +7365,6 @@
           </a:bodyPr>
           <a:lstStyle/>
           <a:p>
-            <a:r>
-              <a:rPr lang="en-GB" sz="2800" dirty="0"/>
-              <a:t>User interface design</a:t>
-            </a:r>
             <a:br>
               <a:rPr lang="en-US" dirty="0"/>
             </a:br>
@@ -7106,10 +7376,105 @@
           </a:p>
         </p:txBody>
       </p:sp>
+      <p:pic>
+        <p:nvPicPr>
+          <p:cNvPr id="3" name="Grafik 2">
+            <a:extLst>
+              <a:ext uri="{FF2B5EF4-FFF2-40B4-BE49-F238E27FC236}">
+                <a16:creationId xmlns:a16="http://schemas.microsoft.com/office/drawing/2014/main" id="{502FB718-8823-4458-A002-966093401170}"/>
+              </a:ext>
+            </a:extLst>
+          </p:cNvPr>
+          <p:cNvPicPr>
+            <a:picLocks noChangeAspect="1"/>
+          </p:cNvPicPr>
+          <p:nvPr/>
+        </p:nvPicPr>
+        <p:blipFill>
+          <a:blip r:embed="rId3">
+            <a:extLst>
+              <a:ext uri="{28A0092B-C50C-407E-A947-70E740481C1C}">
+                <a14:useLocalDpi xmlns:a14="http://schemas.microsoft.com/office/drawing/2010/main" val="0"/>
+              </a:ext>
+            </a:extLst>
+          </a:blip>
+          <a:stretch>
+            <a:fillRect/>
+          </a:stretch>
+        </p:blipFill>
+        <p:spPr>
+          <a:xfrm>
+            <a:off x="1145381" y="1107280"/>
+            <a:ext cx="9901238" cy="4747953"/>
+          </a:xfrm>
+          <a:prstGeom prst="rect">
+            <a:avLst/>
+          </a:prstGeom>
+        </p:spPr>
+      </p:pic>
+      <p:sp>
+        <p:nvSpPr>
+          <p:cNvPr id="9" name="Rechteck 8">
+            <a:extLst>
+              <a:ext uri="{FF2B5EF4-FFF2-40B4-BE49-F238E27FC236}">
+                <a16:creationId xmlns:a16="http://schemas.microsoft.com/office/drawing/2014/main" id="{85995A0E-7D9C-4841-9C46-83EE4F0A0175}"/>
+              </a:ext>
+            </a:extLst>
+          </p:cNvPr>
+          <p:cNvSpPr/>
+          <p:nvPr/>
+        </p:nvSpPr>
+        <p:spPr>
+          <a:xfrm>
+            <a:off x="449342" y="-138880"/>
+            <a:ext cx="6237221" cy="923330"/>
+          </a:xfrm>
+          <a:prstGeom prst="rect">
+            <a:avLst/>
+          </a:prstGeom>
+          <a:noFill/>
+        </p:spPr>
+        <p:txBody>
+          <a:bodyPr wrap="none" lIns="91440" tIns="45720" rIns="91440" bIns="45720">
+            <a:spAutoFit/>
+            <a:scene3d>
+              <a:camera prst="orthographicFront"/>
+              <a:lightRig rig="harsh" dir="t"/>
+            </a:scene3d>
+            <a:sp3d extrusionH="57150" prstMaterial="matte">
+              <a:bevelT w="63500" h="12700" prst="angle"/>
+              <a:contourClr>
+                <a:schemeClr val="bg1">
+                  <a:lumMod val="65000"/>
+                </a:schemeClr>
+              </a:contourClr>
+            </a:sp3d>
+          </a:bodyPr>
+          <a:lstStyle/>
+          <a:p>
+            <a:pPr algn="ctr"/>
+            <a:r>
+              <a:rPr lang="en-GB" sz="5400" b="1" dirty="0">
+                <a:ln/>
+                <a:solidFill>
+                  <a:schemeClr val="accent3"/>
+                </a:solidFill>
+              </a:rPr>
+              <a:t>User interface design</a:t>
+            </a:r>
+            <a:endParaRPr lang="en-US" sz="5400" b="1" dirty="0">
+              <a:ln/>
+              <a:solidFill>
+                <a:schemeClr val="accent3"/>
+              </a:solidFill>
+            </a:endParaRPr>
+          </a:p>
+        </p:txBody>
+      </p:sp>
     </p:spTree>
     <p:extLst>
       <p:ext uri="{BB962C8B-B14F-4D97-AF65-F5344CB8AC3E}">
-        <p14:creationId xmlns:p14="http://schemas.microsoft.com/office/powerpoint/2010/main" val="2089847261"/>
+        <p14:creationId xmlns:p14="http://schemas.microsoft.com/office/powerpoint/2010/main" val="2118656408"/>
       </p:ext>
     </p:extLst>
   </p:cSld>
@@ -7119,9 +7484,17 @@
 </p:sld>
 </file>
 
-<file path=ppt/slides/slide12.xml><?xml version="1.0" encoding="utf-8"?>
+<file path=ppt/slides/slide13.xml><?xml version="1.0" encoding="utf-8"?>
 <p:sld xmlns:a="http://schemas.openxmlformats.org/drawingml/2006/main" xmlns:r="http://schemas.openxmlformats.org/officeDocument/2006/relationships" xmlns:p="http://schemas.openxmlformats.org/presentationml/2006/main">
   <p:cSld>
+    <p:bg>
+      <p:bgPr>
+        <a:solidFill>
+          <a:schemeClr val="bg1"/>
+        </a:solidFill>
+        <a:effectLst/>
+      </p:bgPr>
+    </p:bg>
     <p:spTree>
       <p:nvGrpSpPr>
         <p:cNvPr id="1" name=""/>
@@ -7136,6 +7509,611 @@
           <a:chExt cx="0" cy="0"/>
         </a:xfrm>
       </p:grpSpPr>
+      <p:sp>
+        <p:nvSpPr>
+          <p:cNvPr id="2" name="Title 1">
+            <a:extLst>
+              <a:ext uri="{FF2B5EF4-FFF2-40B4-BE49-F238E27FC236}">
+                <a16:creationId xmlns:a16="http://schemas.microsoft.com/office/drawing/2014/main" id="{066DBE7E-EAA7-4A84-8D19-89D916CFD1DE}"/>
+              </a:ext>
+            </a:extLst>
+          </p:cNvPr>
+          <p:cNvSpPr>
+            <a:spLocks noGrp="1"/>
+          </p:cNvSpPr>
+          <p:nvPr>
+            <p:ph type="title"/>
+          </p:nvPr>
+        </p:nvSpPr>
+        <p:spPr>
+          <a:xfrm>
+            <a:off x="648929" y="629266"/>
+            <a:ext cx="3505495" cy="1622321"/>
+          </a:xfrm>
+        </p:spPr>
+        <p:txBody>
+          <a:bodyPr>
+            <a:normAutofit/>
+          </a:bodyPr>
+          <a:lstStyle/>
+          <a:p>
+            <a:r>
+              <a:rPr lang="en-US" dirty="0"/>
+              <a:t>Testing </a:t>
+            </a:r>
+          </a:p>
+        </p:txBody>
+      </p:sp>
+      <p:sp>
+        <p:nvSpPr>
+          <p:cNvPr id="3" name="Content Placeholder 2">
+            <a:extLst>
+              <a:ext uri="{FF2B5EF4-FFF2-40B4-BE49-F238E27FC236}">
+                <a16:creationId xmlns:a16="http://schemas.microsoft.com/office/drawing/2014/main" id="{D03F85AB-222B-46FB-8132-D570C0DD8799}"/>
+              </a:ext>
+            </a:extLst>
+          </p:cNvPr>
+          <p:cNvSpPr>
+            <a:spLocks noGrp="1"/>
+          </p:cNvSpPr>
+          <p:nvPr>
+            <p:ph idx="1"/>
+          </p:nvPr>
+        </p:nvSpPr>
+        <p:spPr>
+          <a:xfrm>
+            <a:off x="648931" y="2438400"/>
+            <a:ext cx="3505494" cy="3785419"/>
+          </a:xfrm>
+        </p:spPr>
+        <p:txBody>
+          <a:bodyPr>
+            <a:normAutofit/>
+          </a:bodyPr>
+          <a:lstStyle/>
+          <a:p>
+            <a:r>
+              <a:rPr lang="en-US" sz="2000" dirty="0">
+                <a:latin typeface="Comic Sans MS" panose="030F0702030302020204" pitchFamily="66" charset="0"/>
+              </a:rPr>
+              <a:t>Testing API</a:t>
+            </a:r>
+          </a:p>
+          <a:p>
+            <a:r>
+              <a:rPr lang="en-US" sz="2000" dirty="0">
+                <a:latin typeface="Comic Sans MS" panose="030F0702030302020204" pitchFamily="66" charset="0"/>
+              </a:rPr>
+              <a:t>Testing Frontend </a:t>
+            </a:r>
+          </a:p>
+          <a:p>
+            <a:pPr marL="0" indent="0">
+              <a:buNone/>
+            </a:pPr>
+            <a:r>
+              <a:rPr lang="en-US" sz="2000" dirty="0">
+                <a:latin typeface="Comic Sans MS" panose="030F0702030302020204" pitchFamily="66" charset="0"/>
+              </a:rPr>
+              <a:t>  </a:t>
+            </a:r>
+          </a:p>
+          <a:p>
+            <a:pPr marL="0" indent="0">
+              <a:buNone/>
+            </a:pPr>
+            <a:r>
+              <a:rPr lang="en-US" sz="2000" dirty="0">
+                <a:latin typeface="Comic Sans MS" panose="030F0702030302020204" pitchFamily="66" charset="0"/>
+              </a:rPr>
+              <a:t>   </a:t>
+            </a:r>
+          </a:p>
+          <a:p>
+            <a:endParaRPr lang="en-US" sz="2000" dirty="0">
+              <a:latin typeface="Comic Sans MS" panose="030F0702030302020204" pitchFamily="66" charset="0"/>
+            </a:endParaRPr>
+          </a:p>
+        </p:txBody>
+      </p:sp>
+      <p:sp>
+        <p:nvSpPr>
+          <p:cNvPr id="26" name="Rectangle 13">
+            <a:extLst>
+              <a:ext uri="{FF2B5EF4-FFF2-40B4-BE49-F238E27FC236}">
+                <a16:creationId xmlns:a16="http://schemas.microsoft.com/office/drawing/2014/main" id="{5E39A796-BE83-48B1-B33F-35C4A32AAB57}"/>
+              </a:ext>
+              <a:ext uri="{C183D7F6-B498-43B3-948B-1728B52AA6E4}">
+                <adec:decorative xmlns:adec="http://schemas.microsoft.com/office/drawing/2017/decorative" val="1"/>
+              </a:ext>
+            </a:extLst>
+          </p:cNvPr>
+          <p:cNvSpPr>
+            <a:spLocks noGrp="1" noRot="1" noChangeAspect="1" noMove="1" noResize="1" noEditPoints="1" noAdjustHandles="1" noChangeArrowheads="1" noChangeShapeType="1" noTextEdit="1"/>
+          </p:cNvSpPr>
+          <p:nvPr>
+            <p:extLst>
+              <p:ext uri="{386F3935-93C4-4BCD-93E2-E3B085C9AB24}">
+                <p16:designElem xmlns:p16="http://schemas.microsoft.com/office/powerpoint/2015/main" val="1"/>
+              </p:ext>
+            </p:extLst>
+          </p:nvPr>
+        </p:nvSpPr>
+        <p:spPr>
+          <a:xfrm>
+            <a:off x="4639056" y="0"/>
+            <a:ext cx="7552944" cy="6858000"/>
+          </a:xfrm>
+          <a:prstGeom prst="rect">
+            <a:avLst/>
+          </a:prstGeom>
+          <a:solidFill>
+            <a:srgbClr val="C8CACA"/>
+          </a:solidFill>
+          <a:ln>
+            <a:noFill/>
+          </a:ln>
+        </p:spPr>
+        <p:style>
+          <a:lnRef idx="2">
+            <a:schemeClr val="accent1">
+              <a:shade val="50000"/>
+            </a:schemeClr>
+          </a:lnRef>
+          <a:fillRef idx="1">
+            <a:schemeClr val="accent1"/>
+          </a:fillRef>
+          <a:effectRef idx="0">
+            <a:schemeClr val="accent1"/>
+          </a:effectRef>
+          <a:fontRef idx="minor">
+            <a:schemeClr val="lt1"/>
+          </a:fontRef>
+        </p:style>
+        <p:txBody>
+          <a:bodyPr rtlCol="0" anchor="ctr"/>
+          <a:lstStyle/>
+          <a:p>
+            <a:pPr algn="ctr"/>
+            <a:endParaRPr lang="en-US"/>
+          </a:p>
+        </p:txBody>
+      </p:sp>
+      <p:sp>
+        <p:nvSpPr>
+          <p:cNvPr id="27" name="Rounded Rectangle 9">
+            <a:extLst>
+              <a:ext uri="{FF2B5EF4-FFF2-40B4-BE49-F238E27FC236}">
+                <a16:creationId xmlns:a16="http://schemas.microsoft.com/office/drawing/2014/main" id="{72F84B47-E267-4194-8194-831DB7B5547F}"/>
+              </a:ext>
+              <a:ext uri="{C183D7F6-B498-43B3-948B-1728B52AA6E4}">
+                <adec:decorative xmlns:adec="http://schemas.microsoft.com/office/drawing/2017/decorative" val="1"/>
+              </a:ext>
+            </a:extLst>
+          </p:cNvPr>
+          <p:cNvSpPr>
+            <a:spLocks noGrp="1" noRot="1" noChangeAspect="1" noMove="1" noResize="1" noEditPoints="1" noAdjustHandles="1" noChangeArrowheads="1" noChangeShapeType="1" noTextEdit="1"/>
+          </p:cNvSpPr>
+          <p:nvPr>
+            <p:extLst>
+              <p:ext uri="{386F3935-93C4-4BCD-93E2-E3B085C9AB24}">
+                <p16:designElem xmlns:p16="http://schemas.microsoft.com/office/powerpoint/2015/main" val="1"/>
+              </p:ext>
+            </p:extLst>
+          </p:nvPr>
+        </p:nvSpPr>
+        <p:spPr>
+          <a:xfrm>
+            <a:off x="5123688" y="557784"/>
+            <a:ext cx="6584098" cy="5739187"/>
+          </a:xfrm>
+          <a:prstGeom prst="roundRect">
+            <a:avLst>
+              <a:gd name="adj" fmla="val 0"/>
+            </a:avLst>
+          </a:prstGeom>
+          <a:solidFill>
+            <a:srgbClr val="FFFFFF"/>
+          </a:solidFill>
+          <a:ln w="9525">
+            <a:solidFill>
+              <a:srgbClr val="C8CACA"/>
+            </a:solidFill>
+          </a:ln>
+          <a:effectLst>
+            <a:outerShdw blurRad="57150" dist="19050" dir="5400000" algn="t" rotWithShape="0">
+              <a:prstClr val="black">
+                <a:alpha val="63000"/>
+              </a:prstClr>
+            </a:outerShdw>
+          </a:effectLst>
+        </p:spPr>
+        <p:style>
+          <a:lnRef idx="2">
+            <a:schemeClr val="accent1">
+              <a:shade val="50000"/>
+            </a:schemeClr>
+          </a:lnRef>
+          <a:fillRef idx="1">
+            <a:schemeClr val="accent1"/>
+          </a:fillRef>
+          <a:effectRef idx="0">
+            <a:schemeClr val="accent1"/>
+          </a:effectRef>
+          <a:fontRef idx="minor">
+            <a:schemeClr val="lt1"/>
+          </a:fontRef>
+        </p:style>
+        <p:txBody>
+          <a:bodyPr rtlCol="0" anchor="ctr"/>
+          <a:lstStyle/>
+          <a:p>
+            <a:pPr algn="ctr"/>
+            <a:endParaRPr lang="en-US"/>
+          </a:p>
+        </p:txBody>
+      </p:sp>
+      <p:sp>
+        <p:nvSpPr>
+          <p:cNvPr id="4" name="Slide Number Placeholder 3">
+            <a:extLst>
+              <a:ext uri="{FF2B5EF4-FFF2-40B4-BE49-F238E27FC236}">
+                <a16:creationId xmlns:a16="http://schemas.microsoft.com/office/drawing/2014/main" id="{4899AAC5-0D7D-458D-9D63-DE96827A7C58}"/>
+              </a:ext>
+            </a:extLst>
+          </p:cNvPr>
+          <p:cNvSpPr>
+            <a:spLocks noGrp="1"/>
+          </p:cNvSpPr>
+          <p:nvPr>
+            <p:ph type="sldNum" sz="quarter" idx="12"/>
+          </p:nvPr>
+        </p:nvSpPr>
+        <p:spPr>
+          <a:xfrm>
+            <a:off x="8610600" y="6356350"/>
+            <a:ext cx="2743200" cy="365125"/>
+          </a:xfrm>
+        </p:spPr>
+        <p:txBody>
+          <a:bodyPr>
+            <a:normAutofit/>
+          </a:bodyPr>
+          <a:lstStyle/>
+          <a:p>
+            <a:pPr>
+              <a:spcAft>
+                <a:spcPts val="600"/>
+              </a:spcAft>
+            </a:pPr>
+            <a:fld id="{F5120A83-C056-4377-B827-91A8F8C4B5BB}" type="slidenum">
+              <a:rPr lang="en-US">
+                <a:solidFill>
+                  <a:srgbClr val="303030"/>
+                </a:solidFill>
+              </a:rPr>
+              <a:pPr>
+                <a:spcAft>
+                  <a:spcPts val="600"/>
+                </a:spcAft>
+              </a:pPr>
+              <a:t>13</a:t>
+            </a:fld>
+            <a:endParaRPr lang="en-US">
+              <a:solidFill>
+                <a:srgbClr val="303030"/>
+              </a:solidFill>
+            </a:endParaRPr>
+          </a:p>
+        </p:txBody>
+      </p:sp>
+      <p:sp>
+        <p:nvSpPr>
+          <p:cNvPr id="8" name="Textfeld 7">
+            <a:extLst>
+              <a:ext uri="{FF2B5EF4-FFF2-40B4-BE49-F238E27FC236}">
+                <a16:creationId xmlns:a16="http://schemas.microsoft.com/office/drawing/2014/main" id="{68175098-CF64-4163-B9B0-392EEBDD12DC}"/>
+              </a:ext>
+            </a:extLst>
+          </p:cNvPr>
+          <p:cNvSpPr txBox="1"/>
+          <p:nvPr/>
+        </p:nvSpPr>
+        <p:spPr>
+          <a:xfrm>
+            <a:off x="5727700" y="1377950"/>
+            <a:ext cx="5480050" cy="2585323"/>
+          </a:xfrm>
+          <a:prstGeom prst="rect">
+            <a:avLst/>
+          </a:prstGeom>
+          <a:noFill/>
+        </p:spPr>
+        <p:txBody>
+          <a:bodyPr wrap="square" rtlCol="0">
+            <a:spAutoFit/>
+          </a:bodyPr>
+          <a:lstStyle/>
+          <a:p>
+            <a:pPr marL="285750" indent="-285750">
+              <a:buFont typeface="Arial" panose="020B0604020202020204" pitchFamily="34" charset="0"/>
+              <a:buChar char="•"/>
+            </a:pPr>
+            <a:r>
+              <a:rPr lang="en-US" dirty="0"/>
+              <a:t>Postman API</a:t>
+            </a:r>
+          </a:p>
+          <a:p>
+            <a:pPr marL="285750" indent="-285750">
+              <a:buFont typeface="Arial" panose="020B0604020202020204" pitchFamily="34" charset="0"/>
+              <a:buChar char="•"/>
+            </a:pPr>
+            <a:endParaRPr lang="en-US" dirty="0"/>
+          </a:p>
+          <a:p>
+            <a:r>
+              <a:rPr lang="en-US" dirty="0"/>
+              <a:t>__________________________</a:t>
+            </a:r>
+          </a:p>
+          <a:p>
+            <a:pPr marL="285750" indent="-285750">
+              <a:buFont typeface="Arial" panose="020B0604020202020204" pitchFamily="34" charset="0"/>
+              <a:buChar char="•"/>
+            </a:pPr>
+            <a:endParaRPr lang="en-US" dirty="0"/>
+          </a:p>
+          <a:p>
+            <a:pPr marL="285750" indent="-285750">
+              <a:buFont typeface="Arial" panose="020B0604020202020204" pitchFamily="34" charset="0"/>
+              <a:buChar char="•"/>
+            </a:pPr>
+            <a:r>
+              <a:rPr lang="en-US" sz="1800" b="1" i="0" u="none" strike="noStrike" baseline="0" dirty="0">
+                <a:latin typeface="LMRoman10-Bold"/>
+              </a:rPr>
+              <a:t>Usability Test</a:t>
+            </a:r>
+          </a:p>
+          <a:p>
+            <a:pPr marL="285750" indent="-285750">
+              <a:buFont typeface="Arial" panose="020B0604020202020204" pitchFamily="34" charset="0"/>
+              <a:buChar char="•"/>
+            </a:pPr>
+            <a:endParaRPr lang="en-US" sz="1800" b="1" i="0" u="none" strike="noStrike" baseline="0" dirty="0">
+              <a:latin typeface="LMRoman10-Bold"/>
+            </a:endParaRPr>
+          </a:p>
+          <a:p>
+            <a:pPr marL="285750" indent="-285750">
+              <a:buFont typeface="Arial" panose="020B0604020202020204" pitchFamily="34" charset="0"/>
+              <a:buChar char="•"/>
+            </a:pPr>
+            <a:r>
+              <a:rPr lang="en-US" sz="1800" b="1" i="0" u="none" strike="noStrike" baseline="0" dirty="0">
+                <a:latin typeface="LMRoman10-Bold"/>
+              </a:rPr>
+              <a:t>Error-free test</a:t>
+            </a:r>
+          </a:p>
+          <a:p>
+            <a:pPr marL="285750" indent="-285750">
+              <a:buFont typeface="Arial" panose="020B0604020202020204" pitchFamily="34" charset="0"/>
+              <a:buChar char="•"/>
+            </a:pPr>
+            <a:endParaRPr lang="en-US" b="1" dirty="0">
+              <a:latin typeface="LMRoman10-Bold"/>
+            </a:endParaRPr>
+          </a:p>
+          <a:p>
+            <a:pPr marL="285750" indent="-285750">
+              <a:buFont typeface="Arial" panose="020B0604020202020204" pitchFamily="34" charset="0"/>
+              <a:buChar char="•"/>
+            </a:pPr>
+            <a:r>
+              <a:rPr lang="en-US" sz="1800" b="1" i="0" u="none" strike="noStrike" baseline="0" dirty="0">
+                <a:latin typeface="LMRoman10-Bold"/>
+              </a:rPr>
+              <a:t>Acceptance test</a:t>
+            </a:r>
+            <a:endParaRPr lang="en-US" dirty="0"/>
+          </a:p>
+        </p:txBody>
+      </p:sp>
+      <p:sp>
+        <p:nvSpPr>
+          <p:cNvPr id="6" name="Textfeld 5">
+            <a:extLst>
+              <a:ext uri="{FF2B5EF4-FFF2-40B4-BE49-F238E27FC236}">
+                <a16:creationId xmlns:a16="http://schemas.microsoft.com/office/drawing/2014/main" id="{CAACCC6A-DD7C-423E-AF3F-F8D16BC09798}"/>
+              </a:ext>
+            </a:extLst>
+          </p:cNvPr>
+          <p:cNvSpPr txBox="1"/>
+          <p:nvPr/>
+        </p:nvSpPr>
+        <p:spPr>
+          <a:xfrm>
+            <a:off x="5892800" y="3162300"/>
+            <a:ext cx="4044950" cy="369332"/>
+          </a:xfrm>
+          <a:prstGeom prst="rect">
+            <a:avLst/>
+          </a:prstGeom>
+          <a:noFill/>
+        </p:spPr>
+        <p:txBody>
+          <a:bodyPr wrap="square" rtlCol="0">
+            <a:spAutoFit/>
+          </a:bodyPr>
+          <a:lstStyle/>
+          <a:p>
+            <a:endParaRPr lang="en-US" dirty="0"/>
+          </a:p>
+        </p:txBody>
+      </p:sp>
+    </p:spTree>
+    <p:extLst>
+      <p:ext uri="{BB962C8B-B14F-4D97-AF65-F5344CB8AC3E}">
+        <p14:creationId xmlns:p14="http://schemas.microsoft.com/office/powerpoint/2010/main" val="2062890155"/>
+      </p:ext>
+    </p:extLst>
+  </p:cSld>
+  <p:clrMapOvr>
+    <a:masterClrMapping/>
+  </p:clrMapOvr>
+</p:sld>
+</file>
+
+<file path=ppt/slides/slide14.xml><?xml version="1.0" encoding="utf-8"?>
+<p:sld xmlns:a="http://schemas.openxmlformats.org/drawingml/2006/main" xmlns:r="http://schemas.openxmlformats.org/officeDocument/2006/relationships" xmlns:p="http://schemas.openxmlformats.org/presentationml/2006/main">
+  <p:cSld>
+    <p:bg>
+      <p:bgPr>
+        <a:solidFill>
+          <a:schemeClr val="bg1"/>
+        </a:solidFill>
+        <a:effectLst/>
+      </p:bgPr>
+    </p:bg>
+    <p:spTree>
+      <p:nvGrpSpPr>
+        <p:cNvPr id="1" name=""/>
+        <p:cNvGrpSpPr/>
+        <p:nvPr/>
+      </p:nvGrpSpPr>
+      <p:grpSpPr>
+        <a:xfrm>
+          <a:off x="0" y="0"/>
+          <a:ext cx="0" cy="0"/>
+          <a:chOff x="0" y="0"/>
+          <a:chExt cx="0" cy="0"/>
+        </a:xfrm>
+      </p:grpSpPr>
+      <p:sp useBgFill="1">
+        <p:nvSpPr>
+          <p:cNvPr id="33" name="Rectangle 32">
+            <a:extLst>
+              <a:ext uri="{FF2B5EF4-FFF2-40B4-BE49-F238E27FC236}">
+                <a16:creationId xmlns:a16="http://schemas.microsoft.com/office/drawing/2014/main" id="{2172A0AC-3DCE-4672-BCAF-28FEF91F6020}"/>
+              </a:ext>
+              <a:ext uri="{C183D7F6-B498-43B3-948B-1728B52AA6E4}">
+                <adec:decorative xmlns:adec="http://schemas.microsoft.com/office/drawing/2017/decorative" val="1"/>
+              </a:ext>
+            </a:extLst>
+          </p:cNvPr>
+          <p:cNvSpPr>
+            <a:spLocks noGrp="1" noRot="1" noChangeAspect="1" noMove="1" noResize="1" noEditPoints="1" noAdjustHandles="1" noChangeArrowheads="1" noChangeShapeType="1" noTextEdit="1"/>
+          </p:cNvSpPr>
+          <p:nvPr>
+            <p:extLst>
+              <p:ext uri="{386F3935-93C4-4BCD-93E2-E3B085C9AB24}">
+                <p16:designElem xmlns:p16="http://schemas.microsoft.com/office/powerpoint/2015/main" val="1"/>
+              </p:ext>
+            </p:extLst>
+          </p:nvPr>
+        </p:nvSpPr>
+        <p:spPr>
+          <a:xfrm>
+            <a:off x="0" y="0"/>
+            <a:ext cx="12188952" cy="6858000"/>
+          </a:xfrm>
+          <a:prstGeom prst="rect">
+            <a:avLst/>
+          </a:prstGeom>
+          <a:ln>
+            <a:noFill/>
+          </a:ln>
+        </p:spPr>
+        <p:style>
+          <a:lnRef idx="2">
+            <a:schemeClr val="accent1">
+              <a:shade val="50000"/>
+            </a:schemeClr>
+          </a:lnRef>
+          <a:fillRef idx="1">
+            <a:schemeClr val="accent1"/>
+          </a:fillRef>
+          <a:effectRef idx="0">
+            <a:schemeClr val="accent1"/>
+          </a:effectRef>
+          <a:fontRef idx="minor">
+            <a:schemeClr val="lt1"/>
+          </a:fontRef>
+        </p:style>
+        <p:txBody>
+          <a:bodyPr rtlCol="0" anchor="ctr"/>
+          <a:lstStyle/>
+          <a:p>
+            <a:pPr algn="ctr"/>
+            <a:endParaRPr lang="en-US"/>
+          </a:p>
+        </p:txBody>
+      </p:sp>
+      <p:sp>
+        <p:nvSpPr>
+          <p:cNvPr id="35" name="Rectangle 34">
+            <a:extLst>
+              <a:ext uri="{FF2B5EF4-FFF2-40B4-BE49-F238E27FC236}">
+                <a16:creationId xmlns:a16="http://schemas.microsoft.com/office/drawing/2014/main" id="{AE6F1C77-EDC9-4C5F-8C1C-62DD46BDA3C3}"/>
+              </a:ext>
+              <a:ext uri="{C183D7F6-B498-43B3-948B-1728B52AA6E4}">
+                <adec:decorative xmlns:adec="http://schemas.microsoft.com/office/drawing/2017/decorative" val="1"/>
+              </a:ext>
+            </a:extLst>
+          </p:cNvPr>
+          <p:cNvSpPr>
+            <a:spLocks noGrp="1" noRot="1" noChangeAspect="1" noMove="1" noResize="1" noEditPoints="1" noAdjustHandles="1" noChangeArrowheads="1" noChangeShapeType="1" noTextEdit="1"/>
+          </p:cNvSpPr>
+          <p:nvPr>
+            <p:extLst>
+              <p:ext uri="{386F3935-93C4-4BCD-93E2-E3B085C9AB24}">
+                <p16:designElem xmlns:p16="http://schemas.microsoft.com/office/powerpoint/2015/main" val="1"/>
+              </p:ext>
+            </p:extLst>
+          </p:nvPr>
+        </p:nvSpPr>
+        <p:spPr>
+          <a:xfrm>
+            <a:off x="0" y="0"/>
+            <a:ext cx="12188952" cy="6858000"/>
+          </a:xfrm>
+          <a:prstGeom prst="rect">
+            <a:avLst/>
+          </a:prstGeom>
+          <a:solidFill>
+            <a:srgbClr val="000000"/>
+          </a:solidFill>
+          <a:ln>
+            <a:noFill/>
+          </a:ln>
+        </p:spPr>
+        <p:style>
+          <a:lnRef idx="2">
+            <a:schemeClr val="accent1">
+              <a:shade val="50000"/>
+            </a:schemeClr>
+          </a:lnRef>
+          <a:fillRef idx="1">
+            <a:schemeClr val="accent1"/>
+          </a:fillRef>
+          <a:effectRef idx="0">
+            <a:schemeClr val="accent1"/>
+          </a:effectRef>
+          <a:fontRef idx="minor">
+            <a:schemeClr val="lt1"/>
+          </a:fontRef>
+        </p:style>
+        <p:txBody>
+          <a:bodyPr rtlCol="0" anchor="ctr"/>
+          <a:lstStyle/>
+          <a:p>
+            <a:pPr algn="ctr"/>
+            <a:endParaRPr lang="en-US"/>
+          </a:p>
+        </p:txBody>
+      </p:sp>
       <p:pic>
         <p:nvPicPr>
           <p:cNvPr id="5" name="Content Placeholder 4" descr="A picture containing letter&#10;&#10;Description automatically generated">
@@ -7152,32 +8130,664 @@
             <p:ph idx="1"/>
           </p:nvPr>
         </p:nvPicPr>
-        <p:blipFill>
+        <p:blipFill rotWithShape="1">
           <a:blip r:embed="rId2">
-            <a:alphaModFix amt="20000"/>
+            <a:alphaModFix amt="40000"/>
             <a:extLst>
               <a:ext uri="{28A0092B-C50C-407E-A947-70E740481C1C}">
                 <a14:useLocalDpi xmlns:a14="http://schemas.microsoft.com/office/drawing/2010/main" val="0"/>
               </a:ext>
             </a:extLst>
           </a:blip>
-          <a:stretch>
-            <a:fillRect/>
-          </a:stretch>
+          <a:srcRect l="23375" r="21793"/>
+          <a:stretch/>
         </p:blipFill>
         <p:spPr>
           <a:xfrm>
-            <a:off x="0" y="0"/>
-            <a:ext cx="12192000" cy="6858000"/>
+            <a:off x="20" y="10"/>
+            <a:ext cx="8450297" cy="6857990"/>
           </a:xfrm>
+          <a:prstGeom prst="rect">
+            <a:avLst/>
+          </a:prstGeom>
         </p:spPr>
       </p:pic>
       <p:sp>
         <p:nvSpPr>
-          <p:cNvPr id="4" name="Slide Number Placeholder 3">
+          <p:cNvPr id="2" name="TextBox 1">
             <a:extLst>
               <a:ext uri="{FF2B5EF4-FFF2-40B4-BE49-F238E27FC236}">
-                <a16:creationId xmlns:a16="http://schemas.microsoft.com/office/drawing/2014/main" id="{BB6AF4C7-1A44-463F-97C7-DEA9AD7D1528}"/>
+                <a16:creationId xmlns:a16="http://schemas.microsoft.com/office/drawing/2014/main" id="{5CD0D8B4-15B0-4275-9DC0-9A4E0CA6AABF}"/>
+              </a:ext>
+            </a:extLst>
+          </p:cNvPr>
+          <p:cNvSpPr txBox="1"/>
+          <p:nvPr/>
+        </p:nvSpPr>
+        <p:spPr>
+          <a:xfrm>
+            <a:off x="838200" y="2219785"/>
+            <a:ext cx="4619621" cy="3957178"/>
+          </a:xfrm>
+          <a:prstGeom prst="rect">
+            <a:avLst/>
+          </a:prstGeom>
+        </p:spPr>
+        <p:txBody>
+          <a:bodyPr vert="horz" lIns="91440" tIns="45720" rIns="91440" bIns="45720" rtlCol="0">
+            <a:normAutofit/>
+          </a:bodyPr>
+          <a:lstStyle/>
+          <a:p>
+            <a:pPr indent="-228600" defTabSz="914400">
+              <a:lnSpc>
+                <a:spcPct val="90000"/>
+              </a:lnSpc>
+              <a:spcBef>
+                <a:spcPct val="0"/>
+              </a:spcBef>
+              <a:spcAft>
+                <a:spcPts val="600"/>
+              </a:spcAft>
+              <a:buFont typeface="Arial" panose="020B0604020202020204" pitchFamily="34" charset="0"/>
+              <a:buChar char="•"/>
+            </a:pPr>
+            <a:r>
+              <a:rPr lang="en-US" sz="4400" b="1" dirty="0">
+                <a:solidFill>
+                  <a:srgbClr val="FFFFFF"/>
+                </a:solidFill>
+              </a:rPr>
+              <a:t>Conclusion</a:t>
+            </a:r>
+          </a:p>
+          <a:p>
+            <a:pPr indent="-228600" defTabSz="914400">
+              <a:lnSpc>
+                <a:spcPct val="90000"/>
+              </a:lnSpc>
+              <a:spcBef>
+                <a:spcPct val="0"/>
+              </a:spcBef>
+              <a:spcAft>
+                <a:spcPts val="600"/>
+              </a:spcAft>
+              <a:buFont typeface="Arial" panose="020B0604020202020204" pitchFamily="34" charset="0"/>
+              <a:buChar char="•"/>
+            </a:pPr>
+            <a:endParaRPr lang="en-US" sz="2000" b="1" dirty="0">
+              <a:solidFill>
+                <a:srgbClr val="FFFFFF"/>
+              </a:solidFill>
+            </a:endParaRPr>
+          </a:p>
+          <a:p>
+            <a:pPr marL="342900" indent="-228600" defTabSz="914400">
+              <a:lnSpc>
+                <a:spcPct val="90000"/>
+              </a:lnSpc>
+              <a:spcBef>
+                <a:spcPct val="0"/>
+              </a:spcBef>
+              <a:spcAft>
+                <a:spcPts val="600"/>
+              </a:spcAft>
+              <a:buFont typeface="Arial" panose="020B0604020202020204" pitchFamily="34" charset="0"/>
+              <a:buChar char="•"/>
+            </a:pPr>
+            <a:endParaRPr lang="en-US" sz="2000" b="1" dirty="0">
+              <a:solidFill>
+                <a:srgbClr val="FFFFFF"/>
+              </a:solidFill>
+            </a:endParaRPr>
+          </a:p>
+          <a:p>
+            <a:pPr indent="-228600" defTabSz="914400">
+              <a:lnSpc>
+                <a:spcPct val="90000"/>
+              </a:lnSpc>
+              <a:spcBef>
+                <a:spcPct val="0"/>
+              </a:spcBef>
+              <a:spcAft>
+                <a:spcPts val="600"/>
+              </a:spcAft>
+              <a:buFont typeface="Arial" panose="020B0604020202020204" pitchFamily="34" charset="0"/>
+              <a:buChar char="•"/>
+            </a:pPr>
+            <a:endParaRPr lang="en-US" sz="2000" b="1" dirty="0">
+              <a:solidFill>
+                <a:srgbClr val="FFFFFF"/>
+              </a:solidFill>
+            </a:endParaRPr>
+          </a:p>
+          <a:p>
+            <a:pPr indent="-228600" defTabSz="914400">
+              <a:lnSpc>
+                <a:spcPct val="90000"/>
+              </a:lnSpc>
+              <a:spcBef>
+                <a:spcPct val="0"/>
+              </a:spcBef>
+              <a:spcAft>
+                <a:spcPts val="600"/>
+              </a:spcAft>
+              <a:buFont typeface="Arial" panose="020B0604020202020204" pitchFamily="34" charset="0"/>
+              <a:buChar char="•"/>
+            </a:pPr>
+            <a:endParaRPr lang="en-US" sz="2000" dirty="0">
+              <a:solidFill>
+                <a:srgbClr val="FFFFFF"/>
+              </a:solidFill>
+            </a:endParaRPr>
+          </a:p>
+        </p:txBody>
+      </p:sp>
+      <p:pic>
+        <p:nvPicPr>
+          <p:cNvPr id="6" name="Grafik 5">
+            <a:extLst>
+              <a:ext uri="{FF2B5EF4-FFF2-40B4-BE49-F238E27FC236}">
+                <a16:creationId xmlns:a16="http://schemas.microsoft.com/office/drawing/2014/main" id="{0154EE00-E17B-4C28-864E-6EA83FD84E42}"/>
+              </a:ext>
+            </a:extLst>
+          </p:cNvPr>
+          <p:cNvPicPr>
+            <a:picLocks noChangeAspect="1"/>
+          </p:cNvPicPr>
+          <p:nvPr/>
+        </p:nvPicPr>
+        <p:blipFill rotWithShape="1">
+          <a:blip r:embed="rId3">
+            <a:extLst>
+              <a:ext uri="{28A0092B-C50C-407E-A947-70E740481C1C}">
+                <a14:useLocalDpi xmlns:a14="http://schemas.microsoft.com/office/drawing/2010/main" val="0"/>
+              </a:ext>
+            </a:extLst>
+          </a:blip>
+          <a:srcRect l="6289" r="6765"/>
+          <a:stretch/>
+        </p:blipFill>
+        <p:spPr>
+          <a:xfrm>
+            <a:off x="6225997" y="10"/>
+            <a:ext cx="5962785" cy="6857990"/>
+          </a:xfrm>
+          <a:custGeom>
+            <a:avLst/>
+            <a:gdLst/>
+            <a:ahLst/>
+            <a:cxnLst/>
+            <a:rect l="l" t="t" r="r" b="b"/>
+            <a:pathLst>
+              <a:path w="5962785" h="6858000">
+                <a:moveTo>
+                  <a:pt x="1044839" y="0"/>
+                </a:moveTo>
+                <a:lnTo>
+                  <a:pt x="5962785" y="0"/>
+                </a:lnTo>
+                <a:lnTo>
+                  <a:pt x="5962785" y="6858000"/>
+                </a:lnTo>
+                <a:lnTo>
+                  <a:pt x="1469886" y="6858000"/>
+                </a:lnTo>
+                <a:lnTo>
+                  <a:pt x="1416006" y="6823984"/>
+                </a:lnTo>
+                <a:cubicBezTo>
+                  <a:pt x="1356767" y="6787940"/>
+                  <a:pt x="1296437" y="6755500"/>
+                  <a:pt x="1232473" y="6733873"/>
+                </a:cubicBezTo>
+                <a:cubicBezTo>
+                  <a:pt x="1145250" y="6705037"/>
+                  <a:pt x="1060933" y="6654575"/>
+                  <a:pt x="1075471" y="6503186"/>
+                </a:cubicBezTo>
+                <a:cubicBezTo>
+                  <a:pt x="1078378" y="6459932"/>
+                  <a:pt x="1055118" y="6427493"/>
+                  <a:pt x="1020229" y="6438306"/>
+                </a:cubicBezTo>
+                <a:cubicBezTo>
+                  <a:pt x="953358" y="6459932"/>
+                  <a:pt x="921375" y="6398656"/>
+                  <a:pt x="883579" y="6351798"/>
+                </a:cubicBezTo>
+                <a:cubicBezTo>
+                  <a:pt x="816707" y="6268895"/>
+                  <a:pt x="752743" y="6182387"/>
+                  <a:pt x="645167" y="6167969"/>
+                </a:cubicBezTo>
+                <a:cubicBezTo>
+                  <a:pt x="665519" y="6103088"/>
+                  <a:pt x="700408" y="6110298"/>
+                  <a:pt x="732391" y="6124716"/>
+                </a:cubicBezTo>
+                <a:cubicBezTo>
+                  <a:pt x="816707" y="6160761"/>
+                  <a:pt x="901023" y="6200410"/>
+                  <a:pt x="985339" y="6236455"/>
+                </a:cubicBezTo>
+                <a:cubicBezTo>
+                  <a:pt x="1040581" y="6258081"/>
+                  <a:pt x="1095822" y="6290522"/>
+                  <a:pt x="1168509" y="6265291"/>
+                </a:cubicBezTo>
+                <a:cubicBezTo>
+                  <a:pt x="1104545" y="6135530"/>
+                  <a:pt x="996969" y="6110298"/>
+                  <a:pt x="909746" y="6070649"/>
+                </a:cubicBezTo>
+                <a:cubicBezTo>
+                  <a:pt x="802169" y="6020185"/>
+                  <a:pt x="738206" y="5926470"/>
+                  <a:pt x="659704" y="5818335"/>
+                </a:cubicBezTo>
+                <a:cubicBezTo>
+                  <a:pt x="738206" y="5789500"/>
+                  <a:pt x="787632" y="5868798"/>
+                  <a:pt x="851597" y="5865193"/>
+                </a:cubicBezTo>
+                <a:cubicBezTo>
+                  <a:pt x="854504" y="5854380"/>
+                  <a:pt x="860319" y="5832753"/>
+                  <a:pt x="860319" y="5832753"/>
+                </a:cubicBezTo>
+                <a:cubicBezTo>
+                  <a:pt x="755650" y="5775081"/>
+                  <a:pt x="709132" y="5666947"/>
+                  <a:pt x="691686" y="5533581"/>
+                </a:cubicBezTo>
+                <a:cubicBezTo>
+                  <a:pt x="685872" y="5465095"/>
+                  <a:pt x="648075" y="5443468"/>
+                  <a:pt x="610278" y="5411029"/>
+                </a:cubicBezTo>
+                <a:cubicBezTo>
+                  <a:pt x="482350" y="5299289"/>
+                  <a:pt x="345700" y="5198364"/>
+                  <a:pt x="238123" y="5046976"/>
+                </a:cubicBezTo>
+                <a:cubicBezTo>
+                  <a:pt x="363144" y="5064998"/>
+                  <a:pt x="461997" y="5165924"/>
+                  <a:pt x="592833" y="5209177"/>
+                </a:cubicBezTo>
+                <a:cubicBezTo>
+                  <a:pt x="488165" y="5043371"/>
+                  <a:pt x="351514" y="4956864"/>
+                  <a:pt x="226494" y="4855939"/>
+                </a:cubicBezTo>
+                <a:cubicBezTo>
+                  <a:pt x="168344" y="4809081"/>
+                  <a:pt x="116011" y="4751408"/>
+                  <a:pt x="49139" y="4726177"/>
+                </a:cubicBezTo>
+                <a:cubicBezTo>
+                  <a:pt x="25879" y="4718968"/>
+                  <a:pt x="-14825" y="4700947"/>
+                  <a:pt x="5527" y="4650483"/>
+                </a:cubicBezTo>
+                <a:cubicBezTo>
+                  <a:pt x="22972" y="4607230"/>
+                  <a:pt x="54954" y="4621648"/>
+                  <a:pt x="84029" y="4632460"/>
+                </a:cubicBezTo>
+                <a:cubicBezTo>
+                  <a:pt x="153807" y="4661296"/>
+                  <a:pt x="229401" y="4661296"/>
+                  <a:pt x="325347" y="4661296"/>
+                </a:cubicBezTo>
+                <a:cubicBezTo>
+                  <a:pt x="243939" y="4524326"/>
+                  <a:pt x="95658" y="4567580"/>
+                  <a:pt x="25879" y="4423401"/>
+                </a:cubicBezTo>
+                <a:cubicBezTo>
+                  <a:pt x="113103" y="4398170"/>
+                  <a:pt x="179975" y="4448632"/>
+                  <a:pt x="249753" y="4459446"/>
+                </a:cubicBezTo>
+                <a:cubicBezTo>
+                  <a:pt x="313718" y="4470259"/>
+                  <a:pt x="328254" y="4445028"/>
+                  <a:pt x="313718" y="4365729"/>
+                </a:cubicBezTo>
+                <a:cubicBezTo>
+                  <a:pt x="290458" y="4243177"/>
+                  <a:pt x="325347" y="4181900"/>
+                  <a:pt x="418386" y="4214341"/>
+                </a:cubicBezTo>
+                <a:cubicBezTo>
+                  <a:pt x="505609" y="4246781"/>
+                  <a:pt x="514332" y="4199922"/>
+                  <a:pt x="491072" y="4131438"/>
+                </a:cubicBezTo>
+                <a:cubicBezTo>
+                  <a:pt x="456183" y="4030512"/>
+                  <a:pt x="493979" y="3951214"/>
+                  <a:pt x="520147" y="3864706"/>
+                </a:cubicBezTo>
+                <a:cubicBezTo>
+                  <a:pt x="560851" y="3734945"/>
+                  <a:pt x="543407" y="3670064"/>
+                  <a:pt x="459090" y="3572743"/>
+                </a:cubicBezTo>
+                <a:cubicBezTo>
+                  <a:pt x="409664" y="3518676"/>
+                  <a:pt x="360236" y="3471818"/>
+                  <a:pt x="290458" y="3424959"/>
+                </a:cubicBezTo>
+                <a:cubicBezTo>
+                  <a:pt x="450368" y="3399728"/>
+                  <a:pt x="284643" y="3313221"/>
+                  <a:pt x="339884" y="3259153"/>
+                </a:cubicBezTo>
+                <a:cubicBezTo>
+                  <a:pt x="453275" y="3237527"/>
+                  <a:pt x="543407" y="3410542"/>
+                  <a:pt x="697501" y="3360078"/>
+                </a:cubicBezTo>
+                <a:cubicBezTo>
+                  <a:pt x="511425" y="3212294"/>
+                  <a:pt x="302087" y="3165436"/>
+                  <a:pt x="165437" y="2967190"/>
+                </a:cubicBezTo>
+                <a:cubicBezTo>
+                  <a:pt x="197419" y="2923937"/>
+                  <a:pt x="229401" y="2967190"/>
+                  <a:pt x="255568" y="2949167"/>
+                </a:cubicBezTo>
+                <a:cubicBezTo>
+                  <a:pt x="255568" y="2938354"/>
+                  <a:pt x="560851" y="3006840"/>
+                  <a:pt x="578296" y="2725691"/>
+                </a:cubicBezTo>
+                <a:cubicBezTo>
+                  <a:pt x="584111" y="2725691"/>
+                  <a:pt x="589926" y="2725691"/>
+                  <a:pt x="595740" y="2714876"/>
+                </a:cubicBezTo>
+                <a:cubicBezTo>
+                  <a:pt x="627722" y="2675228"/>
+                  <a:pt x="598648" y="2581510"/>
+                  <a:pt x="650982" y="2574301"/>
+                </a:cubicBezTo>
+                <a:cubicBezTo>
+                  <a:pt x="709132" y="2567092"/>
+                  <a:pt x="764373" y="2534653"/>
+                  <a:pt x="825429" y="2552674"/>
+                </a:cubicBezTo>
+                <a:cubicBezTo>
+                  <a:pt x="871949" y="2567092"/>
+                  <a:pt x="921375" y="2585115"/>
+                  <a:pt x="970802" y="2585115"/>
+                </a:cubicBezTo>
+                <a:cubicBezTo>
+                  <a:pt x="1023136" y="2585115"/>
+                  <a:pt x="1095822" y="2707668"/>
+                  <a:pt x="1127805" y="2545465"/>
+                </a:cubicBezTo>
+                <a:cubicBezTo>
+                  <a:pt x="1127805" y="2538257"/>
+                  <a:pt x="1217936" y="2556280"/>
+                  <a:pt x="1267362" y="2563488"/>
+                </a:cubicBezTo>
+                <a:cubicBezTo>
+                  <a:pt x="1308067" y="2570698"/>
+                  <a:pt x="1357494" y="2603137"/>
+                  <a:pt x="1386568" y="2538257"/>
+                </a:cubicBezTo>
+                <a:cubicBezTo>
+                  <a:pt x="1401105" y="2498607"/>
+                  <a:pt x="1331326" y="2426518"/>
+                  <a:pt x="1270270" y="2419309"/>
+                </a:cubicBezTo>
+                <a:cubicBezTo>
+                  <a:pt x="1215029" y="2412101"/>
+                  <a:pt x="1159787" y="2404892"/>
+                  <a:pt x="1107453" y="2419309"/>
+                </a:cubicBezTo>
+                <a:cubicBezTo>
+                  <a:pt x="1043489" y="2437331"/>
+                  <a:pt x="1008599" y="2408495"/>
+                  <a:pt x="991154" y="2343615"/>
+                </a:cubicBezTo>
+                <a:cubicBezTo>
+                  <a:pt x="970802" y="2275131"/>
+                  <a:pt x="933005" y="2239085"/>
+                  <a:pt x="880671" y="2206645"/>
+                </a:cubicBezTo>
+                <a:cubicBezTo>
+                  <a:pt x="752743" y="2127346"/>
+                  <a:pt x="630630" y="2033629"/>
+                  <a:pt x="491072" y="1986771"/>
+                </a:cubicBezTo>
+                <a:cubicBezTo>
+                  <a:pt x="464905" y="1979562"/>
+                  <a:pt x="432923" y="1965145"/>
+                  <a:pt x="421293" y="1903868"/>
+                </a:cubicBezTo>
+                <a:cubicBezTo>
+                  <a:pt x="799262" y="1997584"/>
+                  <a:pt x="1142342" y="2239085"/>
+                  <a:pt x="1531941" y="2224667"/>
+                </a:cubicBezTo>
+                <a:cubicBezTo>
+                  <a:pt x="1427272" y="2148974"/>
+                  <a:pt x="1302252" y="2145369"/>
+                  <a:pt x="1188861" y="2091301"/>
+                </a:cubicBezTo>
+                <a:cubicBezTo>
+                  <a:pt x="1270270" y="2051652"/>
+                  <a:pt x="1345864" y="2094906"/>
+                  <a:pt x="1421458" y="2116532"/>
+                </a:cubicBezTo>
+                <a:cubicBezTo>
+                  <a:pt x="1485422" y="2134554"/>
+                  <a:pt x="1543571" y="2138160"/>
+                  <a:pt x="1549386" y="2026420"/>
+                </a:cubicBezTo>
+                <a:cubicBezTo>
+                  <a:pt x="1549386" y="2015607"/>
+                  <a:pt x="1549386" y="2008398"/>
+                  <a:pt x="1549386" y="1997584"/>
+                </a:cubicBezTo>
+                <a:cubicBezTo>
+                  <a:pt x="1526126" y="1950727"/>
+                  <a:pt x="1494144" y="1929099"/>
+                  <a:pt x="1453440" y="1914682"/>
+                </a:cubicBezTo>
+                <a:cubicBezTo>
+                  <a:pt x="1430180" y="1907473"/>
+                  <a:pt x="1398198" y="1893056"/>
+                  <a:pt x="1398198" y="1860614"/>
+                </a:cubicBezTo>
+                <a:cubicBezTo>
+                  <a:pt x="1401105" y="1738063"/>
+                  <a:pt x="1322604" y="1702018"/>
+                  <a:pt x="1247011" y="1665972"/>
+                </a:cubicBezTo>
+                <a:cubicBezTo>
+                  <a:pt x="1287715" y="1604696"/>
+                  <a:pt x="1322604" y="1647950"/>
+                  <a:pt x="1354586" y="1644345"/>
+                </a:cubicBezTo>
+                <a:cubicBezTo>
+                  <a:pt x="1374939" y="1640741"/>
+                  <a:pt x="1395290" y="1637138"/>
+                  <a:pt x="1395290" y="1604696"/>
+                </a:cubicBezTo>
+                <a:cubicBezTo>
+                  <a:pt x="1395290" y="1579465"/>
+                  <a:pt x="1386568" y="1547025"/>
+                  <a:pt x="1366216" y="1547025"/>
+                </a:cubicBezTo>
+                <a:cubicBezTo>
+                  <a:pt x="1238288" y="1543420"/>
+                  <a:pt x="1165601" y="1370405"/>
+                  <a:pt x="1031858" y="1370405"/>
+                </a:cubicBezTo>
+                <a:cubicBezTo>
+                  <a:pt x="950450" y="1370405"/>
+                  <a:pt x="1072563" y="1273083"/>
+                  <a:pt x="1005692" y="1233435"/>
+                </a:cubicBezTo>
+                <a:cubicBezTo>
+                  <a:pt x="991154" y="1222621"/>
+                  <a:pt x="1046396" y="1208203"/>
+                  <a:pt x="1069655" y="1211808"/>
+                </a:cubicBezTo>
+                <a:cubicBezTo>
+                  <a:pt x="1092915" y="1215412"/>
+                  <a:pt x="1113268" y="1240644"/>
+                  <a:pt x="1142342" y="1222621"/>
+                </a:cubicBezTo>
+                <a:cubicBezTo>
+                  <a:pt x="1156879" y="1157741"/>
+                  <a:pt x="1119082" y="1132510"/>
+                  <a:pt x="1084193" y="1114487"/>
+                </a:cubicBezTo>
+                <a:cubicBezTo>
+                  <a:pt x="1008599" y="1071234"/>
+                  <a:pt x="933005" y="1020771"/>
+                  <a:pt x="848689" y="1006353"/>
+                </a:cubicBezTo>
+                <a:cubicBezTo>
+                  <a:pt x="819615" y="1002748"/>
+                  <a:pt x="802169" y="984726"/>
+                  <a:pt x="805077" y="948681"/>
+                </a:cubicBezTo>
+                <a:cubicBezTo>
+                  <a:pt x="810892" y="901822"/>
+                  <a:pt x="839967" y="916240"/>
+                  <a:pt x="863226" y="919844"/>
+                </a:cubicBezTo>
+                <a:cubicBezTo>
+                  <a:pt x="877764" y="923450"/>
+                  <a:pt x="892301" y="934263"/>
+                  <a:pt x="906838" y="909031"/>
+                </a:cubicBezTo>
+                <a:cubicBezTo>
+                  <a:pt x="566666" y="653113"/>
+                  <a:pt x="386404" y="667532"/>
+                  <a:pt x="5527" y="458471"/>
+                </a:cubicBezTo>
+                <a:cubicBezTo>
+                  <a:pt x="89843" y="418822"/>
+                  <a:pt x="150900" y="447658"/>
+                  <a:pt x="209049" y="454867"/>
+                </a:cubicBezTo>
+                <a:cubicBezTo>
+                  <a:pt x="354422" y="472890"/>
+                  <a:pt x="264290" y="505329"/>
+                  <a:pt x="409664" y="526956"/>
+                </a:cubicBezTo>
+                <a:cubicBezTo>
+                  <a:pt x="479443" y="537770"/>
+                  <a:pt x="543407" y="573815"/>
+                  <a:pt x="621908" y="516143"/>
+                </a:cubicBezTo>
+                <a:cubicBezTo>
+                  <a:pt x="674242" y="476494"/>
+                  <a:pt x="758558" y="519747"/>
+                  <a:pt x="822522" y="552188"/>
+                </a:cubicBezTo>
+                <a:cubicBezTo>
+                  <a:pt x="874856" y="581024"/>
+                  <a:pt x="927190" y="588232"/>
+                  <a:pt x="996969" y="552188"/>
+                </a:cubicBezTo>
+                <a:cubicBezTo>
+                  <a:pt x="933005" y="530562"/>
+                  <a:pt x="883579" y="512539"/>
+                  <a:pt x="834151" y="498120"/>
+                </a:cubicBezTo>
+                <a:cubicBezTo>
+                  <a:pt x="793447" y="487307"/>
+                  <a:pt x="770187" y="462076"/>
+                  <a:pt x="773095" y="408008"/>
+                </a:cubicBezTo>
+                <a:cubicBezTo>
+                  <a:pt x="773095" y="379172"/>
+                  <a:pt x="764373" y="339523"/>
+                  <a:pt x="793447" y="325106"/>
+                </a:cubicBezTo>
+                <a:cubicBezTo>
+                  <a:pt x="816707" y="310688"/>
+                  <a:pt x="848689" y="325106"/>
+                  <a:pt x="860319" y="350336"/>
+                </a:cubicBezTo>
+                <a:cubicBezTo>
+                  <a:pt x="874856" y="397195"/>
+                  <a:pt x="889393" y="440449"/>
+                  <a:pt x="938820" y="444054"/>
+                </a:cubicBezTo>
+                <a:cubicBezTo>
+                  <a:pt x="1005692" y="451262"/>
+                  <a:pt x="967894" y="422426"/>
+                  <a:pt x="956265" y="386381"/>
+                </a:cubicBezTo>
+                <a:cubicBezTo>
+                  <a:pt x="944635" y="346733"/>
+                  <a:pt x="979525" y="335919"/>
+                  <a:pt x="1002784" y="343127"/>
+                </a:cubicBezTo>
+                <a:cubicBezTo>
+                  <a:pt x="1090008" y="375569"/>
+                  <a:pt x="1180139" y="317897"/>
+                  <a:pt x="1270270" y="364755"/>
+                </a:cubicBezTo>
+                <a:cubicBezTo>
+                  <a:pt x="1247011" y="249411"/>
+                  <a:pt x="1197583" y="198949"/>
+                  <a:pt x="1092915" y="180926"/>
+                </a:cubicBezTo>
+                <a:cubicBezTo>
+                  <a:pt x="1055118" y="177322"/>
+                  <a:pt x="1014414" y="184530"/>
+                  <a:pt x="979525" y="152090"/>
+                </a:cubicBezTo>
+                <a:cubicBezTo>
+                  <a:pt x="959172" y="134068"/>
+                  <a:pt x="938820" y="112441"/>
+                  <a:pt x="953358" y="76396"/>
+                </a:cubicBezTo>
+                <a:cubicBezTo>
+                  <a:pt x="962080" y="51165"/>
+                  <a:pt x="985339" y="51165"/>
+                  <a:pt x="1005692" y="58373"/>
+                </a:cubicBezTo>
+                <a:cubicBezTo>
+                  <a:pt x="1090008" y="98023"/>
+                  <a:pt x="1180139" y="108837"/>
+                  <a:pt x="1267362" y="123254"/>
+                </a:cubicBezTo>
+                <a:cubicBezTo>
+                  <a:pt x="1281900" y="126859"/>
+                  <a:pt x="1296437" y="134068"/>
+                  <a:pt x="1310975" y="98023"/>
+                </a:cubicBezTo>
+                <a:cubicBezTo>
+                  <a:pt x="1260095" y="81803"/>
+                  <a:pt x="1209941" y="62879"/>
+                  <a:pt x="1159787" y="43505"/>
+                </a:cubicBezTo>
+                <a:close/>
+              </a:path>
+            </a:pathLst>
+          </a:custGeom>
+        </p:spPr>
+      </p:pic>
+      <p:sp>
+        <p:nvSpPr>
+          <p:cNvPr id="3" name="Slide Number Placeholder 2">
+            <a:extLst>
+              <a:ext uri="{FF2B5EF4-FFF2-40B4-BE49-F238E27FC236}">
+                <a16:creationId xmlns:a16="http://schemas.microsoft.com/office/drawing/2014/main" id="{3D4A75CD-8873-4F1F-BEB7-ACE26C3D33EC}"/>
               </a:ext>
             </a:extLst>
           </p:cNvPr>
@@ -7188,16 +8798,43 @@
             <p:ph type="sldNum" sz="quarter" idx="12"/>
           </p:nvPr>
         </p:nvSpPr>
-        <p:spPr/>
-        <p:txBody>
-          <a:bodyPr/>
+        <p:spPr>
+          <a:xfrm>
+            <a:off x="8610600" y="6356350"/>
+            <a:ext cx="2743200" cy="365125"/>
+          </a:xfrm>
+        </p:spPr>
+        <p:txBody>
+          <a:bodyPr vert="horz" lIns="91440" tIns="45720" rIns="91440" bIns="45720" rtlCol="0" anchor="ctr">
+            <a:normAutofit/>
+          </a:bodyPr>
           <a:lstStyle/>
           <a:p>
+            <a:pPr defTabSz="914400">
+              <a:spcAft>
+                <a:spcPts val="600"/>
+              </a:spcAft>
+              <a:defRPr/>
+            </a:pPr>
             <a:fld id="{F5120A83-C056-4377-B827-91A8F8C4B5BB}" type="slidenum">
-              <a:rPr lang="en-US" smtClean="0"/>
-              <a:t>12</a:t>
+              <a:rPr lang="en-US">
+                <a:solidFill>
+                  <a:srgbClr val="FFFFFF"/>
+                </a:solidFill>
+              </a:rPr>
+              <a:pPr defTabSz="914400">
+                <a:spcAft>
+                  <a:spcPts val="600"/>
+                </a:spcAft>
+                <a:defRPr/>
+              </a:pPr>
+              <a:t>14</a:t>
             </a:fld>
-            <a:endParaRPr lang="en-US"/>
+            <a:endParaRPr lang="en-US">
+              <a:solidFill>
+                <a:srgbClr val="FFFFFF"/>
+              </a:solidFill>
+            </a:endParaRPr>
           </a:p>
         </p:txBody>
       </p:sp>
@@ -7422,91 +9059,10 @@
           </a:p>
         </p:txBody>
       </p:sp>
-      <p:sp>
-        <p:nvSpPr>
-          <p:cNvPr id="7" name="Rectangle 6">
-            <a:extLst>
-              <a:ext uri="{FF2B5EF4-FFF2-40B4-BE49-F238E27FC236}">
-                <a16:creationId xmlns:a16="http://schemas.microsoft.com/office/drawing/2014/main" id="{03942F36-FC79-41C6-8C4F-AF1CDE29708F}"/>
-              </a:ext>
-            </a:extLst>
-          </p:cNvPr>
-          <p:cNvSpPr/>
-          <p:nvPr/>
-        </p:nvSpPr>
-        <p:spPr>
-          <a:xfrm>
-            <a:off x="9151230" y="323824"/>
-            <a:ext cx="2771849" cy="584775"/>
-          </a:xfrm>
-          <a:prstGeom prst="rect">
-            <a:avLst/>
-          </a:prstGeom>
-        </p:spPr>
-        <p:txBody>
-          <a:bodyPr wrap="none">
-            <a:spAutoFit/>
-          </a:bodyPr>
-          <a:lstStyle/>
-          <a:p>
-            <a:r>
-              <a:rPr lang="en-US" sz="3200" dirty="0">
-                <a:solidFill>
-                  <a:srgbClr val="C00000"/>
-                </a:solidFill>
-              </a:rPr>
-              <a:t>Order overview</a:t>
-            </a:r>
-          </a:p>
-        </p:txBody>
-      </p:sp>
-      <p:sp>
-        <p:nvSpPr>
-          <p:cNvPr id="8" name="Title 1">
-            <a:extLst>
-              <a:ext uri="{FF2B5EF4-FFF2-40B4-BE49-F238E27FC236}">
-                <a16:creationId xmlns:a16="http://schemas.microsoft.com/office/drawing/2014/main" id="{9A8DC680-B27E-4F92-88B5-C5B3BA5684A9}"/>
-              </a:ext>
-            </a:extLst>
-          </p:cNvPr>
-          <p:cNvSpPr>
-            <a:spLocks noGrp="1"/>
-          </p:cNvSpPr>
-          <p:nvPr>
-            <p:ph type="title"/>
-          </p:nvPr>
-        </p:nvSpPr>
-        <p:spPr>
-          <a:xfrm>
-            <a:off x="838200" y="-26013"/>
-            <a:ext cx="10515600" cy="1331167"/>
-          </a:xfrm>
-        </p:spPr>
-        <p:txBody>
-          <a:bodyPr>
-            <a:normAutofit/>
-          </a:bodyPr>
-          <a:lstStyle/>
-          <a:p>
-            <a:r>
-              <a:rPr lang="en-GB" sz="2800" dirty="0"/>
-              <a:t>User interface design</a:t>
-            </a:r>
-            <a:br>
-              <a:rPr lang="en-US" dirty="0"/>
-            </a:br>
-            <a:endParaRPr lang="en-US" dirty="0">
-              <a:solidFill>
-                <a:schemeClr val="accent2"/>
-              </a:solidFill>
-            </a:endParaRPr>
-          </a:p>
-        </p:txBody>
-      </p:sp>
     </p:spTree>
     <p:extLst>
       <p:ext uri="{BB962C8B-B14F-4D97-AF65-F5344CB8AC3E}">
-        <p14:creationId xmlns:p14="http://schemas.microsoft.com/office/powerpoint/2010/main" val="2118656408"/>
+        <p14:creationId xmlns:p14="http://schemas.microsoft.com/office/powerpoint/2010/main" val="4116697543"/>
       </p:ext>
     </p:extLst>
   </p:cSld>
@@ -7516,13 +9072,16 @@
 </p:sld>
 </file>
 
-<file path=ppt/slides/slide13.xml><?xml version="1.0" encoding="utf-8"?>
+<file path=ppt/slides/slide2.xml><?xml version="1.0" encoding="utf-8"?>
 <p:sld xmlns:a="http://schemas.openxmlformats.org/drawingml/2006/main" xmlns:r="http://schemas.openxmlformats.org/officeDocument/2006/relationships" xmlns:p="http://schemas.openxmlformats.org/presentationml/2006/main">
   <p:cSld>
     <p:bg>
       <p:bgPr>
         <a:solidFill>
-          <a:schemeClr val="bg1"/>
+          <a:schemeClr val="accent3">
+            <a:lumMod val="40000"/>
+            <a:lumOff val="60000"/>
+          </a:schemeClr>
         </a:solidFill>
         <a:effectLst/>
       </p:bgPr>
@@ -7557,21 +9116,18 @@
             <p:ph type="title"/>
           </p:nvPr>
         </p:nvSpPr>
-        <p:spPr>
-          <a:xfrm>
-            <a:off x="648929" y="629266"/>
-            <a:ext cx="3505495" cy="1622321"/>
-          </a:xfrm>
-        </p:spPr>
-        <p:txBody>
-          <a:bodyPr>
-            <a:normAutofit/>
-          </a:bodyPr>
+        <p:spPr/>
+        <p:txBody>
+          <a:bodyPr/>
           <a:lstStyle/>
           <a:p>
             <a:r>
-              <a:rPr lang="en-US"/>
-              <a:t>Testing </a:t>
+              <a:rPr lang="en-US" dirty="0">
+                <a:solidFill>
+                  <a:schemeClr val="accent2"/>
+                </a:solidFill>
+              </a:rPr>
+              <a:t>Outline</a:t>
             </a:r>
           </a:p>
         </p:txBody>
@@ -7592,196 +9148,102 @@
             <p:ph idx="1"/>
           </p:nvPr>
         </p:nvSpPr>
-        <p:spPr>
-          <a:xfrm>
-            <a:off x="648931" y="2438400"/>
-            <a:ext cx="3505494" cy="3785419"/>
-          </a:xfrm>
-        </p:spPr>
+        <p:spPr/>
         <p:txBody>
           <a:bodyPr>
-            <a:normAutofit/>
+            <a:normAutofit fontScale="62500" lnSpcReduction="20000"/>
           </a:bodyPr>
           <a:lstStyle/>
           <a:p>
-            <a:r>
-              <a:rPr lang="en-US" sz="2000" dirty="0">
+            <a:pPr>
+              <a:lnSpc>
+                <a:spcPct val="200000"/>
+              </a:lnSpc>
+            </a:pPr>
+            <a:r>
+              <a:rPr lang="en-US" dirty="0">
                 <a:latin typeface="Comic Sans MS" panose="030F0702030302020204" pitchFamily="66" charset="0"/>
               </a:rPr>
-              <a:t>Testing API</a:t>
-            </a:r>
-          </a:p>
-          <a:p>
-            <a:r>
-              <a:rPr lang="en-US" sz="2000" dirty="0">
+              <a:t>Introduction</a:t>
+            </a:r>
+          </a:p>
+          <a:p>
+            <a:pPr>
+              <a:lnSpc>
+                <a:spcPct val="200000"/>
+              </a:lnSpc>
+            </a:pPr>
+            <a:r>
+              <a:rPr lang="en-US" dirty="0">
                 <a:latin typeface="Comic Sans MS" panose="030F0702030302020204" pitchFamily="66" charset="0"/>
               </a:rPr>
-              <a:t>Testing Frontend </a:t>
-            </a:r>
-          </a:p>
-          <a:p>
-            <a:pPr marL="0" indent="0">
-              <a:buNone/>
+              <a:t>Methodology</a:t>
+            </a:r>
+          </a:p>
+          <a:p>
+            <a:pPr>
+              <a:lnSpc>
+                <a:spcPct val="200000"/>
+              </a:lnSpc>
             </a:pPr>
             <a:r>
-              <a:rPr lang="en-US" sz="2000" dirty="0">
+              <a:rPr lang="en-US" dirty="0">
                 <a:latin typeface="Comic Sans MS" panose="030F0702030302020204" pitchFamily="66" charset="0"/>
               </a:rPr>
-              <a:t>  </a:t>
-            </a:r>
-          </a:p>
-          <a:p>
-            <a:pPr marL="0" indent="0">
-              <a:buNone/>
+              <a:t>System Architecture and System Design</a:t>
+            </a:r>
+          </a:p>
+          <a:p>
+            <a:pPr>
+              <a:lnSpc>
+                <a:spcPct val="200000"/>
+              </a:lnSpc>
             </a:pPr>
             <a:r>
-              <a:rPr lang="en-US" sz="2000" dirty="0">
+              <a:rPr lang="en-US" dirty="0">
                 <a:latin typeface="Comic Sans MS" panose="030F0702030302020204" pitchFamily="66" charset="0"/>
               </a:rPr>
-              <a:t>   </a:t>
-            </a:r>
-          </a:p>
-          <a:p>
-            <a:endParaRPr lang="en-US" sz="2000" dirty="0">
-              <a:latin typeface="Comic Sans MS" panose="030F0702030302020204" pitchFamily="66" charset="0"/>
-            </a:endParaRPr>
-          </a:p>
-        </p:txBody>
-      </p:sp>
-      <p:sp>
-        <p:nvSpPr>
-          <p:cNvPr id="26" name="Rectangle 13">
-            <a:extLst>
-              <a:ext uri="{FF2B5EF4-FFF2-40B4-BE49-F238E27FC236}">
-                <a16:creationId xmlns:a16="http://schemas.microsoft.com/office/drawing/2014/main" id="{5E39A796-BE83-48B1-B33F-35C4A32AAB57}"/>
-              </a:ext>
-              <a:ext uri="{C183D7F6-B498-43B3-948B-1728B52AA6E4}">
-                <adec:decorative xmlns:adec="http://schemas.microsoft.com/office/drawing/2017/decorative" val="1"/>
-              </a:ext>
-            </a:extLst>
-          </p:cNvPr>
-          <p:cNvSpPr>
-            <a:spLocks noGrp="1" noRot="1" noChangeAspect="1" noMove="1" noResize="1" noEditPoints="1" noAdjustHandles="1" noChangeArrowheads="1" noChangeShapeType="1" noTextEdit="1"/>
-          </p:cNvSpPr>
-          <p:nvPr>
-            <p:extLst>
-              <p:ext uri="{386F3935-93C4-4BCD-93E2-E3B085C9AB24}">
-                <p16:designElem xmlns:p16="http://schemas.microsoft.com/office/powerpoint/2015/main" val="1"/>
-              </p:ext>
-            </p:extLst>
-          </p:nvPr>
-        </p:nvSpPr>
-        <p:spPr>
-          <a:xfrm>
-            <a:off x="4639056" y="0"/>
-            <a:ext cx="7552944" cy="6858000"/>
-          </a:xfrm>
-          <a:prstGeom prst="rect">
-            <a:avLst/>
-          </a:prstGeom>
-          <a:solidFill>
-            <a:srgbClr val="C8CACA"/>
-          </a:solidFill>
-          <a:ln>
-            <a:noFill/>
-          </a:ln>
-        </p:spPr>
-        <p:style>
-          <a:lnRef idx="2">
-            <a:schemeClr val="accent1">
-              <a:shade val="50000"/>
-            </a:schemeClr>
-          </a:lnRef>
-          <a:fillRef idx="1">
-            <a:schemeClr val="accent1"/>
-          </a:fillRef>
-          <a:effectRef idx="0">
-            <a:schemeClr val="accent1"/>
-          </a:effectRef>
-          <a:fontRef idx="minor">
-            <a:schemeClr val="lt1"/>
-          </a:fontRef>
-        </p:style>
-        <p:txBody>
-          <a:bodyPr rtlCol="0" anchor="ctr"/>
-          <a:lstStyle/>
-          <a:p>
-            <a:pPr algn="ctr"/>
-            <a:endParaRPr lang="en-US"/>
-          </a:p>
-        </p:txBody>
-      </p:sp>
-      <p:sp>
-        <p:nvSpPr>
-          <p:cNvPr id="27" name="Rounded Rectangle 9">
-            <a:extLst>
-              <a:ext uri="{FF2B5EF4-FFF2-40B4-BE49-F238E27FC236}">
-                <a16:creationId xmlns:a16="http://schemas.microsoft.com/office/drawing/2014/main" id="{72F84B47-E267-4194-8194-831DB7B5547F}"/>
-              </a:ext>
-              <a:ext uri="{C183D7F6-B498-43B3-948B-1728B52AA6E4}">
-                <adec:decorative xmlns:adec="http://schemas.microsoft.com/office/drawing/2017/decorative" val="1"/>
-              </a:ext>
-            </a:extLst>
-          </p:cNvPr>
-          <p:cNvSpPr>
-            <a:spLocks noGrp="1" noRot="1" noChangeAspect="1" noMove="1" noResize="1" noEditPoints="1" noAdjustHandles="1" noChangeArrowheads="1" noChangeShapeType="1" noTextEdit="1"/>
-          </p:cNvSpPr>
-          <p:nvPr>
-            <p:extLst>
-              <p:ext uri="{386F3935-93C4-4BCD-93E2-E3B085C9AB24}">
-                <p16:designElem xmlns:p16="http://schemas.microsoft.com/office/powerpoint/2015/main" val="1"/>
-              </p:ext>
-            </p:extLst>
-          </p:nvPr>
-        </p:nvSpPr>
-        <p:spPr>
-          <a:xfrm>
-            <a:off x="5123688" y="557784"/>
-            <a:ext cx="6584098" cy="5739187"/>
-          </a:xfrm>
-          <a:prstGeom prst="roundRect">
-            <a:avLst>
-              <a:gd name="adj" fmla="val 0"/>
-            </a:avLst>
-          </a:prstGeom>
-          <a:solidFill>
-            <a:srgbClr val="FFFFFF"/>
-          </a:solidFill>
-          <a:ln w="9525">
-            <a:solidFill>
-              <a:srgbClr val="C8CACA"/>
-            </a:solidFill>
-          </a:ln>
-          <a:effectLst>
-            <a:outerShdw blurRad="57150" dist="19050" dir="5400000" algn="t" rotWithShape="0">
-              <a:prstClr val="black">
-                <a:alpha val="63000"/>
-              </a:prstClr>
-            </a:outerShdw>
-          </a:effectLst>
-        </p:spPr>
-        <p:style>
-          <a:lnRef idx="2">
-            <a:schemeClr val="accent1">
-              <a:shade val="50000"/>
-            </a:schemeClr>
-          </a:lnRef>
-          <a:fillRef idx="1">
-            <a:schemeClr val="accent1"/>
-          </a:fillRef>
-          <a:effectRef idx="0">
-            <a:schemeClr val="accent1"/>
-          </a:effectRef>
-          <a:fontRef idx="minor">
-            <a:schemeClr val="lt1"/>
-          </a:fontRef>
-        </p:style>
-        <p:txBody>
-          <a:bodyPr rtlCol="0" anchor="ctr"/>
-          <a:lstStyle/>
-          <a:p>
-            <a:pPr algn="ctr"/>
-            <a:endParaRPr lang="en-US"/>
+              <a:t>User Interface </a:t>
+            </a:r>
+          </a:p>
+          <a:p>
+            <a:pPr>
+              <a:lnSpc>
+                <a:spcPct val="200000"/>
+              </a:lnSpc>
+            </a:pPr>
+            <a:r>
+              <a:rPr lang="en-US" dirty="0">
+                <a:latin typeface="Comic Sans MS" panose="030F0702030302020204" pitchFamily="66" charset="0"/>
+              </a:rPr>
+              <a:t>Demo</a:t>
+            </a:r>
+          </a:p>
+          <a:p>
+            <a:pPr>
+              <a:lnSpc>
+                <a:spcPct val="200000"/>
+              </a:lnSpc>
+            </a:pPr>
+            <a:r>
+              <a:rPr lang="en-US" dirty="0">
+                <a:latin typeface="Comic Sans MS" panose="030F0702030302020204" pitchFamily="66" charset="0"/>
+              </a:rPr>
+              <a:t>Testing</a:t>
+            </a:r>
+          </a:p>
+          <a:p>
+            <a:pPr>
+              <a:lnSpc>
+                <a:spcPct val="200000"/>
+              </a:lnSpc>
+            </a:pPr>
+            <a:r>
+              <a:rPr lang="en-US" dirty="0">
+                <a:latin typeface="Comic Sans MS" panose="030F0702030302020204" pitchFamily="66" charset="0"/>
+              </a:rPr>
+              <a:t>Conclusion</a:t>
+            </a:r>
           </a:p>
         </p:txBody>
       </p:sp>
@@ -7801,48 +9263,23 @@
             <p:ph type="sldNum" sz="quarter" idx="12"/>
           </p:nvPr>
         </p:nvSpPr>
-        <p:spPr>
-          <a:xfrm>
-            <a:off x="8610600" y="6356350"/>
-            <a:ext cx="2743200" cy="365125"/>
-          </a:xfrm>
-        </p:spPr>
-        <p:txBody>
-          <a:bodyPr>
-            <a:normAutofit/>
-          </a:bodyPr>
+        <p:spPr/>
+        <p:txBody>
+          <a:bodyPr/>
           <a:lstStyle/>
           <a:p>
-            <a:pPr>
-              <a:spcAft>
-                <a:spcPts val="600"/>
-              </a:spcAft>
-            </a:pPr>
             <a:fld id="{F5120A83-C056-4377-B827-91A8F8C4B5BB}" type="slidenum">
-              <a:rPr lang="en-US">
-                <a:solidFill>
-                  <a:srgbClr val="303030"/>
-                </a:solidFill>
-              </a:rPr>
-              <a:pPr>
-                <a:spcAft>
-                  <a:spcPts val="600"/>
-                </a:spcAft>
-              </a:pPr>
-              <a:t>13</a:t>
+              <a:rPr lang="en-US" smtClean="0"/>
+              <a:t>2</a:t>
             </a:fld>
-            <a:endParaRPr lang="en-US">
-              <a:solidFill>
-                <a:srgbClr val="303030"/>
-              </a:solidFill>
-            </a:endParaRPr>
+            <a:endParaRPr lang="en-US"/>
           </a:p>
         </p:txBody>
       </p:sp>
     </p:spTree>
     <p:extLst>
       <p:ext uri="{BB962C8B-B14F-4D97-AF65-F5344CB8AC3E}">
-        <p14:creationId xmlns:p14="http://schemas.microsoft.com/office/powerpoint/2010/main" val="2062890155"/>
+        <p14:creationId xmlns:p14="http://schemas.microsoft.com/office/powerpoint/2010/main" val="3071461722"/>
       </p:ext>
     </p:extLst>
   </p:cSld>
@@ -7852,7 +9289,186 @@
 </p:sld>
 </file>
 
-<file path=ppt/slides/slide14.xml><?xml version="1.0" encoding="utf-8"?>
+<file path=ppt/slides/slide3.xml><?xml version="1.0" encoding="utf-8"?>
+<p:sld xmlns:a="http://schemas.openxmlformats.org/drawingml/2006/main" xmlns:r="http://schemas.openxmlformats.org/officeDocument/2006/relationships" xmlns:p="http://schemas.openxmlformats.org/presentationml/2006/main">
+  <p:cSld>
+    <p:bg>
+      <p:bgPr>
+        <a:solidFill>
+          <a:schemeClr val="accent3">
+            <a:lumMod val="40000"/>
+            <a:lumOff val="60000"/>
+          </a:schemeClr>
+        </a:solidFill>
+        <a:effectLst/>
+      </p:bgPr>
+    </p:bg>
+    <p:spTree>
+      <p:nvGrpSpPr>
+        <p:cNvPr id="1" name=""/>
+        <p:cNvGrpSpPr/>
+        <p:nvPr/>
+      </p:nvGrpSpPr>
+      <p:grpSpPr>
+        <a:xfrm>
+          <a:off x="0" y="0"/>
+          <a:ext cx="0" cy="0"/>
+          <a:chOff x="0" y="0"/>
+          <a:chExt cx="0" cy="0"/>
+        </a:xfrm>
+      </p:grpSpPr>
+      <p:sp>
+        <p:nvSpPr>
+          <p:cNvPr id="2" name="Title 1">
+            <a:extLst>
+              <a:ext uri="{FF2B5EF4-FFF2-40B4-BE49-F238E27FC236}">
+                <a16:creationId xmlns:a16="http://schemas.microsoft.com/office/drawing/2014/main" id="{066DBE7E-EAA7-4A84-8D19-89D916CFD1DE}"/>
+              </a:ext>
+            </a:extLst>
+          </p:cNvPr>
+          <p:cNvSpPr>
+            <a:spLocks noGrp="1"/>
+          </p:cNvSpPr>
+          <p:nvPr>
+            <p:ph type="title"/>
+          </p:nvPr>
+        </p:nvSpPr>
+        <p:spPr/>
+        <p:txBody>
+          <a:bodyPr/>
+          <a:lstStyle/>
+          <a:p>
+            <a:r>
+              <a:rPr lang="en-US" dirty="0"/>
+              <a:t>Introduction </a:t>
+            </a:r>
+            <a:r>
+              <a:rPr lang="en-US" dirty="0">
+                <a:solidFill>
+                  <a:srgbClr val="FF0000"/>
+                </a:solidFill>
+              </a:rPr>
+              <a:t>(</a:t>
+            </a:r>
+            <a:r>
+              <a:rPr lang="en-US" sz="3200" b="1" dirty="0">
+                <a:solidFill>
+                  <a:schemeClr val="accent2"/>
+                </a:solidFill>
+              </a:rPr>
+              <a:t>Problem Statement</a:t>
+            </a:r>
+            <a:r>
+              <a:rPr lang="en-US" dirty="0">
+                <a:solidFill>
+                  <a:srgbClr val="FF0000"/>
+                </a:solidFill>
+              </a:rPr>
+              <a:t>)</a:t>
+            </a:r>
+          </a:p>
+        </p:txBody>
+      </p:sp>
+      <p:sp>
+        <p:nvSpPr>
+          <p:cNvPr id="3" name="Content Placeholder 2">
+            <a:extLst>
+              <a:ext uri="{FF2B5EF4-FFF2-40B4-BE49-F238E27FC236}">
+                <a16:creationId xmlns:a16="http://schemas.microsoft.com/office/drawing/2014/main" id="{D03F85AB-222B-46FB-8132-D570C0DD8799}"/>
+              </a:ext>
+            </a:extLst>
+          </p:cNvPr>
+          <p:cNvSpPr>
+            <a:spLocks noGrp="1"/>
+          </p:cNvSpPr>
+          <p:nvPr>
+            <p:ph idx="1"/>
+          </p:nvPr>
+        </p:nvSpPr>
+        <p:spPr>
+          <a:xfrm>
+            <a:off x="838200" y="1858297"/>
+            <a:ext cx="10515600" cy="2487561"/>
+          </a:xfrm>
+        </p:spPr>
+        <p:style>
+          <a:lnRef idx="2">
+            <a:schemeClr val="accent4"/>
+          </a:lnRef>
+          <a:fillRef idx="1">
+            <a:schemeClr val="lt1"/>
+          </a:fillRef>
+          <a:effectRef idx="0">
+            <a:schemeClr val="accent4"/>
+          </a:effectRef>
+          <a:fontRef idx="minor">
+            <a:schemeClr val="dk1"/>
+          </a:fontRef>
+        </p:style>
+        <p:txBody>
+          <a:bodyPr>
+            <a:normAutofit/>
+          </a:bodyPr>
+          <a:lstStyle/>
+          <a:p>
+            <a:pPr marL="0" indent="0">
+              <a:lnSpc>
+                <a:spcPct val="250000"/>
+              </a:lnSpc>
+              <a:buNone/>
+            </a:pPr>
+            <a:r>
+              <a:rPr lang="en-US" sz="2400" dirty="0">
+                <a:latin typeface="Comic Sans MS" panose="030F0702030302020204" pitchFamily="66" charset="0"/>
+              </a:rPr>
+              <a:t>-Textile cleaning company named "Clean It! AG" needs an application to handle their daily business in their local cleaning shops.</a:t>
+            </a:r>
+          </a:p>
+        </p:txBody>
+      </p:sp>
+      <p:sp>
+        <p:nvSpPr>
+          <p:cNvPr id="4" name="Slide Number Placeholder 3">
+            <a:extLst>
+              <a:ext uri="{FF2B5EF4-FFF2-40B4-BE49-F238E27FC236}">
+                <a16:creationId xmlns:a16="http://schemas.microsoft.com/office/drawing/2014/main" id="{4899AAC5-0D7D-458D-9D63-DE96827A7C58}"/>
+              </a:ext>
+            </a:extLst>
+          </p:cNvPr>
+          <p:cNvSpPr>
+            <a:spLocks noGrp="1"/>
+          </p:cNvSpPr>
+          <p:nvPr>
+            <p:ph type="sldNum" sz="quarter" idx="12"/>
+          </p:nvPr>
+        </p:nvSpPr>
+        <p:spPr/>
+        <p:txBody>
+          <a:bodyPr/>
+          <a:lstStyle/>
+          <a:p>
+            <a:fld id="{F5120A83-C056-4377-B827-91A8F8C4B5BB}" type="slidenum">
+              <a:rPr lang="en-US" smtClean="0"/>
+              <a:t>3</a:t>
+            </a:fld>
+            <a:endParaRPr lang="en-US"/>
+          </a:p>
+        </p:txBody>
+      </p:sp>
+    </p:spTree>
+    <p:extLst>
+      <p:ext uri="{BB962C8B-B14F-4D97-AF65-F5344CB8AC3E}">
+        <p14:creationId xmlns:p14="http://schemas.microsoft.com/office/powerpoint/2010/main" val="1175529930"/>
+      </p:ext>
+    </p:extLst>
+  </p:cSld>
+  <p:clrMapOvr>
+    <a:masterClrMapping/>
+  </p:clrMapOvr>
+</p:sld>
+</file>
+
+<file path=ppt/slides/slide4.xml><?xml version="1.0" encoding="utf-8"?>
 <p:sld xmlns:a="http://schemas.openxmlformats.org/drawingml/2006/main" xmlns:r="http://schemas.openxmlformats.org/officeDocument/2006/relationships" xmlns:p="http://schemas.openxmlformats.org/presentationml/2006/main">
   <p:cSld>
     <p:bg>
@@ -7879,10 +9495,10 @@
       </p:grpSpPr>
       <p:sp useBgFill="1">
         <p:nvSpPr>
-          <p:cNvPr id="27" name="Rectangle 22">
+          <p:cNvPr id="17" name="Rectangle 16">
             <a:extLst>
               <a:ext uri="{FF2B5EF4-FFF2-40B4-BE49-F238E27FC236}">
-                <a16:creationId xmlns:a16="http://schemas.microsoft.com/office/drawing/2014/main" id="{9B7AD9F6-8CE7-4299-8FC6-328F4DCD3FF9}"/>
+                <a16:creationId xmlns:a16="http://schemas.microsoft.com/office/drawing/2014/main" id="{DCC231C8-C761-4B31-9B1C-C6D19248C6B3}"/>
               </a:ext>
               <a:ext uri="{C183D7F6-B498-43B3-948B-1728B52AA6E4}">
                 <adec:decorative xmlns:adec="http://schemas.microsoft.com/office/drawing/2017/decorative" val="1"/>
@@ -7902,7 +9518,7 @@
         </p:nvSpPr>
         <p:spPr>
           <a:xfrm>
-            <a:off x="0" y="0"/>
+            <a:off x="-1" y="0"/>
             <a:ext cx="12188952" cy="6858000"/>
           </a:xfrm>
           <a:prstGeom prst="rect">
@@ -7939,407 +9555,601 @@
       </p:sp>
       <p:sp>
         <p:nvSpPr>
-          <p:cNvPr id="2" name="TextBox 1">
+          <p:cNvPr id="2" name="Title 1">
             <a:extLst>
               <a:ext uri="{FF2B5EF4-FFF2-40B4-BE49-F238E27FC236}">
-                <a16:creationId xmlns:a16="http://schemas.microsoft.com/office/drawing/2014/main" id="{5CD0D8B4-15B0-4275-9DC0-9A4E0CA6AABF}"/>
+                <a16:creationId xmlns:a16="http://schemas.microsoft.com/office/drawing/2014/main" id="{066DBE7E-EAA7-4A84-8D19-89D916CFD1DE}"/>
               </a:ext>
             </a:extLst>
           </p:cNvPr>
-          <p:cNvSpPr txBox="1"/>
-          <p:nvPr/>
+          <p:cNvSpPr>
+            <a:spLocks noGrp="1"/>
+          </p:cNvSpPr>
+          <p:nvPr>
+            <p:ph type="title"/>
+          </p:nvPr>
         </p:nvSpPr>
         <p:spPr>
           <a:xfrm>
-            <a:off x="890338" y="640080"/>
-            <a:ext cx="3734014" cy="4846320"/>
+            <a:off x="838200" y="557189"/>
+            <a:ext cx="3374136" cy="5567891"/>
+          </a:xfrm>
+        </p:spPr>
+        <p:txBody>
+          <a:bodyPr>
+            <a:normAutofit/>
+          </a:bodyPr>
+          <a:lstStyle/>
+          <a:p>
+            <a:r>
+              <a:rPr lang="en-US" sz="2900" dirty="0"/>
+              <a:t>Introduction(</a:t>
+            </a:r>
+            <a:r>
+              <a:rPr lang="en-US" sz="2900" dirty="0">
+                <a:solidFill>
+                  <a:schemeClr val="accent2"/>
+                </a:solidFill>
+              </a:rPr>
+              <a:t>Goals</a:t>
+            </a:r>
+            <a:r>
+              <a:rPr lang="en-US" sz="2900" dirty="0"/>
+              <a:t>)</a:t>
+            </a:r>
+          </a:p>
+        </p:txBody>
+      </p:sp>
+      <p:sp>
+        <p:nvSpPr>
+          <p:cNvPr id="4" name="Slide Number Placeholder 3">
+            <a:extLst>
+              <a:ext uri="{FF2B5EF4-FFF2-40B4-BE49-F238E27FC236}">
+                <a16:creationId xmlns:a16="http://schemas.microsoft.com/office/drawing/2014/main" id="{4899AAC5-0D7D-458D-9D63-DE96827A7C58}"/>
+              </a:ext>
+            </a:extLst>
+          </p:cNvPr>
+          <p:cNvSpPr>
+            <a:spLocks noGrp="1"/>
+          </p:cNvSpPr>
+          <p:nvPr>
+            <p:ph type="sldNum" sz="quarter" idx="12"/>
+          </p:nvPr>
+        </p:nvSpPr>
+        <p:spPr>
+          <a:xfrm>
+            <a:off x="8610600" y="6356350"/>
+            <a:ext cx="2743200" cy="365125"/>
+          </a:xfrm>
+        </p:spPr>
+        <p:txBody>
+          <a:bodyPr>
+            <a:normAutofit/>
+          </a:bodyPr>
+          <a:lstStyle/>
+          <a:p>
+            <a:pPr>
+              <a:spcAft>
+                <a:spcPts val="600"/>
+              </a:spcAft>
+            </a:pPr>
+            <a:fld id="{F5120A83-C056-4377-B827-91A8F8C4B5BB}" type="slidenum">
+              <a:rPr lang="en-US" smtClean="0"/>
+              <a:pPr>
+                <a:spcAft>
+                  <a:spcPts val="600"/>
+                </a:spcAft>
+              </a:pPr>
+              <a:t>4</a:t>
+            </a:fld>
+            <a:endParaRPr lang="en-US"/>
+          </a:p>
+        </p:txBody>
+      </p:sp>
+      <p:graphicFrame>
+        <p:nvGraphicFramePr>
+          <p:cNvPr id="6" name="Content Placeholder 2">
+            <a:extLst>
+              <a:ext uri="{FF2B5EF4-FFF2-40B4-BE49-F238E27FC236}">
+                <a16:creationId xmlns:a16="http://schemas.microsoft.com/office/drawing/2014/main" id="{A14BFEA8-3760-4B94-8963-0CF5B4A56503}"/>
+              </a:ext>
+            </a:extLst>
+          </p:cNvPr>
+          <p:cNvGraphicFramePr>
+            <a:graphicFrameLocks noGrp="1"/>
+          </p:cNvGraphicFramePr>
+          <p:nvPr>
+            <p:ph idx="1"/>
+            <p:extLst>
+              <p:ext uri="{D42A27DB-BD31-4B8C-83A1-F6EECF244321}">
+                <p14:modId xmlns:p14="http://schemas.microsoft.com/office/powerpoint/2010/main" val="676157594"/>
+              </p:ext>
+            </p:extLst>
+          </p:nvPr>
+        </p:nvGraphicFramePr>
+        <p:xfrm>
+          <a:off x="4718050" y="2241550"/>
+          <a:ext cx="7283450" cy="3384550"/>
+        </p:xfrm>
+        <a:graphic>
+          <a:graphicData uri="http://schemas.openxmlformats.org/drawingml/2006/diagram">
+            <dgm:relIds xmlns:dgm="http://schemas.openxmlformats.org/drawingml/2006/diagram" xmlns:r="http://schemas.openxmlformats.org/officeDocument/2006/relationships" r:dm="rId2" r:lo="rId3" r:qs="rId4" r:cs="rId5"/>
+          </a:graphicData>
+        </a:graphic>
+      </p:graphicFrame>
+    </p:spTree>
+    <p:extLst>
+      <p:ext uri="{BB962C8B-B14F-4D97-AF65-F5344CB8AC3E}">
+        <p14:creationId xmlns:p14="http://schemas.microsoft.com/office/powerpoint/2010/main" val="1207829129"/>
+      </p:ext>
+    </p:extLst>
+  </p:cSld>
+  <p:clrMapOvr>
+    <a:masterClrMapping/>
+  </p:clrMapOvr>
+</p:sld>
+</file>
+
+<file path=ppt/slides/slide5.xml><?xml version="1.0" encoding="utf-8"?>
+<p:sld xmlns:a="http://schemas.openxmlformats.org/drawingml/2006/main" xmlns:r="http://schemas.openxmlformats.org/officeDocument/2006/relationships" xmlns:p="http://schemas.openxmlformats.org/presentationml/2006/main">
+  <p:cSld>
+    <p:bg>
+      <p:bgPr>
+        <a:solidFill>
+          <a:schemeClr val="bg1">
+            <a:lumMod val="75000"/>
+          </a:schemeClr>
+        </a:solidFill>
+        <a:effectLst/>
+      </p:bgPr>
+    </p:bg>
+    <p:spTree>
+      <p:nvGrpSpPr>
+        <p:cNvPr id="1" name=""/>
+        <p:cNvGrpSpPr/>
+        <p:nvPr/>
+      </p:nvGrpSpPr>
+      <p:grpSpPr>
+        <a:xfrm>
+          <a:off x="0" y="0"/>
+          <a:ext cx="0" cy="0"/>
+          <a:chOff x="0" y="0"/>
+          <a:chExt cx="0" cy="0"/>
+        </a:xfrm>
+      </p:grpSpPr>
+      <p:sp>
+        <p:nvSpPr>
+          <p:cNvPr id="2" name="Title 1">
+            <a:extLst>
+              <a:ext uri="{FF2B5EF4-FFF2-40B4-BE49-F238E27FC236}">
+                <a16:creationId xmlns:a16="http://schemas.microsoft.com/office/drawing/2014/main" id="{066DBE7E-EAA7-4A84-8D19-89D916CFD1DE}"/>
+              </a:ext>
+            </a:extLst>
+          </p:cNvPr>
+          <p:cNvSpPr>
+            <a:spLocks noGrp="1"/>
+          </p:cNvSpPr>
+          <p:nvPr>
+            <p:ph type="title"/>
+          </p:nvPr>
+        </p:nvSpPr>
+        <p:spPr/>
+        <p:txBody>
+          <a:bodyPr/>
+          <a:lstStyle/>
+          <a:p>
+            <a:r>
+              <a:rPr lang="en-US"/>
+              <a:t>Introduction </a:t>
+            </a:r>
+            <a:r>
+              <a:rPr lang="en-US">
+                <a:solidFill>
+                  <a:srgbClr val="FF0000"/>
+                </a:solidFill>
+              </a:rPr>
+              <a:t>(</a:t>
+            </a:r>
+            <a:r>
+              <a:rPr lang="en-US" sz="3200" b="1">
+                <a:solidFill>
+                  <a:schemeClr val="accent2"/>
+                </a:solidFill>
+              </a:rPr>
+              <a:t>Textile cleaning process</a:t>
+            </a:r>
+            <a:r>
+              <a:rPr lang="en-US">
+                <a:solidFill>
+                  <a:srgbClr val="FF0000"/>
+                </a:solidFill>
+              </a:rPr>
+              <a:t>)</a:t>
+            </a:r>
+            <a:endParaRPr lang="en-US" dirty="0">
+              <a:solidFill>
+                <a:srgbClr val="FF0000"/>
+              </a:solidFill>
+            </a:endParaRPr>
+          </a:p>
+        </p:txBody>
+      </p:sp>
+      <p:sp>
+        <p:nvSpPr>
+          <p:cNvPr id="4" name="Slide Number Placeholder 3">
+            <a:extLst>
+              <a:ext uri="{FF2B5EF4-FFF2-40B4-BE49-F238E27FC236}">
+                <a16:creationId xmlns:a16="http://schemas.microsoft.com/office/drawing/2014/main" id="{4899AAC5-0D7D-458D-9D63-DE96827A7C58}"/>
+              </a:ext>
+            </a:extLst>
+          </p:cNvPr>
+          <p:cNvSpPr>
+            <a:spLocks noGrp="1"/>
+          </p:cNvSpPr>
+          <p:nvPr>
+            <p:ph type="sldNum" sz="quarter" idx="12"/>
+          </p:nvPr>
+        </p:nvSpPr>
+        <p:spPr/>
+        <p:txBody>
+          <a:bodyPr/>
+          <a:lstStyle/>
+          <a:p>
+            <a:fld id="{F5120A83-C056-4377-B827-91A8F8C4B5BB}" type="slidenum">
+              <a:rPr lang="en-US" smtClean="0"/>
+              <a:t>5</a:t>
+            </a:fld>
+            <a:endParaRPr lang="en-US"/>
+          </a:p>
+        </p:txBody>
+      </p:sp>
+      <p:pic>
+        <p:nvPicPr>
+          <p:cNvPr id="7" name="Inhaltsplatzhalter 6" descr="Ein Bild, das Text, Whiteboard enthält.&#10;&#10;Automatisch generierte Beschreibung">
+            <a:extLst>
+              <a:ext uri="{FF2B5EF4-FFF2-40B4-BE49-F238E27FC236}">
+                <a16:creationId xmlns:a16="http://schemas.microsoft.com/office/drawing/2014/main" id="{82114A13-EDC2-4030-8C84-5C03A1977198}"/>
+              </a:ext>
+            </a:extLst>
+          </p:cNvPr>
+          <p:cNvPicPr>
+            <a:picLocks noGrp="1" noChangeAspect="1"/>
+          </p:cNvPicPr>
+          <p:nvPr>
+            <p:ph idx="1"/>
+          </p:nvPr>
+        </p:nvPicPr>
+        <p:blipFill>
+          <a:blip r:embed="rId2">
+            <a:extLst>
+              <a:ext uri="{28A0092B-C50C-407E-A947-70E740481C1C}">
+                <a14:useLocalDpi xmlns:a14="http://schemas.microsoft.com/office/drawing/2010/main" val="0"/>
+              </a:ext>
+            </a:extLst>
+          </a:blip>
+          <a:stretch>
+            <a:fillRect/>
+          </a:stretch>
+        </p:blipFill>
+        <p:spPr>
+          <a:xfrm rot="16200000">
+            <a:off x="3855720" y="602984"/>
+            <a:ext cx="4480560" cy="7026172"/>
           </a:xfrm>
           <a:prstGeom prst="rect">
             <a:avLst/>
           </a:prstGeom>
+          <a:solidFill>
+            <a:srgbClr val="FFFFFF">
+              <a:shade val="85000"/>
+            </a:srgbClr>
+          </a:solidFill>
+          <a:ln w="88900" cap="sq">
+            <a:solidFill>
+              <a:srgbClr val="FFFFFF"/>
+            </a:solidFill>
+            <a:miter lim="800000"/>
+          </a:ln>
+          <a:effectLst>
+            <a:outerShdw blurRad="55000" dist="18000" dir="5400000" algn="tl" rotWithShape="0">
+              <a:srgbClr val="000000">
+                <a:alpha val="40000"/>
+              </a:srgbClr>
+            </a:outerShdw>
+          </a:effectLst>
+          <a:scene3d>
+            <a:camera prst="orthographicFront"/>
+            <a:lightRig rig="twoPt" dir="t">
+              <a:rot lat="0" lon="0" rev="7200000"/>
+            </a:lightRig>
+          </a:scene3d>
+          <a:sp3d>
+            <a:bevelT w="25400" h="19050"/>
+            <a:contourClr>
+              <a:srgbClr val="FFFFFF"/>
+            </a:contourClr>
+          </a:sp3d>
         </p:spPr>
-        <p:txBody>
-          <a:bodyPr vert="horz" lIns="91440" tIns="45720" rIns="91440" bIns="45720" rtlCol="0" anchor="b">
-            <a:normAutofit/>
-          </a:bodyPr>
-          <a:lstStyle/>
-          <a:p>
-            <a:pPr defTabSz="914400">
-              <a:lnSpc>
-                <a:spcPct val="90000"/>
-              </a:lnSpc>
-              <a:spcBef>
-                <a:spcPct val="0"/>
-              </a:spcBef>
-              <a:spcAft>
-                <a:spcPts val="600"/>
-              </a:spcAft>
-            </a:pPr>
-            <a:r>
-              <a:rPr lang="en-US" sz="5400" b="1" dirty="0">
-                <a:latin typeface="+mj-lt"/>
-                <a:ea typeface="+mj-ea"/>
-                <a:cs typeface="+mj-cs"/>
-              </a:rPr>
-              <a:t>Conclusion</a:t>
-            </a:r>
-          </a:p>
-          <a:p>
-            <a:pPr defTabSz="914400">
-              <a:lnSpc>
-                <a:spcPct val="90000"/>
-              </a:lnSpc>
-              <a:spcBef>
-                <a:spcPct val="0"/>
-              </a:spcBef>
-              <a:spcAft>
-                <a:spcPts val="600"/>
-              </a:spcAft>
-            </a:pPr>
-            <a:endParaRPr lang="en-US" sz="2400" b="1" dirty="0">
-              <a:latin typeface="+mj-lt"/>
-              <a:ea typeface="+mj-ea"/>
-              <a:cs typeface="+mj-cs"/>
-            </a:endParaRPr>
-          </a:p>
-          <a:p>
-            <a:pPr marL="342900" indent="-342900" defTabSz="914400">
-              <a:lnSpc>
-                <a:spcPct val="90000"/>
-              </a:lnSpc>
-              <a:spcBef>
-                <a:spcPct val="0"/>
-              </a:spcBef>
-              <a:spcAft>
-                <a:spcPts val="600"/>
-              </a:spcAft>
-              <a:buFont typeface="Arial" panose="020B0604020202020204" pitchFamily="34" charset="0"/>
-              <a:buChar char="•"/>
-            </a:pPr>
-            <a:endParaRPr lang="en-US" sz="2400" b="1" dirty="0">
-              <a:latin typeface="+mj-lt"/>
-              <a:ea typeface="+mj-ea"/>
-              <a:cs typeface="+mj-cs"/>
-            </a:endParaRPr>
-          </a:p>
-          <a:p>
-            <a:pPr defTabSz="914400">
-              <a:lnSpc>
-                <a:spcPct val="90000"/>
-              </a:lnSpc>
-              <a:spcBef>
-                <a:spcPct val="0"/>
-              </a:spcBef>
-              <a:spcAft>
-                <a:spcPts val="600"/>
-              </a:spcAft>
-            </a:pPr>
-            <a:endParaRPr lang="en-US" sz="5400" b="1" dirty="0">
-              <a:latin typeface="+mj-lt"/>
-              <a:ea typeface="+mj-ea"/>
-              <a:cs typeface="+mj-cs"/>
-            </a:endParaRPr>
-          </a:p>
-          <a:p>
-            <a:pPr defTabSz="914400">
-              <a:lnSpc>
-                <a:spcPct val="90000"/>
-              </a:lnSpc>
-              <a:spcBef>
-                <a:spcPct val="0"/>
-              </a:spcBef>
-              <a:spcAft>
-                <a:spcPts val="600"/>
-              </a:spcAft>
-            </a:pPr>
-            <a:endParaRPr lang="en-US" sz="5400" dirty="0">
-              <a:latin typeface="+mj-lt"/>
-              <a:ea typeface="+mj-ea"/>
-              <a:cs typeface="+mj-cs"/>
-            </a:endParaRPr>
-          </a:p>
-        </p:txBody>
-      </p:sp>
+      </p:pic>
+    </p:spTree>
+    <p:extLst>
+      <p:ext uri="{BB962C8B-B14F-4D97-AF65-F5344CB8AC3E}">
+        <p14:creationId xmlns:p14="http://schemas.microsoft.com/office/powerpoint/2010/main" val="2679578121"/>
+      </p:ext>
+    </p:extLst>
+  </p:cSld>
+  <p:clrMapOvr>
+    <a:masterClrMapping/>
+  </p:clrMapOvr>
+</p:sld>
+</file>
+
+<file path=ppt/slides/slide6.xml><?xml version="1.0" encoding="utf-8"?>
+<p:sld xmlns:a="http://schemas.openxmlformats.org/drawingml/2006/main" xmlns:r="http://schemas.openxmlformats.org/officeDocument/2006/relationships" xmlns:p="http://schemas.openxmlformats.org/presentationml/2006/main">
+  <p:cSld>
+    <p:bg>
+      <p:bgPr>
+        <a:solidFill>
+          <a:schemeClr val="accent3">
+            <a:lumMod val="40000"/>
+            <a:lumOff val="60000"/>
+          </a:schemeClr>
+        </a:solidFill>
+        <a:effectLst/>
+      </p:bgPr>
+    </p:bg>
+    <p:spTree>
+      <p:nvGrpSpPr>
+        <p:cNvPr id="1" name=""/>
+        <p:cNvGrpSpPr/>
+        <p:nvPr/>
+      </p:nvGrpSpPr>
+      <p:grpSpPr>
+        <a:xfrm>
+          <a:off x="0" y="0"/>
+          <a:ext cx="0" cy="0"/>
+          <a:chOff x="0" y="0"/>
+          <a:chExt cx="0" cy="0"/>
+        </a:xfrm>
+      </p:grpSpPr>
       <p:sp>
         <p:nvSpPr>
-          <p:cNvPr id="28" name="sketchy line">
+          <p:cNvPr id="2" name="Title 1">
             <a:extLst>
               <a:ext uri="{FF2B5EF4-FFF2-40B4-BE49-F238E27FC236}">
-                <a16:creationId xmlns:a16="http://schemas.microsoft.com/office/drawing/2014/main" id="{F49775AF-8896-43EE-92C6-83497D6DC56F}"/>
-              </a:ext>
-              <a:ext uri="{C183D7F6-B498-43B3-948B-1728B52AA6E4}">
-                <adec:decorative xmlns:adec="http://schemas.microsoft.com/office/drawing/2017/decorative" val="1"/>
+                <a16:creationId xmlns:a16="http://schemas.microsoft.com/office/drawing/2014/main" id="{066DBE7E-EAA7-4A84-8D19-89D916CFD1DE}"/>
               </a:ext>
             </a:extLst>
           </p:cNvPr>
           <p:cNvSpPr>
-            <a:spLocks noGrp="1" noRot="1" noChangeAspect="1" noMove="1" noResize="1" noEditPoints="1" noAdjustHandles="1" noChangeArrowheads="1" noChangeShapeType="1" noTextEdit="1"/>
+            <a:spLocks noGrp="1"/>
           </p:cNvSpPr>
           <p:nvPr>
-            <p:extLst>
-              <p:ext uri="{386F3935-93C4-4BCD-93E2-E3B085C9AB24}">
-                <p16:designElem xmlns:p16="http://schemas.microsoft.com/office/powerpoint/2015/main" val="1"/>
-              </p:ext>
-            </p:extLst>
+            <p:ph type="title"/>
+          </p:nvPr>
+        </p:nvSpPr>
+        <p:spPr/>
+        <p:txBody>
+          <a:bodyPr/>
+          <a:lstStyle/>
+          <a:p>
+            <a:r>
+              <a:rPr lang="en-US" dirty="0">
+                <a:solidFill>
+                  <a:schemeClr val="accent2"/>
+                </a:solidFill>
+              </a:rPr>
+              <a:t>Methodology</a:t>
+            </a:r>
+          </a:p>
+        </p:txBody>
+      </p:sp>
+      <p:sp>
+        <p:nvSpPr>
+          <p:cNvPr id="3" name="Content Placeholder 2">
+            <a:extLst>
+              <a:ext uri="{FF2B5EF4-FFF2-40B4-BE49-F238E27FC236}">
+                <a16:creationId xmlns:a16="http://schemas.microsoft.com/office/drawing/2014/main" id="{D03F85AB-222B-46FB-8132-D570C0DD8799}"/>
+              </a:ext>
+            </a:extLst>
+          </p:cNvPr>
+          <p:cNvSpPr>
+            <a:spLocks noGrp="1"/>
+          </p:cNvSpPr>
+          <p:nvPr>
+            <p:ph idx="1"/>
+          </p:nvPr>
+        </p:nvSpPr>
+        <p:spPr/>
+        <p:txBody>
+          <a:bodyPr>
+            <a:normAutofit/>
+          </a:bodyPr>
+          <a:lstStyle/>
+          <a:p>
+            <a:pPr>
+              <a:lnSpc>
+                <a:spcPct val="200000"/>
+              </a:lnSpc>
+            </a:pPr>
+            <a:r>
+              <a:rPr lang="en-US" dirty="0">
+                <a:latin typeface="Comic Sans MS" panose="030F0702030302020204" pitchFamily="66" charset="0"/>
+              </a:rPr>
+              <a:t>Domain Analysis</a:t>
+            </a:r>
+          </a:p>
+          <a:p>
+            <a:pPr>
+              <a:lnSpc>
+                <a:spcPct val="200000"/>
+              </a:lnSpc>
+            </a:pPr>
+            <a:r>
+              <a:rPr lang="en-US" dirty="0">
+                <a:latin typeface="Comic Sans MS" panose="030F0702030302020204" pitchFamily="66" charset="0"/>
+              </a:rPr>
+              <a:t>System</a:t>
+            </a:r>
+          </a:p>
+          <a:p>
+            <a:pPr>
+              <a:lnSpc>
+                <a:spcPct val="200000"/>
+              </a:lnSpc>
+            </a:pPr>
+            <a:r>
+              <a:rPr lang="en-US" dirty="0">
+                <a:latin typeface="Comic Sans MS" panose="030F0702030302020204" pitchFamily="66" charset="0"/>
+              </a:rPr>
+              <a:t>Technologies</a:t>
+            </a:r>
+          </a:p>
+          <a:p>
+            <a:pPr marL="0" indent="0">
+              <a:lnSpc>
+                <a:spcPct val="200000"/>
+              </a:lnSpc>
+              <a:buNone/>
+            </a:pPr>
+            <a:endParaRPr lang="en-US" dirty="0">
+              <a:latin typeface="Comic Sans MS" panose="030F0702030302020204" pitchFamily="66" charset="0"/>
+            </a:endParaRPr>
+          </a:p>
+          <a:p>
+            <a:pPr>
+              <a:lnSpc>
+                <a:spcPct val="200000"/>
+              </a:lnSpc>
+            </a:pPr>
+            <a:endParaRPr lang="en-US" dirty="0">
+              <a:latin typeface="Comic Sans MS" panose="030F0702030302020204" pitchFamily="66" charset="0"/>
+            </a:endParaRPr>
+          </a:p>
+        </p:txBody>
+      </p:sp>
+      <p:sp>
+        <p:nvSpPr>
+          <p:cNvPr id="4" name="Slide Number Placeholder 3">
+            <a:extLst>
+              <a:ext uri="{FF2B5EF4-FFF2-40B4-BE49-F238E27FC236}">
+                <a16:creationId xmlns:a16="http://schemas.microsoft.com/office/drawing/2014/main" id="{4899AAC5-0D7D-458D-9D63-DE96827A7C58}"/>
+              </a:ext>
+            </a:extLst>
+          </p:cNvPr>
+          <p:cNvSpPr>
+            <a:spLocks noGrp="1"/>
+          </p:cNvSpPr>
+          <p:nvPr>
+            <p:ph type="sldNum" sz="quarter" idx="12"/>
+          </p:nvPr>
+        </p:nvSpPr>
+        <p:spPr/>
+        <p:txBody>
+          <a:bodyPr/>
+          <a:lstStyle/>
+          <a:p>
+            <a:fld id="{F5120A83-C056-4377-B827-91A8F8C4B5BB}" type="slidenum">
+              <a:rPr lang="en-US" smtClean="0"/>
+              <a:t>6</a:t>
+            </a:fld>
+            <a:endParaRPr lang="en-US"/>
+          </a:p>
+        </p:txBody>
+      </p:sp>
+    </p:spTree>
+    <p:extLst>
+      <p:ext uri="{BB962C8B-B14F-4D97-AF65-F5344CB8AC3E}">
+        <p14:creationId xmlns:p14="http://schemas.microsoft.com/office/powerpoint/2010/main" val="1341947706"/>
+      </p:ext>
+    </p:extLst>
+  </p:cSld>
+  <p:clrMapOvr>
+    <a:masterClrMapping/>
+  </p:clrMapOvr>
+</p:sld>
+</file>
+
+<file path=ppt/slides/slide7.xml><?xml version="1.0" encoding="utf-8"?>
+<p:sld xmlns:a="http://schemas.openxmlformats.org/drawingml/2006/main" xmlns:r="http://schemas.openxmlformats.org/officeDocument/2006/relationships" xmlns:p="http://schemas.openxmlformats.org/presentationml/2006/main">
+  <p:cSld>
+    <p:spTree>
+      <p:nvGrpSpPr>
+        <p:cNvPr id="1" name=""/>
+        <p:cNvGrpSpPr/>
+        <p:nvPr/>
+      </p:nvGrpSpPr>
+      <p:grpSpPr>
+        <a:xfrm>
+          <a:off x="0" y="0"/>
+          <a:ext cx="0" cy="0"/>
+          <a:chOff x="0" y="0"/>
+          <a:chExt cx="0" cy="0"/>
+        </a:xfrm>
+      </p:grpSpPr>
+      <p:sp>
+        <p:nvSpPr>
+          <p:cNvPr id="18" name="Title 1">
+            <a:extLst>
+              <a:ext uri="{FF2B5EF4-FFF2-40B4-BE49-F238E27FC236}">
+                <a16:creationId xmlns:a16="http://schemas.microsoft.com/office/drawing/2014/main" id="{FCD07BA2-0945-414D-8018-DCF2868ED678}"/>
+              </a:ext>
+            </a:extLst>
+          </p:cNvPr>
+          <p:cNvSpPr>
+            <a:spLocks noGrp="1"/>
+          </p:cNvSpPr>
+          <p:nvPr>
+            <p:ph type="title"/>
           </p:nvPr>
         </p:nvSpPr>
         <p:spPr>
           <a:xfrm>
-            <a:off x="890338" y="4409267"/>
-            <a:ext cx="3474720" cy="18288"/>
+            <a:off x="838200" y="0"/>
+            <a:ext cx="10515600" cy="2390569"/>
           </a:xfrm>
-          <a:custGeom>
-            <a:avLst/>
-            <a:gdLst>
-              <a:gd name="connsiteX0" fmla="*/ 0 w 3474720"/>
-              <a:gd name="connsiteY0" fmla="*/ 0 h 18288"/>
-              <a:gd name="connsiteX1" fmla="*/ 694944 w 3474720"/>
-              <a:gd name="connsiteY1" fmla="*/ 0 h 18288"/>
-              <a:gd name="connsiteX2" fmla="*/ 1355141 w 3474720"/>
-              <a:gd name="connsiteY2" fmla="*/ 0 h 18288"/>
-              <a:gd name="connsiteX3" fmla="*/ 2015338 w 3474720"/>
-              <a:gd name="connsiteY3" fmla="*/ 0 h 18288"/>
-              <a:gd name="connsiteX4" fmla="*/ 2779776 w 3474720"/>
-              <a:gd name="connsiteY4" fmla="*/ 0 h 18288"/>
-              <a:gd name="connsiteX5" fmla="*/ 3474720 w 3474720"/>
-              <a:gd name="connsiteY5" fmla="*/ 0 h 18288"/>
-              <a:gd name="connsiteX6" fmla="*/ 3474720 w 3474720"/>
-              <a:gd name="connsiteY6" fmla="*/ 18288 h 18288"/>
-              <a:gd name="connsiteX7" fmla="*/ 2779776 w 3474720"/>
-              <a:gd name="connsiteY7" fmla="*/ 18288 h 18288"/>
-              <a:gd name="connsiteX8" fmla="*/ 2189074 w 3474720"/>
-              <a:gd name="connsiteY8" fmla="*/ 18288 h 18288"/>
-              <a:gd name="connsiteX9" fmla="*/ 1528877 w 3474720"/>
-              <a:gd name="connsiteY9" fmla="*/ 18288 h 18288"/>
-              <a:gd name="connsiteX10" fmla="*/ 868680 w 3474720"/>
-              <a:gd name="connsiteY10" fmla="*/ 18288 h 18288"/>
-              <a:gd name="connsiteX11" fmla="*/ 0 w 3474720"/>
-              <a:gd name="connsiteY11" fmla="*/ 18288 h 18288"/>
-              <a:gd name="connsiteX12" fmla="*/ 0 w 3474720"/>
-              <a:gd name="connsiteY12" fmla="*/ 0 h 18288"/>
-            </a:gdLst>
-            <a:ahLst/>
-            <a:cxnLst>
-              <a:cxn ang="0">
-                <a:pos x="connsiteX0" y="connsiteY0"/>
-              </a:cxn>
-              <a:cxn ang="0">
-                <a:pos x="connsiteX1" y="connsiteY1"/>
-              </a:cxn>
-              <a:cxn ang="0">
-                <a:pos x="connsiteX2" y="connsiteY2"/>
-              </a:cxn>
-              <a:cxn ang="0">
-                <a:pos x="connsiteX3" y="connsiteY3"/>
-              </a:cxn>
-              <a:cxn ang="0">
-                <a:pos x="connsiteX4" y="connsiteY4"/>
-              </a:cxn>
-              <a:cxn ang="0">
-                <a:pos x="connsiteX5" y="connsiteY5"/>
-              </a:cxn>
-              <a:cxn ang="0">
-                <a:pos x="connsiteX6" y="connsiteY6"/>
-              </a:cxn>
-              <a:cxn ang="0">
-                <a:pos x="connsiteX7" y="connsiteY7"/>
-              </a:cxn>
-              <a:cxn ang="0">
-                <a:pos x="connsiteX8" y="connsiteY8"/>
-              </a:cxn>
-              <a:cxn ang="0">
-                <a:pos x="connsiteX9" y="connsiteY9"/>
-              </a:cxn>
-              <a:cxn ang="0">
-                <a:pos x="connsiteX10" y="connsiteY10"/>
-              </a:cxn>
-              <a:cxn ang="0">
-                <a:pos x="connsiteX11" y="connsiteY11"/>
-              </a:cxn>
-              <a:cxn ang="0">
-                <a:pos x="connsiteX12" y="connsiteY12"/>
-              </a:cxn>
-            </a:cxnLst>
-            <a:rect l="l" t="t" r="r" b="b"/>
-            <a:pathLst>
-              <a:path w="3474720" h="18288" fill="none" extrusionOk="0">
-                <a:moveTo>
-                  <a:pt x="0" y="0"/>
-                </a:moveTo>
-                <a:cubicBezTo>
-                  <a:pt x="224454" y="-14544"/>
-                  <a:pt x="495407" y="26540"/>
-                  <a:pt x="694944" y="0"/>
-                </a:cubicBezTo>
-                <a:cubicBezTo>
-                  <a:pt x="894481" y="-26540"/>
-                  <a:pt x="1130063" y="24713"/>
-                  <a:pt x="1355141" y="0"/>
-                </a:cubicBezTo>
-                <a:cubicBezTo>
-                  <a:pt x="1580219" y="-24713"/>
-                  <a:pt x="1820099" y="26695"/>
-                  <a:pt x="2015338" y="0"/>
-                </a:cubicBezTo>
-                <a:cubicBezTo>
-                  <a:pt x="2210577" y="-26695"/>
-                  <a:pt x="2402045" y="165"/>
-                  <a:pt x="2779776" y="0"/>
-                </a:cubicBezTo>
-                <a:cubicBezTo>
-                  <a:pt x="3157507" y="-165"/>
-                  <a:pt x="3286859" y="-15571"/>
-                  <a:pt x="3474720" y="0"/>
-                </a:cubicBezTo>
-                <a:cubicBezTo>
-                  <a:pt x="3474286" y="7551"/>
-                  <a:pt x="3474253" y="9822"/>
-                  <a:pt x="3474720" y="18288"/>
-                </a:cubicBezTo>
-                <a:cubicBezTo>
-                  <a:pt x="3233904" y="29845"/>
-                  <a:pt x="2945134" y="-5256"/>
-                  <a:pt x="2779776" y="18288"/>
-                </a:cubicBezTo>
-                <a:cubicBezTo>
-                  <a:pt x="2614418" y="41832"/>
-                  <a:pt x="2339768" y="22709"/>
-                  <a:pt x="2189074" y="18288"/>
-                </a:cubicBezTo>
-                <a:cubicBezTo>
-                  <a:pt x="2038380" y="13867"/>
-                  <a:pt x="1817434" y="-4947"/>
-                  <a:pt x="1528877" y="18288"/>
-                </a:cubicBezTo>
-                <a:cubicBezTo>
-                  <a:pt x="1240320" y="41523"/>
-                  <a:pt x="1042447" y="37198"/>
-                  <a:pt x="868680" y="18288"/>
-                </a:cubicBezTo>
-                <a:cubicBezTo>
-                  <a:pt x="694913" y="-622"/>
-                  <a:pt x="233232" y="44909"/>
-                  <a:pt x="0" y="18288"/>
-                </a:cubicBezTo>
-                <a:cubicBezTo>
-                  <a:pt x="60" y="11696"/>
-                  <a:pt x="66" y="3758"/>
-                  <a:pt x="0" y="0"/>
-                </a:cubicBezTo>
-                <a:close/>
-              </a:path>
-              <a:path w="3474720" h="18288" stroke="0" extrusionOk="0">
-                <a:moveTo>
-                  <a:pt x="0" y="0"/>
-                </a:moveTo>
-                <a:cubicBezTo>
-                  <a:pt x="202328" y="-14716"/>
-                  <a:pt x="332722" y="-11499"/>
-                  <a:pt x="625450" y="0"/>
-                </a:cubicBezTo>
-                <a:cubicBezTo>
-                  <a:pt x="918178" y="11499"/>
-                  <a:pt x="1096688" y="5123"/>
-                  <a:pt x="1389888" y="0"/>
-                </a:cubicBezTo>
-                <a:cubicBezTo>
-                  <a:pt x="1683088" y="-5123"/>
-                  <a:pt x="1835981" y="-14038"/>
-                  <a:pt x="1980590" y="0"/>
-                </a:cubicBezTo>
-                <a:cubicBezTo>
-                  <a:pt x="2125199" y="14038"/>
-                  <a:pt x="2396099" y="-7203"/>
-                  <a:pt x="2571293" y="0"/>
-                </a:cubicBezTo>
-                <a:cubicBezTo>
-                  <a:pt x="2746487" y="7203"/>
-                  <a:pt x="3041609" y="-12036"/>
-                  <a:pt x="3474720" y="0"/>
-                </a:cubicBezTo>
-                <a:cubicBezTo>
-                  <a:pt x="3474638" y="4406"/>
-                  <a:pt x="3474631" y="9982"/>
-                  <a:pt x="3474720" y="18288"/>
-                </a:cubicBezTo>
-                <a:cubicBezTo>
-                  <a:pt x="3324873" y="21876"/>
-                  <a:pt x="3136771" y="12587"/>
-                  <a:pt x="2814523" y="18288"/>
-                </a:cubicBezTo>
-                <a:cubicBezTo>
-                  <a:pt x="2492275" y="23989"/>
-                  <a:pt x="2294402" y="47111"/>
-                  <a:pt x="2154326" y="18288"/>
-                </a:cubicBezTo>
-                <a:cubicBezTo>
-                  <a:pt x="2014250" y="-10535"/>
-                  <a:pt x="1820317" y="33903"/>
-                  <a:pt x="1494130" y="18288"/>
-                </a:cubicBezTo>
-                <a:cubicBezTo>
-                  <a:pt x="1167943" y="2673"/>
-                  <a:pt x="948432" y="14868"/>
-                  <a:pt x="729691" y="18288"/>
-                </a:cubicBezTo>
-                <a:cubicBezTo>
-                  <a:pt x="510950" y="21708"/>
-                  <a:pt x="264032" y="24354"/>
-                  <a:pt x="0" y="18288"/>
-                </a:cubicBezTo>
-                <a:cubicBezTo>
-                  <a:pt x="189" y="14288"/>
-                  <a:pt x="-703" y="3747"/>
-                  <a:pt x="0" y="0"/>
-                </a:cubicBezTo>
-                <a:close/>
-              </a:path>
-            </a:pathLst>
-          </a:custGeom>
-          <a:solidFill>
-            <a:schemeClr val="accent2"/>
-          </a:solidFill>
-          <a:ln w="44450" cap="rnd">
-            <a:solidFill>
-              <a:schemeClr val="accent2"/>
-            </a:solidFill>
-            <a:round/>
-            <a:extLst>
-              <a:ext uri="{C807C97D-BFC1-408E-A445-0C87EB9F89A2}">
-                <ask:lineSketchStyleProps xmlns:ask="http://schemas.microsoft.com/office/drawing/2018/sketchyshapes" sd="2863741219">
-                  <a:prstGeom prst="rect">
-                    <a:avLst/>
-                  </a:prstGeom>
-                  <ask:type>
-                    <ask:lineSketchFreehand/>
-                  </ask:type>
-                </ask:lineSketchStyleProps>
-              </a:ext>
-            </a:extLst>
-          </a:ln>
         </p:spPr>
-        <p:style>
-          <a:lnRef idx="2">
-            <a:schemeClr val="accent1">
-              <a:shade val="50000"/>
-            </a:schemeClr>
-          </a:lnRef>
-          <a:fillRef idx="1">
-            <a:schemeClr val="accent1"/>
-          </a:fillRef>
-          <a:effectRef idx="0">
-            <a:schemeClr val="accent1"/>
-          </a:effectRef>
-          <a:fontRef idx="minor">
-            <a:schemeClr val="lt1"/>
-          </a:fontRef>
-        </p:style>
-        <p:txBody>
-          <a:bodyPr rtlCol="0" anchor="ctr"/>
+        <p:txBody>
+          <a:bodyPr>
+            <a:normAutofit/>
+          </a:bodyPr>
           <a:lstStyle/>
           <a:p>
             <a:pPr algn="ctr"/>
-            <a:endParaRPr lang="en-US"/>
+            <a:r>
+              <a:rPr lang="en-US" sz="4800" dirty="0">
+                <a:solidFill>
+                  <a:schemeClr val="accent2"/>
+                </a:solidFill>
+              </a:rPr>
+              <a:t>Methodology</a:t>
+            </a:r>
+            <a:br>
+              <a:rPr lang="en-US" dirty="0"/>
+            </a:br>
+            <a:r>
+              <a:rPr lang="en-US" dirty="0">
+                <a:solidFill>
+                  <a:srgbClr val="7030A0"/>
+                </a:solidFill>
+              </a:rPr>
+              <a:t>TECHNO</a:t>
+            </a:r>
+            <a:r>
+              <a:rPr lang="en-US" dirty="0">
+                <a:solidFill>
+                  <a:schemeClr val="bg1"/>
+                </a:solidFill>
+                <a:highlight>
+                  <a:srgbClr val="000080"/>
+                </a:highlight>
+              </a:rPr>
+              <a:t>LOGIES</a:t>
+            </a:r>
+            <a:br>
+              <a:rPr lang="en-US" dirty="0"/>
+            </a:br>
+            <a:endParaRPr lang="en-US" dirty="0"/>
           </a:p>
         </p:txBody>
       </p:sp>
@@ -8359,145 +10169,32 @@
             <p:ph idx="1"/>
           </p:nvPr>
         </p:nvPicPr>
-        <p:blipFill rotWithShape="1">
+        <p:blipFill>
           <a:blip r:embed="rId2">
+            <a:alphaModFix amt="20000"/>
             <a:extLst>
               <a:ext uri="{28A0092B-C50C-407E-A947-70E740481C1C}">
                 <a14:useLocalDpi xmlns:a14="http://schemas.microsoft.com/office/drawing/2010/main" val="0"/>
               </a:ext>
             </a:extLst>
           </a:blip>
-          <a:srcRect l="26613" r="28752"/>
-          <a:stretch/>
+          <a:stretch>
+            <a:fillRect/>
+          </a:stretch>
         </p:blipFill>
         <p:spPr>
           <a:xfrm>
-            <a:off x="5311702" y="10"/>
-            <a:ext cx="6878775" cy="6857990"/>
+            <a:off x="0" y="0"/>
+            <a:ext cx="12192000" cy="6858000"/>
           </a:xfrm>
-          <a:custGeom>
-            <a:avLst/>
-            <a:gdLst/>
-            <a:ahLst/>
-            <a:cxnLst/>
-            <a:rect l="l" t="t" r="r" b="b"/>
-            <a:pathLst>
-              <a:path w="6878775" h="6858000">
-                <a:moveTo>
-                  <a:pt x="1102973" y="0"/>
-                </a:moveTo>
-                <a:lnTo>
-                  <a:pt x="1160688" y="0"/>
-                </a:lnTo>
-                <a:lnTo>
-                  <a:pt x="983189" y="331786"/>
-                </a:lnTo>
-                <a:cubicBezTo>
-                  <a:pt x="914866" y="469145"/>
-                  <a:pt x="850355" y="608712"/>
-                  <a:pt x="789261" y="750263"/>
-                </a:cubicBezTo>
-                <a:cubicBezTo>
-                  <a:pt x="774307" y="784928"/>
-                  <a:pt x="759992" y="819849"/>
-                  <a:pt x="745295" y="854514"/>
-                </a:cubicBezTo>
-                <a:cubicBezTo>
-                  <a:pt x="756682" y="845393"/>
-                  <a:pt x="765489" y="833492"/>
-                  <a:pt x="770857" y="819975"/>
-                </a:cubicBezTo>
-                <a:cubicBezTo>
-                  <a:pt x="879943" y="589569"/>
-                  <a:pt x="999605" y="365513"/>
-                  <a:pt x="1131329" y="148742"/>
-                </a:cubicBezTo>
-                <a:lnTo>
-                  <a:pt x="1227589" y="0"/>
-                </a:lnTo>
-                <a:lnTo>
-                  <a:pt x="6878775" y="0"/>
-                </a:lnTo>
-                <a:lnTo>
-                  <a:pt x="6878775" y="6858000"/>
-                </a:lnTo>
-                <a:lnTo>
-                  <a:pt x="713521" y="6858000"/>
-                </a:lnTo>
-                <a:lnTo>
-                  <a:pt x="625642" y="6670527"/>
-                </a:lnTo>
-                <a:cubicBezTo>
-                  <a:pt x="507232" y="6398531"/>
-                  <a:pt x="403083" y="6118381"/>
-                  <a:pt x="312785" y="5830359"/>
-                </a:cubicBezTo>
-                <a:cubicBezTo>
-                  <a:pt x="278149" y="5719759"/>
-                  <a:pt x="248879" y="5607635"/>
-                  <a:pt x="212198" y="5480401"/>
-                </a:cubicBezTo>
-                <a:cubicBezTo>
-                  <a:pt x="212208" y="5491601"/>
-                  <a:pt x="212803" y="5502788"/>
-                  <a:pt x="213988" y="5513923"/>
-                </a:cubicBezTo>
-                <a:cubicBezTo>
-                  <a:pt x="264089" y="5723695"/>
-                  <a:pt x="307290" y="5935370"/>
-                  <a:pt x="365826" y="6142729"/>
-                </a:cubicBezTo>
-                <a:cubicBezTo>
-                  <a:pt x="433152" y="6380817"/>
-                  <a:pt x="510068" y="6614016"/>
-                  <a:pt x="597975" y="6841549"/>
-                </a:cubicBezTo>
-                <a:lnTo>
-                  <a:pt x="604824" y="6858000"/>
-                </a:lnTo>
-                <a:lnTo>
-                  <a:pt x="552056" y="6858000"/>
-                </a:lnTo>
-                <a:lnTo>
-                  <a:pt x="539576" y="6828295"/>
-                </a:lnTo>
-                <a:cubicBezTo>
-                  <a:pt x="380597" y="6414594"/>
-                  <a:pt x="260223" y="5988893"/>
-                  <a:pt x="171555" y="5552906"/>
-                </a:cubicBezTo>
-                <a:cubicBezTo>
-                  <a:pt x="91163" y="5157998"/>
-                  <a:pt x="43746" y="4758899"/>
-                  <a:pt x="12305" y="4357388"/>
-                </a:cubicBezTo>
-                <a:cubicBezTo>
-                  <a:pt x="-14281" y="4013908"/>
-                  <a:pt x="4507" y="3672965"/>
-                  <a:pt x="46684" y="3331516"/>
-                </a:cubicBezTo>
-                <a:cubicBezTo>
-                  <a:pt x="127203" y="2664286"/>
-                  <a:pt x="277819" y="2007265"/>
-                  <a:pt x="496065" y="1371196"/>
-                </a:cubicBezTo>
-                <a:cubicBezTo>
-                  <a:pt x="636273" y="966066"/>
-                  <a:pt x="800445" y="573253"/>
-                  <a:pt x="995723" y="196614"/>
-                </a:cubicBezTo>
-                <a:close/>
-              </a:path>
-            </a:pathLst>
-          </a:custGeom>
         </p:spPr>
       </p:pic>
       <p:sp>
         <p:nvSpPr>
-          <p:cNvPr id="3" name="Slide Number Placeholder 2">
+          <p:cNvPr id="2" name="Slide Number Placeholder 1">
             <a:extLst>
               <a:ext uri="{FF2B5EF4-FFF2-40B4-BE49-F238E27FC236}">
-                <a16:creationId xmlns:a16="http://schemas.microsoft.com/office/drawing/2014/main" id="{3D4A75CD-8873-4F1F-BEB7-ACE26C3D33EC}"/>
+                <a16:creationId xmlns:a16="http://schemas.microsoft.com/office/drawing/2014/main" id="{B873B1BE-7345-4788-A7B8-F49DE19CD7F9}"/>
               </a:ext>
             </a:extLst>
           </p:cNvPr>
@@ -8508,45 +10205,16 @@
             <p:ph type="sldNum" sz="quarter" idx="12"/>
           </p:nvPr>
         </p:nvSpPr>
-        <p:spPr>
-          <a:xfrm>
-            <a:off x="10591800" y="6356350"/>
-            <a:ext cx="762000" cy="365125"/>
-          </a:xfrm>
-        </p:spPr>
-        <p:txBody>
-          <a:bodyPr vert="horz" lIns="91440" tIns="45720" rIns="91440" bIns="45720" rtlCol="0" anchor="ctr">
-            <a:normAutofit/>
-          </a:bodyPr>
+        <p:spPr/>
+        <p:txBody>
+          <a:bodyPr/>
           <a:lstStyle/>
           <a:p>
-            <a:pPr defTabSz="914400">
-              <a:spcAft>
-                <a:spcPts val="600"/>
-              </a:spcAft>
-              <a:defRPr/>
-            </a:pPr>
             <a:fld id="{F5120A83-C056-4377-B827-91A8F8C4B5BB}" type="slidenum">
-              <a:rPr lang="en-US" smtClean="0">
-                <a:solidFill>
-                  <a:srgbClr val="FFFFFF"/>
-                </a:solidFill>
-                <a:latin typeface="Calibri" panose="020F0502020204030204"/>
-              </a:rPr>
-              <a:pPr defTabSz="914400">
-                <a:spcAft>
-                  <a:spcPts val="600"/>
-                </a:spcAft>
-                <a:defRPr/>
-              </a:pPr>
-              <a:t>14</a:t>
+              <a:rPr lang="en-US" smtClean="0"/>
+              <a:t>7</a:t>
             </a:fld>
-            <a:endParaRPr lang="en-US">
-              <a:solidFill>
-                <a:srgbClr val="FFFFFF"/>
-              </a:solidFill>
-              <a:latin typeface="Calibri" panose="020F0502020204030204"/>
-            </a:endParaRPr>
+            <a:endParaRPr lang="en-US"/>
           </a:p>
         </p:txBody>
       </p:sp>
@@ -8771,815 +10439,22 @@
           </a:p>
         </p:txBody>
       </p:sp>
-    </p:spTree>
-    <p:extLst>
-      <p:ext uri="{BB962C8B-B14F-4D97-AF65-F5344CB8AC3E}">
-        <p14:creationId xmlns:p14="http://schemas.microsoft.com/office/powerpoint/2010/main" val="4116697543"/>
-      </p:ext>
-    </p:extLst>
-  </p:cSld>
-  <p:clrMapOvr>
-    <a:masterClrMapping/>
-  </p:clrMapOvr>
-</p:sld>
-</file>
-
-<file path=ppt/slides/slide2.xml><?xml version="1.0" encoding="utf-8"?>
-<p:sld xmlns:a="http://schemas.openxmlformats.org/drawingml/2006/main" xmlns:r="http://schemas.openxmlformats.org/officeDocument/2006/relationships" xmlns:p="http://schemas.openxmlformats.org/presentationml/2006/main">
-  <p:cSld>
-    <p:bg>
-      <p:bgPr>
-        <a:solidFill>
-          <a:schemeClr val="accent3">
-            <a:lumMod val="40000"/>
-            <a:lumOff val="60000"/>
-          </a:schemeClr>
-        </a:solidFill>
-        <a:effectLst/>
-      </p:bgPr>
-    </p:bg>
-    <p:spTree>
-      <p:nvGrpSpPr>
-        <p:cNvPr id="1" name=""/>
-        <p:cNvGrpSpPr/>
-        <p:nvPr/>
-      </p:nvGrpSpPr>
-      <p:grpSpPr>
-        <a:xfrm>
-          <a:off x="0" y="0"/>
-          <a:ext cx="0" cy="0"/>
-          <a:chOff x="0" y="0"/>
-          <a:chExt cx="0" cy="0"/>
-        </a:xfrm>
-      </p:grpSpPr>
-      <p:sp>
-        <p:nvSpPr>
-          <p:cNvPr id="2" name="Title 1">
+      <p:pic>
+        <p:nvPicPr>
+          <p:cNvPr id="4" name="Grafik 3">
             <a:extLst>
               <a:ext uri="{FF2B5EF4-FFF2-40B4-BE49-F238E27FC236}">
-                <a16:creationId xmlns:a16="http://schemas.microsoft.com/office/drawing/2014/main" id="{066DBE7E-EAA7-4A84-8D19-89D916CFD1DE}"/>
-              </a:ext>
-            </a:extLst>
-          </p:cNvPr>
-          <p:cNvSpPr>
-            <a:spLocks noGrp="1"/>
-          </p:cNvSpPr>
-          <p:nvPr>
-            <p:ph type="title"/>
-          </p:nvPr>
-        </p:nvSpPr>
-        <p:spPr/>
-        <p:txBody>
-          <a:bodyPr/>
-          <a:lstStyle/>
-          <a:p>
-            <a:r>
-              <a:rPr lang="en-US" dirty="0">
-                <a:solidFill>
-                  <a:schemeClr val="accent2"/>
-                </a:solidFill>
-              </a:rPr>
-              <a:t>Outline</a:t>
-            </a:r>
-          </a:p>
-        </p:txBody>
-      </p:sp>
-      <p:sp>
-        <p:nvSpPr>
-          <p:cNvPr id="3" name="Content Placeholder 2">
-            <a:extLst>
-              <a:ext uri="{FF2B5EF4-FFF2-40B4-BE49-F238E27FC236}">
-                <a16:creationId xmlns:a16="http://schemas.microsoft.com/office/drawing/2014/main" id="{D03F85AB-222B-46FB-8132-D570C0DD8799}"/>
-              </a:ext>
-            </a:extLst>
-          </p:cNvPr>
-          <p:cNvSpPr>
-            <a:spLocks noGrp="1"/>
-          </p:cNvSpPr>
-          <p:nvPr>
-            <p:ph idx="1"/>
-          </p:nvPr>
-        </p:nvSpPr>
-        <p:spPr/>
-        <p:txBody>
-          <a:bodyPr>
-            <a:normAutofit fontScale="62500" lnSpcReduction="20000"/>
-          </a:bodyPr>
-          <a:lstStyle/>
-          <a:p>
-            <a:pPr>
-              <a:lnSpc>
-                <a:spcPct val="200000"/>
-              </a:lnSpc>
-            </a:pPr>
-            <a:r>
-              <a:rPr lang="en-US" dirty="0">
-                <a:latin typeface="Comic Sans MS" panose="030F0702030302020204" pitchFamily="66" charset="0"/>
-              </a:rPr>
-              <a:t>Introduction</a:t>
-            </a:r>
-          </a:p>
-          <a:p>
-            <a:pPr>
-              <a:lnSpc>
-                <a:spcPct val="200000"/>
-              </a:lnSpc>
-            </a:pPr>
-            <a:r>
-              <a:rPr lang="en-US" dirty="0">
-                <a:latin typeface="Comic Sans MS" panose="030F0702030302020204" pitchFamily="66" charset="0"/>
-              </a:rPr>
-              <a:t>Methodology</a:t>
-            </a:r>
-          </a:p>
-          <a:p>
-            <a:pPr>
-              <a:lnSpc>
-                <a:spcPct val="200000"/>
-              </a:lnSpc>
-            </a:pPr>
-            <a:r>
-              <a:rPr lang="en-US" dirty="0">
-                <a:latin typeface="Comic Sans MS" panose="030F0702030302020204" pitchFamily="66" charset="0"/>
-              </a:rPr>
-              <a:t>System Architecture and System Design</a:t>
-            </a:r>
-          </a:p>
-          <a:p>
-            <a:pPr>
-              <a:lnSpc>
-                <a:spcPct val="200000"/>
-              </a:lnSpc>
-            </a:pPr>
-            <a:r>
-              <a:rPr lang="en-US" dirty="0">
-                <a:latin typeface="Comic Sans MS" panose="030F0702030302020204" pitchFamily="66" charset="0"/>
-              </a:rPr>
-              <a:t>User Interface </a:t>
-            </a:r>
-          </a:p>
-          <a:p>
-            <a:pPr>
-              <a:lnSpc>
-                <a:spcPct val="200000"/>
-              </a:lnSpc>
-            </a:pPr>
-            <a:r>
-              <a:rPr lang="en-US" dirty="0">
-                <a:latin typeface="Comic Sans MS" panose="030F0702030302020204" pitchFamily="66" charset="0"/>
-              </a:rPr>
-              <a:t>Demo</a:t>
-            </a:r>
-          </a:p>
-          <a:p>
-            <a:pPr>
-              <a:lnSpc>
-                <a:spcPct val="200000"/>
-              </a:lnSpc>
-            </a:pPr>
-            <a:r>
-              <a:rPr lang="en-US" dirty="0">
-                <a:latin typeface="Comic Sans MS" panose="030F0702030302020204" pitchFamily="66" charset="0"/>
-              </a:rPr>
-              <a:t>Testing</a:t>
-            </a:r>
-          </a:p>
-          <a:p>
-            <a:pPr>
-              <a:lnSpc>
-                <a:spcPct val="200000"/>
-              </a:lnSpc>
-            </a:pPr>
-            <a:r>
-              <a:rPr lang="en-US" dirty="0">
-                <a:latin typeface="Comic Sans MS" panose="030F0702030302020204" pitchFamily="66" charset="0"/>
-              </a:rPr>
-              <a:t>Conclusion</a:t>
-            </a:r>
-          </a:p>
-        </p:txBody>
-      </p:sp>
-      <p:sp>
-        <p:nvSpPr>
-          <p:cNvPr id="4" name="Slide Number Placeholder 3">
-            <a:extLst>
-              <a:ext uri="{FF2B5EF4-FFF2-40B4-BE49-F238E27FC236}">
-                <a16:creationId xmlns:a16="http://schemas.microsoft.com/office/drawing/2014/main" id="{4899AAC5-0D7D-458D-9D63-DE96827A7C58}"/>
-              </a:ext>
-            </a:extLst>
-          </p:cNvPr>
-          <p:cNvSpPr>
-            <a:spLocks noGrp="1"/>
-          </p:cNvSpPr>
-          <p:nvPr>
-            <p:ph type="sldNum" sz="quarter" idx="12"/>
-          </p:nvPr>
-        </p:nvSpPr>
-        <p:spPr/>
-        <p:txBody>
-          <a:bodyPr/>
-          <a:lstStyle/>
-          <a:p>
-            <a:fld id="{F5120A83-C056-4377-B827-91A8F8C4B5BB}" type="slidenum">
-              <a:rPr lang="en-US" smtClean="0"/>
-              <a:t>2</a:t>
-            </a:fld>
-            <a:endParaRPr lang="en-US"/>
-          </a:p>
-        </p:txBody>
-      </p:sp>
-    </p:spTree>
-    <p:extLst>
-      <p:ext uri="{BB962C8B-B14F-4D97-AF65-F5344CB8AC3E}">
-        <p14:creationId xmlns:p14="http://schemas.microsoft.com/office/powerpoint/2010/main" val="3071461722"/>
-      </p:ext>
-    </p:extLst>
-  </p:cSld>
-  <p:clrMapOvr>
-    <a:masterClrMapping/>
-  </p:clrMapOvr>
-</p:sld>
-</file>
-
-<file path=ppt/slides/slide3.xml><?xml version="1.0" encoding="utf-8"?>
-<p:sld xmlns:a="http://schemas.openxmlformats.org/drawingml/2006/main" xmlns:r="http://schemas.openxmlformats.org/officeDocument/2006/relationships" xmlns:p="http://schemas.openxmlformats.org/presentationml/2006/main">
-  <p:cSld>
-    <p:bg>
-      <p:bgPr>
-        <a:solidFill>
-          <a:schemeClr val="accent3">
-            <a:lumMod val="40000"/>
-            <a:lumOff val="60000"/>
-          </a:schemeClr>
-        </a:solidFill>
-        <a:effectLst/>
-      </p:bgPr>
-    </p:bg>
-    <p:spTree>
-      <p:nvGrpSpPr>
-        <p:cNvPr id="1" name=""/>
-        <p:cNvGrpSpPr/>
-        <p:nvPr/>
-      </p:nvGrpSpPr>
-      <p:grpSpPr>
-        <a:xfrm>
-          <a:off x="0" y="0"/>
-          <a:ext cx="0" cy="0"/>
-          <a:chOff x="0" y="0"/>
-          <a:chExt cx="0" cy="0"/>
-        </a:xfrm>
-      </p:grpSpPr>
-      <p:sp>
-        <p:nvSpPr>
-          <p:cNvPr id="2" name="Title 1">
-            <a:extLst>
-              <a:ext uri="{FF2B5EF4-FFF2-40B4-BE49-F238E27FC236}">
-                <a16:creationId xmlns:a16="http://schemas.microsoft.com/office/drawing/2014/main" id="{066DBE7E-EAA7-4A84-8D19-89D916CFD1DE}"/>
-              </a:ext>
-            </a:extLst>
-          </p:cNvPr>
-          <p:cNvSpPr>
-            <a:spLocks noGrp="1"/>
-          </p:cNvSpPr>
-          <p:nvPr>
-            <p:ph type="title"/>
-          </p:nvPr>
-        </p:nvSpPr>
-        <p:spPr/>
-        <p:txBody>
-          <a:bodyPr/>
-          <a:lstStyle/>
-          <a:p>
-            <a:r>
-              <a:rPr lang="en-US" dirty="0"/>
-              <a:t>Introduction </a:t>
-            </a:r>
-            <a:r>
-              <a:rPr lang="en-US" dirty="0">
-                <a:solidFill>
-                  <a:srgbClr val="FF0000"/>
-                </a:solidFill>
-              </a:rPr>
-              <a:t>(</a:t>
-            </a:r>
-            <a:r>
-              <a:rPr lang="en-US" sz="3200" b="1" dirty="0">
-                <a:solidFill>
-                  <a:schemeClr val="accent2"/>
-                </a:solidFill>
-              </a:rPr>
-              <a:t>Problem Statement</a:t>
-            </a:r>
-            <a:r>
-              <a:rPr lang="en-US" dirty="0">
-                <a:solidFill>
-                  <a:srgbClr val="FF0000"/>
-                </a:solidFill>
-              </a:rPr>
-              <a:t>)</a:t>
-            </a:r>
-          </a:p>
-        </p:txBody>
-      </p:sp>
-      <p:sp>
-        <p:nvSpPr>
-          <p:cNvPr id="3" name="Content Placeholder 2">
-            <a:extLst>
-              <a:ext uri="{FF2B5EF4-FFF2-40B4-BE49-F238E27FC236}">
-                <a16:creationId xmlns:a16="http://schemas.microsoft.com/office/drawing/2014/main" id="{D03F85AB-222B-46FB-8132-D570C0DD8799}"/>
-              </a:ext>
-            </a:extLst>
-          </p:cNvPr>
-          <p:cNvSpPr>
-            <a:spLocks noGrp="1"/>
-          </p:cNvSpPr>
-          <p:nvPr>
-            <p:ph idx="1"/>
-          </p:nvPr>
-        </p:nvSpPr>
-        <p:spPr>
-          <a:xfrm>
-            <a:off x="838200" y="1858297"/>
-            <a:ext cx="10515600" cy="2487561"/>
-          </a:xfrm>
-        </p:spPr>
-        <p:style>
-          <a:lnRef idx="2">
-            <a:schemeClr val="accent4"/>
-          </a:lnRef>
-          <a:fillRef idx="1">
-            <a:schemeClr val="lt1"/>
-          </a:fillRef>
-          <a:effectRef idx="0">
-            <a:schemeClr val="accent4"/>
-          </a:effectRef>
-          <a:fontRef idx="minor">
-            <a:schemeClr val="dk1"/>
-          </a:fontRef>
-        </p:style>
-        <p:txBody>
-          <a:bodyPr>
-            <a:normAutofit/>
-          </a:bodyPr>
-          <a:lstStyle/>
-          <a:p>
-            <a:pPr marL="0" indent="0">
-              <a:lnSpc>
-                <a:spcPct val="250000"/>
-              </a:lnSpc>
-              <a:buNone/>
-            </a:pPr>
-            <a:r>
-              <a:rPr lang="en-US" sz="2400" dirty="0">
-                <a:latin typeface="Comic Sans MS" panose="030F0702030302020204" pitchFamily="66" charset="0"/>
-              </a:rPr>
-              <a:t>- Actual teacher assignment planning is done using Microsoft</a:t>
-            </a:r>
-            <a:r>
-              <a:rPr lang="en-US" sz="2400" dirty="0">
-                <a:solidFill>
-                  <a:schemeClr val="accent2"/>
-                </a:solidFill>
-                <a:latin typeface="Comic Sans MS" panose="030F0702030302020204" pitchFamily="66" charset="0"/>
-              </a:rPr>
-              <a:t> </a:t>
-            </a:r>
-            <a:r>
-              <a:rPr lang="en-US" sz="2400" dirty="0">
-                <a:solidFill>
-                  <a:schemeClr val="accent1"/>
-                </a:solidFill>
-                <a:latin typeface="Comic Sans MS" panose="030F0702030302020204" pitchFamily="66" charset="0"/>
-              </a:rPr>
-              <a:t>Excel.</a:t>
-            </a:r>
-          </a:p>
-          <a:p>
-            <a:pPr marL="0" indent="0">
-              <a:lnSpc>
-                <a:spcPct val="250000"/>
-              </a:lnSpc>
-              <a:buNone/>
-            </a:pPr>
-            <a:r>
-              <a:rPr lang="en-US" sz="2400" dirty="0">
-                <a:latin typeface="Comic Sans MS" panose="030F0702030302020204" pitchFamily="66" charset="0"/>
-              </a:rPr>
-              <a:t>- Plan is handled by </a:t>
-            </a:r>
-            <a:r>
-              <a:rPr lang="en-US" sz="2400" dirty="0">
-                <a:solidFill>
-                  <a:schemeClr val="accent1"/>
-                </a:solidFill>
-                <a:latin typeface="Comic Sans MS" panose="030F0702030302020204" pitchFamily="66" charset="0"/>
-              </a:rPr>
-              <a:t>one</a:t>
-            </a:r>
-            <a:r>
-              <a:rPr lang="en-US" sz="2400" dirty="0">
-                <a:latin typeface="Comic Sans MS" panose="030F0702030302020204" pitchFamily="66" charset="0"/>
-              </a:rPr>
-              <a:t> person.</a:t>
-            </a:r>
-          </a:p>
-        </p:txBody>
-      </p:sp>
-      <p:sp>
-        <p:nvSpPr>
-          <p:cNvPr id="4" name="Slide Number Placeholder 3">
-            <a:extLst>
-              <a:ext uri="{FF2B5EF4-FFF2-40B4-BE49-F238E27FC236}">
-                <a16:creationId xmlns:a16="http://schemas.microsoft.com/office/drawing/2014/main" id="{4899AAC5-0D7D-458D-9D63-DE96827A7C58}"/>
-              </a:ext>
-            </a:extLst>
-          </p:cNvPr>
-          <p:cNvSpPr>
-            <a:spLocks noGrp="1"/>
-          </p:cNvSpPr>
-          <p:nvPr>
-            <p:ph type="sldNum" sz="quarter" idx="12"/>
-          </p:nvPr>
-        </p:nvSpPr>
-        <p:spPr/>
-        <p:txBody>
-          <a:bodyPr/>
-          <a:lstStyle/>
-          <a:p>
-            <a:fld id="{F5120A83-C056-4377-B827-91A8F8C4B5BB}" type="slidenum">
-              <a:rPr lang="en-US" smtClean="0"/>
-              <a:t>3</a:t>
-            </a:fld>
-            <a:endParaRPr lang="en-US"/>
-          </a:p>
-        </p:txBody>
-      </p:sp>
-    </p:spTree>
-    <p:extLst>
-      <p:ext uri="{BB962C8B-B14F-4D97-AF65-F5344CB8AC3E}">
-        <p14:creationId xmlns:p14="http://schemas.microsoft.com/office/powerpoint/2010/main" val="1175529930"/>
-      </p:ext>
-    </p:extLst>
-  </p:cSld>
-  <p:clrMapOvr>
-    <a:masterClrMapping/>
-  </p:clrMapOvr>
-</p:sld>
-</file>
-
-<file path=ppt/slides/slide4.xml><?xml version="1.0" encoding="utf-8"?>
-<p:sld xmlns:a="http://schemas.openxmlformats.org/drawingml/2006/main" xmlns:r="http://schemas.openxmlformats.org/officeDocument/2006/relationships" xmlns:p="http://schemas.openxmlformats.org/presentationml/2006/main">
-  <p:cSld>
-    <p:bg>
-      <p:bgPr>
-        <a:solidFill>
-          <a:schemeClr val="bg1"/>
-        </a:solidFill>
-        <a:effectLst/>
-      </p:bgPr>
-    </p:bg>
-    <p:spTree>
-      <p:nvGrpSpPr>
-        <p:cNvPr id="1" name=""/>
-        <p:cNvGrpSpPr/>
-        <p:nvPr/>
-      </p:nvGrpSpPr>
-      <p:grpSpPr>
-        <a:xfrm>
-          <a:off x="0" y="0"/>
-          <a:ext cx="0" cy="0"/>
-          <a:chOff x="0" y="0"/>
-          <a:chExt cx="0" cy="0"/>
-        </a:xfrm>
-      </p:grpSpPr>
-      <p:sp useBgFill="1">
-        <p:nvSpPr>
-          <p:cNvPr id="17" name="Rectangle 16">
-            <a:extLst>
-              <a:ext uri="{FF2B5EF4-FFF2-40B4-BE49-F238E27FC236}">
-                <a16:creationId xmlns:a16="http://schemas.microsoft.com/office/drawing/2014/main" id="{DCC231C8-C761-4B31-9B1C-C6D19248C6B3}"/>
-              </a:ext>
-              <a:ext uri="{C183D7F6-B498-43B3-948B-1728B52AA6E4}">
-                <adec:decorative xmlns:adec="http://schemas.microsoft.com/office/drawing/2017/decorative" val="1"/>
-              </a:ext>
-            </a:extLst>
-          </p:cNvPr>
-          <p:cNvSpPr>
-            <a:spLocks noGrp="1" noRot="1" noChangeAspect="1" noMove="1" noResize="1" noEditPoints="1" noAdjustHandles="1" noChangeArrowheads="1" noChangeShapeType="1" noTextEdit="1"/>
-          </p:cNvSpPr>
-          <p:nvPr>
-            <p:extLst>
-              <p:ext uri="{386F3935-93C4-4BCD-93E2-E3B085C9AB24}">
-                <p16:designElem xmlns:p16="http://schemas.microsoft.com/office/powerpoint/2015/main" val="1"/>
-              </p:ext>
-            </p:extLst>
-          </p:nvPr>
-        </p:nvSpPr>
-        <p:spPr>
-          <a:xfrm>
-            <a:off x="-1" y="0"/>
-            <a:ext cx="12188952" cy="6858000"/>
-          </a:xfrm>
-          <a:prstGeom prst="rect">
-            <a:avLst/>
-          </a:prstGeom>
-          <a:ln>
-            <a:noFill/>
-          </a:ln>
-        </p:spPr>
-        <p:style>
-          <a:lnRef idx="2">
-            <a:schemeClr val="accent1">
-              <a:shade val="50000"/>
-            </a:schemeClr>
-          </a:lnRef>
-          <a:fillRef idx="1">
-            <a:schemeClr val="accent1"/>
-          </a:fillRef>
-          <a:effectRef idx="0">
-            <a:schemeClr val="accent1"/>
-          </a:effectRef>
-          <a:fontRef idx="minor">
-            <a:schemeClr val="lt1"/>
-          </a:fontRef>
-        </p:style>
-        <p:txBody>
-          <a:bodyPr rtlCol="0" anchor="ctr"/>
-          <a:lstStyle/>
-          <a:p>
-            <a:pPr algn="ctr"/>
-            <a:endParaRPr lang="en-US"/>
-          </a:p>
-        </p:txBody>
-      </p:sp>
-      <p:sp>
-        <p:nvSpPr>
-          <p:cNvPr id="2" name="Title 1">
-            <a:extLst>
-              <a:ext uri="{FF2B5EF4-FFF2-40B4-BE49-F238E27FC236}">
-                <a16:creationId xmlns:a16="http://schemas.microsoft.com/office/drawing/2014/main" id="{066DBE7E-EAA7-4A84-8D19-89D916CFD1DE}"/>
-              </a:ext>
-            </a:extLst>
-          </p:cNvPr>
-          <p:cNvSpPr>
-            <a:spLocks noGrp="1"/>
-          </p:cNvSpPr>
-          <p:nvPr>
-            <p:ph type="title"/>
-          </p:nvPr>
-        </p:nvSpPr>
-        <p:spPr>
-          <a:xfrm>
-            <a:off x="838200" y="557189"/>
-            <a:ext cx="3374136" cy="5567891"/>
-          </a:xfrm>
-        </p:spPr>
-        <p:txBody>
-          <a:bodyPr>
-            <a:normAutofit/>
-          </a:bodyPr>
-          <a:lstStyle/>
-          <a:p>
-            <a:r>
-              <a:rPr lang="en-US" sz="2900" dirty="0"/>
-              <a:t>Introduction(</a:t>
-            </a:r>
-            <a:r>
-              <a:rPr lang="en-US" sz="2900" dirty="0">
-                <a:solidFill>
-                  <a:schemeClr val="accent2"/>
-                </a:solidFill>
-              </a:rPr>
-              <a:t>Goals</a:t>
-            </a:r>
-            <a:r>
-              <a:rPr lang="en-US" sz="2900" dirty="0"/>
-              <a:t>)</a:t>
-            </a:r>
-          </a:p>
-        </p:txBody>
-      </p:sp>
-      <p:sp>
-        <p:nvSpPr>
-          <p:cNvPr id="4" name="Slide Number Placeholder 3">
-            <a:extLst>
-              <a:ext uri="{FF2B5EF4-FFF2-40B4-BE49-F238E27FC236}">
-                <a16:creationId xmlns:a16="http://schemas.microsoft.com/office/drawing/2014/main" id="{4899AAC5-0D7D-458D-9D63-DE96827A7C58}"/>
-              </a:ext>
-            </a:extLst>
-          </p:cNvPr>
-          <p:cNvSpPr>
-            <a:spLocks noGrp="1"/>
-          </p:cNvSpPr>
-          <p:nvPr>
-            <p:ph type="sldNum" sz="quarter" idx="12"/>
-          </p:nvPr>
-        </p:nvSpPr>
-        <p:spPr>
-          <a:xfrm>
-            <a:off x="8610600" y="6356350"/>
-            <a:ext cx="2743200" cy="365125"/>
-          </a:xfrm>
-        </p:spPr>
-        <p:txBody>
-          <a:bodyPr>
-            <a:normAutofit/>
-          </a:bodyPr>
-          <a:lstStyle/>
-          <a:p>
-            <a:pPr>
-              <a:spcAft>
-                <a:spcPts val="600"/>
-              </a:spcAft>
-            </a:pPr>
-            <a:fld id="{F5120A83-C056-4377-B827-91A8F8C4B5BB}" type="slidenum">
-              <a:rPr lang="en-US" smtClean="0"/>
-              <a:pPr>
-                <a:spcAft>
-                  <a:spcPts val="600"/>
-                </a:spcAft>
-              </a:pPr>
-              <a:t>4</a:t>
-            </a:fld>
-            <a:endParaRPr lang="en-US"/>
-          </a:p>
-        </p:txBody>
-      </p:sp>
-      <p:graphicFrame>
-        <p:nvGraphicFramePr>
-          <p:cNvPr id="6" name="Content Placeholder 2">
-            <a:extLst>
-              <a:ext uri="{FF2B5EF4-FFF2-40B4-BE49-F238E27FC236}">
-                <a16:creationId xmlns:a16="http://schemas.microsoft.com/office/drawing/2014/main" id="{A14BFEA8-3760-4B94-8963-0CF5B4A56503}"/>
-              </a:ext>
-            </a:extLst>
-          </p:cNvPr>
-          <p:cNvGraphicFramePr>
-            <a:graphicFrameLocks noGrp="1"/>
-          </p:cNvGraphicFramePr>
-          <p:nvPr>
-            <p:ph idx="1"/>
-            <p:extLst>
-              <p:ext uri="{D42A27DB-BD31-4B8C-83A1-F6EECF244321}">
-                <p14:modId xmlns:p14="http://schemas.microsoft.com/office/powerpoint/2010/main" val="676157594"/>
-              </p:ext>
-            </p:extLst>
-          </p:nvPr>
-        </p:nvGraphicFramePr>
-        <p:xfrm>
-          <a:off x="4718050" y="2241550"/>
-          <a:ext cx="7283450" cy="3384550"/>
-        </p:xfrm>
-        <a:graphic>
-          <a:graphicData uri="http://schemas.openxmlformats.org/drawingml/2006/diagram">
-            <dgm:relIds xmlns:dgm="http://schemas.openxmlformats.org/drawingml/2006/diagram" xmlns:r="http://schemas.openxmlformats.org/officeDocument/2006/relationships" r:dm="rId2" r:lo="rId3" r:qs="rId4" r:cs="rId5"/>
-          </a:graphicData>
-        </a:graphic>
-      </p:graphicFrame>
-    </p:spTree>
-    <p:extLst>
-      <p:ext uri="{BB962C8B-B14F-4D97-AF65-F5344CB8AC3E}">
-        <p14:creationId xmlns:p14="http://schemas.microsoft.com/office/powerpoint/2010/main" val="1207829129"/>
-      </p:ext>
-    </p:extLst>
-  </p:cSld>
-  <p:clrMapOvr>
-    <a:masterClrMapping/>
-  </p:clrMapOvr>
-</p:sld>
-</file>
-
-<file path=ppt/slides/slide5.xml><?xml version="1.0" encoding="utf-8"?>
-<p:sld xmlns:a="http://schemas.openxmlformats.org/drawingml/2006/main" xmlns:r="http://schemas.openxmlformats.org/officeDocument/2006/relationships" xmlns:p="http://schemas.openxmlformats.org/presentationml/2006/main">
-  <p:cSld>
-    <p:bg>
-      <p:bgPr>
-        <a:solidFill>
-          <a:schemeClr val="bg1">
-            <a:lumMod val="75000"/>
-          </a:schemeClr>
-        </a:solidFill>
-        <a:effectLst/>
-      </p:bgPr>
-    </p:bg>
-    <p:spTree>
-      <p:nvGrpSpPr>
-        <p:cNvPr id="1" name=""/>
-        <p:cNvGrpSpPr/>
-        <p:nvPr/>
-      </p:nvGrpSpPr>
-      <p:grpSpPr>
-        <a:xfrm>
-          <a:off x="0" y="0"/>
-          <a:ext cx="0" cy="0"/>
-          <a:chOff x="0" y="0"/>
-          <a:chExt cx="0" cy="0"/>
-        </a:xfrm>
-      </p:grpSpPr>
-      <p:sp>
-        <p:nvSpPr>
-          <p:cNvPr id="2" name="Title 1">
-            <a:extLst>
-              <a:ext uri="{FF2B5EF4-FFF2-40B4-BE49-F238E27FC236}">
-                <a16:creationId xmlns:a16="http://schemas.microsoft.com/office/drawing/2014/main" id="{066DBE7E-EAA7-4A84-8D19-89D916CFD1DE}"/>
-              </a:ext>
-            </a:extLst>
-          </p:cNvPr>
-          <p:cNvSpPr>
-            <a:spLocks noGrp="1"/>
-          </p:cNvSpPr>
-          <p:nvPr>
-            <p:ph type="title"/>
-          </p:nvPr>
-        </p:nvSpPr>
-        <p:spPr/>
-        <p:txBody>
-          <a:bodyPr/>
-          <a:lstStyle/>
-          <a:p>
-            <a:r>
-              <a:rPr lang="en-US"/>
-              <a:t>Introduction </a:t>
-            </a:r>
-            <a:r>
-              <a:rPr lang="en-US">
-                <a:solidFill>
-                  <a:srgbClr val="FF0000"/>
-                </a:solidFill>
-              </a:rPr>
-              <a:t>(</a:t>
-            </a:r>
-            <a:r>
-              <a:rPr lang="en-US" sz="3200" b="1">
-                <a:solidFill>
-                  <a:schemeClr val="accent2"/>
-                </a:solidFill>
-              </a:rPr>
-              <a:t>Textile cleaning process</a:t>
-            </a:r>
-            <a:r>
-              <a:rPr lang="en-US">
-                <a:solidFill>
-                  <a:srgbClr val="FF0000"/>
-                </a:solidFill>
-              </a:rPr>
-              <a:t>)</a:t>
-            </a:r>
-            <a:endParaRPr lang="en-US" dirty="0">
-              <a:solidFill>
-                <a:srgbClr val="FF0000"/>
-              </a:solidFill>
-            </a:endParaRPr>
-          </a:p>
-        </p:txBody>
-      </p:sp>
-      <p:sp>
-        <p:nvSpPr>
-          <p:cNvPr id="4" name="Slide Number Placeholder 3">
-            <a:extLst>
-              <a:ext uri="{FF2B5EF4-FFF2-40B4-BE49-F238E27FC236}">
-                <a16:creationId xmlns:a16="http://schemas.microsoft.com/office/drawing/2014/main" id="{4899AAC5-0D7D-458D-9D63-DE96827A7C58}"/>
-              </a:ext>
-            </a:extLst>
-          </p:cNvPr>
-          <p:cNvSpPr>
-            <a:spLocks noGrp="1"/>
-          </p:cNvSpPr>
-          <p:nvPr>
-            <p:ph type="sldNum" sz="quarter" idx="12"/>
-          </p:nvPr>
-        </p:nvSpPr>
-        <p:spPr/>
-        <p:txBody>
-          <a:bodyPr/>
-          <a:lstStyle/>
-          <a:p>
-            <a:fld id="{F5120A83-C056-4377-B827-91A8F8C4B5BB}" type="slidenum">
-              <a:rPr lang="en-US" smtClean="0"/>
-              <a:t>5</a:t>
-            </a:fld>
-            <a:endParaRPr lang="en-US"/>
-          </a:p>
-        </p:txBody>
-      </p:sp>
-      <p:pic>
-        <p:nvPicPr>
-          <p:cNvPr id="7" name="Inhaltsplatzhalter 6" descr="Ein Bild, das Text, Whiteboard enthält.&#10;&#10;Automatisch generierte Beschreibung">
-            <a:extLst>
-              <a:ext uri="{FF2B5EF4-FFF2-40B4-BE49-F238E27FC236}">
-                <a16:creationId xmlns:a16="http://schemas.microsoft.com/office/drawing/2014/main" id="{82114A13-EDC2-4030-8C84-5C03A1977198}"/>
+                <a16:creationId xmlns:a16="http://schemas.microsoft.com/office/drawing/2014/main" id="{B74A399D-6D66-4C69-91DD-303BE51C3689}"/>
               </a:ext>
             </a:extLst>
           </p:cNvPr>
           <p:cNvPicPr>
-            <a:picLocks noGrp="1" noChangeAspect="1"/>
+            <a:picLocks noChangeAspect="1"/>
           </p:cNvPicPr>
-          <p:nvPr>
-            <p:ph idx="1"/>
-          </p:nvPr>
+          <p:nvPr/>
         </p:nvPicPr>
         <p:blipFill>
-          <a:blip r:embed="rId2">
+          <a:blip r:embed="rId3">
             <a:extLst>
               <a:ext uri="{28A0092B-C50C-407E-A947-70E740481C1C}">
                 <a14:useLocalDpi xmlns:a14="http://schemas.microsoft.com/office/drawing/2010/main" val="0"/>
@@ -9591,9 +10466,9 @@
           </a:stretch>
         </p:blipFill>
         <p:spPr>
-          <a:xfrm rot="16200000">
-            <a:off x="3855720" y="602984"/>
-            <a:ext cx="4480560" cy="7026172"/>
+          <a:xfrm>
+            <a:off x="1944061" y="2566467"/>
+            <a:ext cx="7730137" cy="3181190"/>
           </a:xfrm>
           <a:prstGeom prst="rect">
             <a:avLst/>
@@ -9603,29 +10478,28 @@
               <a:shade val="85000"/>
             </a:srgbClr>
           </a:solidFill>
-          <a:ln w="88900" cap="sq">
+          <a:ln w="190500" cap="rnd">
             <a:solidFill>
               <a:srgbClr val="FFFFFF"/>
             </a:solidFill>
-            <a:miter lim="800000"/>
           </a:ln>
           <a:effectLst>
-            <a:outerShdw blurRad="55000" dist="18000" dir="5400000" algn="tl" rotWithShape="0">
+            <a:outerShdw blurRad="36195" dist="12700" dir="11400000" algn="tl" rotWithShape="0">
               <a:srgbClr val="000000">
-                <a:alpha val="40000"/>
+                <a:alpha val="33000"/>
               </a:srgbClr>
             </a:outerShdw>
           </a:effectLst>
           <a:scene3d>
-            <a:camera prst="orthographicFront"/>
-            <a:lightRig rig="twoPt" dir="t">
-              <a:rot lat="0" lon="0" rev="7200000"/>
-            </a:lightRig>
+            <a:camera prst="perspectiveContrastingLeftFacing">
+              <a:rot lat="540000" lon="2100000" rev="0"/>
+            </a:camera>
+            <a:lightRig rig="soft" dir="t"/>
           </a:scene3d>
-          <a:sp3d>
-            <a:bevelT w="25400" h="19050"/>
+          <a:sp3d contourW="12700" prstMaterial="matte">
+            <a:bevelT w="63500" h="50800"/>
             <a:contourClr>
-              <a:srgbClr val="FFFFFF"/>
+              <a:srgbClr val="C0C0C0"/>
             </a:contourClr>
           </a:sp3d>
         </p:spPr>
@@ -9633,7 +10507,7 @@
     </p:spTree>
     <p:extLst>
       <p:ext uri="{BB962C8B-B14F-4D97-AF65-F5344CB8AC3E}">
-        <p14:creationId xmlns:p14="http://schemas.microsoft.com/office/powerpoint/2010/main" val="2679578121"/>
+        <p14:creationId xmlns:p14="http://schemas.microsoft.com/office/powerpoint/2010/main" val="3116630893"/>
       </p:ext>
     </p:extLst>
   </p:cSld>
@@ -9643,206 +10517,7 @@
 </p:sld>
 </file>
 
-<file path=ppt/slides/slide6.xml><?xml version="1.0" encoding="utf-8"?>
-<p:sld xmlns:a="http://schemas.openxmlformats.org/drawingml/2006/main" xmlns:r="http://schemas.openxmlformats.org/officeDocument/2006/relationships" xmlns:p="http://schemas.openxmlformats.org/presentationml/2006/main">
-  <p:cSld>
-    <p:bg>
-      <p:bgPr>
-        <a:solidFill>
-          <a:schemeClr val="accent3">
-            <a:lumMod val="40000"/>
-            <a:lumOff val="60000"/>
-          </a:schemeClr>
-        </a:solidFill>
-        <a:effectLst/>
-      </p:bgPr>
-    </p:bg>
-    <p:spTree>
-      <p:nvGrpSpPr>
-        <p:cNvPr id="1" name=""/>
-        <p:cNvGrpSpPr/>
-        <p:nvPr/>
-      </p:nvGrpSpPr>
-      <p:grpSpPr>
-        <a:xfrm>
-          <a:off x="0" y="0"/>
-          <a:ext cx="0" cy="0"/>
-          <a:chOff x="0" y="0"/>
-          <a:chExt cx="0" cy="0"/>
-        </a:xfrm>
-      </p:grpSpPr>
-      <p:sp>
-        <p:nvSpPr>
-          <p:cNvPr id="2" name="Title 1">
-            <a:extLst>
-              <a:ext uri="{FF2B5EF4-FFF2-40B4-BE49-F238E27FC236}">
-                <a16:creationId xmlns:a16="http://schemas.microsoft.com/office/drawing/2014/main" id="{066DBE7E-EAA7-4A84-8D19-89D916CFD1DE}"/>
-              </a:ext>
-            </a:extLst>
-          </p:cNvPr>
-          <p:cNvSpPr>
-            <a:spLocks noGrp="1"/>
-          </p:cNvSpPr>
-          <p:nvPr>
-            <p:ph type="title"/>
-          </p:nvPr>
-        </p:nvSpPr>
-        <p:spPr/>
-        <p:txBody>
-          <a:bodyPr/>
-          <a:lstStyle/>
-          <a:p>
-            <a:r>
-              <a:rPr lang="en-US" dirty="0">
-                <a:solidFill>
-                  <a:schemeClr val="accent2"/>
-                </a:solidFill>
-              </a:rPr>
-              <a:t>Methodology</a:t>
-            </a:r>
-          </a:p>
-        </p:txBody>
-      </p:sp>
-      <p:sp>
-        <p:nvSpPr>
-          <p:cNvPr id="3" name="Content Placeholder 2">
-            <a:extLst>
-              <a:ext uri="{FF2B5EF4-FFF2-40B4-BE49-F238E27FC236}">
-                <a16:creationId xmlns:a16="http://schemas.microsoft.com/office/drawing/2014/main" id="{D03F85AB-222B-46FB-8132-D570C0DD8799}"/>
-              </a:ext>
-            </a:extLst>
-          </p:cNvPr>
-          <p:cNvSpPr>
-            <a:spLocks noGrp="1"/>
-          </p:cNvSpPr>
-          <p:nvPr>
-            <p:ph idx="1"/>
-          </p:nvPr>
-        </p:nvSpPr>
-        <p:spPr/>
-        <p:txBody>
-          <a:bodyPr>
-            <a:normAutofit/>
-          </a:bodyPr>
-          <a:lstStyle/>
-          <a:p>
-            <a:pPr>
-              <a:lnSpc>
-                <a:spcPct val="200000"/>
-              </a:lnSpc>
-            </a:pPr>
-            <a:r>
-              <a:rPr lang="en-US" dirty="0">
-                <a:latin typeface="Comic Sans MS" panose="030F0702030302020204" pitchFamily="66" charset="0"/>
-              </a:rPr>
-              <a:t>Requirements Engineering</a:t>
-            </a:r>
-          </a:p>
-          <a:p>
-            <a:pPr>
-              <a:lnSpc>
-                <a:spcPct val="200000"/>
-              </a:lnSpc>
-            </a:pPr>
-            <a:r>
-              <a:rPr lang="en-US" dirty="0">
-                <a:latin typeface="Comic Sans MS" panose="030F0702030302020204" pitchFamily="66" charset="0"/>
-              </a:rPr>
-              <a:t>Domain Analysis</a:t>
-            </a:r>
-          </a:p>
-          <a:p>
-            <a:pPr>
-              <a:lnSpc>
-                <a:spcPct val="200000"/>
-              </a:lnSpc>
-            </a:pPr>
-            <a:r>
-              <a:rPr lang="en-US" dirty="0">
-                <a:latin typeface="Comic Sans MS" panose="030F0702030302020204" pitchFamily="66" charset="0"/>
-              </a:rPr>
-              <a:t>System</a:t>
-            </a:r>
-          </a:p>
-          <a:p>
-            <a:pPr>
-              <a:lnSpc>
-                <a:spcPct val="200000"/>
-              </a:lnSpc>
-            </a:pPr>
-            <a:r>
-              <a:rPr lang="en-US" dirty="0">
-                <a:latin typeface="Comic Sans MS" panose="030F0702030302020204" pitchFamily="66" charset="0"/>
-              </a:rPr>
-              <a:t>Technologies</a:t>
-            </a:r>
-          </a:p>
-          <a:p>
-            <a:pPr marL="0" indent="0">
-              <a:lnSpc>
-                <a:spcPct val="200000"/>
-              </a:lnSpc>
-              <a:buNone/>
-            </a:pPr>
-            <a:endParaRPr lang="en-US" dirty="0">
-              <a:latin typeface="Comic Sans MS" panose="030F0702030302020204" pitchFamily="66" charset="0"/>
-            </a:endParaRPr>
-          </a:p>
-          <a:p>
-            <a:pPr>
-              <a:lnSpc>
-                <a:spcPct val="200000"/>
-              </a:lnSpc>
-            </a:pPr>
-            <a:endParaRPr lang="en-US" dirty="0">
-              <a:latin typeface="Comic Sans MS" panose="030F0702030302020204" pitchFamily="66" charset="0"/>
-            </a:endParaRPr>
-          </a:p>
-        </p:txBody>
-      </p:sp>
-      <p:sp>
-        <p:nvSpPr>
-          <p:cNvPr id="4" name="Slide Number Placeholder 3">
-            <a:extLst>
-              <a:ext uri="{FF2B5EF4-FFF2-40B4-BE49-F238E27FC236}">
-                <a16:creationId xmlns:a16="http://schemas.microsoft.com/office/drawing/2014/main" id="{4899AAC5-0D7D-458D-9D63-DE96827A7C58}"/>
-              </a:ext>
-            </a:extLst>
-          </p:cNvPr>
-          <p:cNvSpPr>
-            <a:spLocks noGrp="1"/>
-          </p:cNvSpPr>
-          <p:nvPr>
-            <p:ph type="sldNum" sz="quarter" idx="12"/>
-          </p:nvPr>
-        </p:nvSpPr>
-        <p:spPr/>
-        <p:txBody>
-          <a:bodyPr/>
-          <a:lstStyle/>
-          <a:p>
-            <a:fld id="{F5120A83-C056-4377-B827-91A8F8C4B5BB}" type="slidenum">
-              <a:rPr lang="en-US" smtClean="0"/>
-              <a:t>6</a:t>
-            </a:fld>
-            <a:endParaRPr lang="en-US"/>
-          </a:p>
-        </p:txBody>
-      </p:sp>
-    </p:spTree>
-    <p:extLst>
-      <p:ext uri="{BB962C8B-B14F-4D97-AF65-F5344CB8AC3E}">
-        <p14:creationId xmlns:p14="http://schemas.microsoft.com/office/powerpoint/2010/main" val="1341947706"/>
-      </p:ext>
-    </p:extLst>
-  </p:cSld>
-  <p:clrMapOvr>
-    <a:masterClrMapping/>
-  </p:clrMapOvr>
-</p:sld>
-</file>
-
-<file path=ppt/slides/slide7.xml><?xml version="1.0" encoding="utf-8"?>
+<file path=ppt/slides/slide8.xml><?xml version="1.0" encoding="utf-8"?>
 <p:sld xmlns:a="http://schemas.openxmlformats.org/drawingml/2006/main" xmlns:r="http://schemas.openxmlformats.org/officeDocument/2006/relationships" xmlns:p="http://schemas.openxmlformats.org/presentationml/2006/main">
   <p:cSld>
     <p:spTree>
@@ -9918,7 +10593,7 @@
           <a:p>
             <a:fld id="{F5120A83-C056-4377-B827-91A8F8C4B5BB}" type="slidenum">
               <a:rPr lang="en-US" smtClean="0"/>
-              <a:t>7</a:t>
+              <a:t>8</a:t>
             </a:fld>
             <a:endParaRPr lang="en-US"/>
           </a:p>
@@ -9963,8 +10638,251 @@
           <a:bodyPr rtlCol="0" anchor="ctr"/>
           <a:lstStyle/>
           <a:p>
-            <a:pPr algn="ctr"/>
-            <a:endParaRPr lang="en-US" dirty="0"/>
+            <a:pPr algn="l">
+              <a:buFont typeface="Arial" panose="020B0604020202020204" pitchFamily="34" charset="0"/>
+              <a:buChar char="•"/>
+            </a:pPr>
+            <a:r>
+              <a:rPr lang="en-US" b="0" i="0" dirty="0">
+                <a:effectLst/>
+                <a:highlight>
+                  <a:srgbClr val="FFFF00"/>
+                </a:highlight>
+                <a:latin typeface="Roboto" panose="02000000000000000000" pitchFamily="2" charset="0"/>
+              </a:rPr>
+              <a:t>easy</a:t>
+            </a:r>
+            <a:r>
+              <a:rPr lang="en-US" b="0" i="0" dirty="0">
+                <a:effectLst/>
+                <a:latin typeface="Roboto" panose="02000000000000000000" pitchFamily="2" charset="0"/>
+              </a:rPr>
+              <a:t> to </a:t>
+            </a:r>
+            <a:r>
+              <a:rPr lang="en-US" b="0" i="0" dirty="0">
+                <a:effectLst/>
+                <a:highlight>
+                  <a:srgbClr val="FFFF00"/>
+                </a:highlight>
+                <a:latin typeface="Roboto" panose="02000000000000000000" pitchFamily="2" charset="0"/>
+              </a:rPr>
+              <a:t>develop</a:t>
+            </a:r>
+          </a:p>
+          <a:p>
+            <a:pPr algn="l">
+              <a:buFont typeface="Arial" panose="020B0604020202020204" pitchFamily="34" charset="0"/>
+              <a:buChar char="•"/>
+            </a:pPr>
+            <a:endParaRPr lang="en-US" b="0" i="0" dirty="0">
+              <a:effectLst/>
+              <a:latin typeface="Roboto" panose="02000000000000000000" pitchFamily="2" charset="0"/>
+            </a:endParaRPr>
+          </a:p>
+          <a:p>
+            <a:pPr algn="l">
+              <a:buFont typeface="Arial" panose="020B0604020202020204" pitchFamily="34" charset="0"/>
+              <a:buChar char="•"/>
+            </a:pPr>
+            <a:r>
+              <a:rPr lang="en-US" b="0" i="0" dirty="0">
+                <a:effectLst/>
+                <a:highlight>
+                  <a:srgbClr val="FFFF00"/>
+                </a:highlight>
+                <a:latin typeface="Roboto" panose="02000000000000000000" pitchFamily="2" charset="0"/>
+              </a:rPr>
+              <a:t>reduces</a:t>
+            </a:r>
+            <a:r>
+              <a:rPr lang="en-US" b="0" i="0" dirty="0">
+                <a:effectLst/>
+                <a:latin typeface="Roboto" panose="02000000000000000000" pitchFamily="2" charset="0"/>
+              </a:rPr>
+              <a:t> development </a:t>
+            </a:r>
+            <a:r>
+              <a:rPr lang="en-US" b="0" i="0" dirty="0">
+                <a:effectLst/>
+                <a:highlight>
+                  <a:srgbClr val="FFFF00"/>
+                </a:highlight>
+                <a:latin typeface="Roboto" panose="02000000000000000000" pitchFamily="2" charset="0"/>
+              </a:rPr>
+              <a:t>time</a:t>
+            </a:r>
+            <a:r>
+              <a:rPr lang="en-US" b="0" i="0" dirty="0">
+                <a:effectLst/>
+                <a:latin typeface="Roboto" panose="02000000000000000000" pitchFamily="2" charset="0"/>
+              </a:rPr>
+              <a:t> </a:t>
+            </a:r>
+          </a:p>
+          <a:p>
+            <a:pPr algn="l">
+              <a:buFont typeface="Arial" panose="020B0604020202020204" pitchFamily="34" charset="0"/>
+              <a:buChar char="•"/>
+            </a:pPr>
+            <a:endParaRPr lang="en-US" b="0" i="0" dirty="0">
+              <a:effectLst/>
+              <a:latin typeface="Roboto" panose="02000000000000000000" pitchFamily="2" charset="0"/>
+            </a:endParaRPr>
+          </a:p>
+          <a:p>
+            <a:pPr algn="l">
+              <a:buFont typeface="Arial" panose="020B0604020202020204" pitchFamily="34" charset="0"/>
+              <a:buChar char="•"/>
+            </a:pPr>
+            <a:r>
+              <a:rPr lang="en-US" b="0" i="0" dirty="0">
+                <a:effectLst/>
+                <a:latin typeface="Roboto" panose="02000000000000000000" pitchFamily="2" charset="0"/>
+              </a:rPr>
+              <a:t>easy to </a:t>
+            </a:r>
+            <a:r>
+              <a:rPr lang="en-US" b="0" i="0" dirty="0">
+                <a:effectLst/>
+                <a:highlight>
+                  <a:srgbClr val="FFFF00"/>
+                </a:highlight>
+                <a:latin typeface="Roboto" panose="02000000000000000000" pitchFamily="2" charset="0"/>
+              </a:rPr>
+              <a:t>integrate</a:t>
+            </a:r>
+            <a:r>
+              <a:rPr lang="en-US" b="0" i="0" dirty="0">
+                <a:effectLst/>
+                <a:latin typeface="Roboto" panose="02000000000000000000" pitchFamily="2" charset="0"/>
+              </a:rPr>
+              <a:t> Spring Boot Application with its Spring Ecosystem like Spring </a:t>
+            </a:r>
+            <a:r>
+              <a:rPr lang="en-US" b="0" i="0" dirty="0">
+                <a:effectLst/>
+                <a:highlight>
+                  <a:srgbClr val="FFFF00"/>
+                </a:highlight>
+                <a:latin typeface="Roboto" panose="02000000000000000000" pitchFamily="2" charset="0"/>
+              </a:rPr>
+              <a:t>JDBC</a:t>
+            </a:r>
+            <a:r>
+              <a:rPr lang="en-US" b="0" i="0" dirty="0">
+                <a:effectLst/>
+                <a:latin typeface="Roboto" panose="02000000000000000000" pitchFamily="2" charset="0"/>
+              </a:rPr>
+              <a:t>, Spring </a:t>
+            </a:r>
+            <a:r>
+              <a:rPr lang="en-US" b="0" i="0" dirty="0">
+                <a:effectLst/>
+                <a:highlight>
+                  <a:srgbClr val="FFFF00"/>
+                </a:highlight>
+                <a:latin typeface="Roboto" panose="02000000000000000000" pitchFamily="2" charset="0"/>
+              </a:rPr>
+              <a:t>ORM</a:t>
+            </a:r>
+            <a:r>
+              <a:rPr lang="en-US" b="0" i="0" dirty="0">
+                <a:effectLst/>
+                <a:latin typeface="Roboto" panose="02000000000000000000" pitchFamily="2" charset="0"/>
+              </a:rPr>
+              <a:t>, Spring </a:t>
+            </a:r>
+            <a:r>
+              <a:rPr lang="en-US" b="0" i="0" dirty="0">
+                <a:effectLst/>
+                <a:highlight>
+                  <a:srgbClr val="FFFF00"/>
+                </a:highlight>
+                <a:latin typeface="Roboto" panose="02000000000000000000" pitchFamily="2" charset="0"/>
+              </a:rPr>
+              <a:t>Data</a:t>
+            </a:r>
+            <a:r>
+              <a:rPr lang="en-US" b="0" i="0" dirty="0">
+                <a:effectLst/>
+                <a:latin typeface="Roboto" panose="02000000000000000000" pitchFamily="2" charset="0"/>
+              </a:rPr>
+              <a:t>, Spring </a:t>
+            </a:r>
+            <a:r>
+              <a:rPr lang="en-US" b="0" i="0" dirty="0">
+                <a:effectLst/>
+                <a:highlight>
+                  <a:srgbClr val="FFFF00"/>
+                </a:highlight>
+                <a:latin typeface="Roboto" panose="02000000000000000000" pitchFamily="2" charset="0"/>
+              </a:rPr>
+              <a:t>Security</a:t>
+            </a:r>
+            <a:r>
+              <a:rPr lang="en-US" b="0" i="0" dirty="0">
+                <a:effectLst/>
+                <a:latin typeface="Roboto" panose="02000000000000000000" pitchFamily="2" charset="0"/>
+              </a:rPr>
+              <a:t> etc.</a:t>
+            </a:r>
+          </a:p>
+          <a:p>
+            <a:pPr algn="l">
+              <a:buFont typeface="Arial" panose="020B0604020202020204" pitchFamily="34" charset="0"/>
+              <a:buChar char="•"/>
+            </a:pPr>
+            <a:endParaRPr lang="en-US" b="0" i="0" dirty="0">
+              <a:effectLst/>
+              <a:latin typeface="Roboto" panose="02000000000000000000" pitchFamily="2" charset="0"/>
+            </a:endParaRPr>
+          </a:p>
+          <a:p>
+            <a:pPr algn="l">
+              <a:buFont typeface="Arial" panose="020B0604020202020204" pitchFamily="34" charset="0"/>
+              <a:buChar char="•"/>
+            </a:pPr>
+            <a:r>
+              <a:rPr lang="en-US" b="0" i="0" dirty="0">
+                <a:effectLst/>
+                <a:highlight>
+                  <a:srgbClr val="FFFF00"/>
+                </a:highlight>
+                <a:latin typeface="Roboto" panose="02000000000000000000" pitchFamily="2" charset="0"/>
+              </a:rPr>
+              <a:t>Embedded HTTP</a:t>
+            </a:r>
+          </a:p>
+          <a:p>
+            <a:pPr algn="l"/>
+            <a:endParaRPr lang="en-US" b="0" i="0" dirty="0">
+              <a:effectLst/>
+              <a:latin typeface="Roboto" panose="02000000000000000000" pitchFamily="2" charset="0"/>
+            </a:endParaRPr>
+          </a:p>
+          <a:p>
+            <a:pPr algn="l">
+              <a:buFont typeface="Arial" panose="020B0604020202020204" pitchFamily="34" charset="0"/>
+              <a:buChar char="•"/>
+            </a:pPr>
+            <a:r>
+              <a:rPr lang="en-US" b="0" i="0" dirty="0">
+                <a:effectLst/>
+                <a:latin typeface="Roboto" panose="02000000000000000000" pitchFamily="2" charset="0"/>
+              </a:rPr>
+              <a:t>It provides </a:t>
+            </a:r>
+            <a:r>
+              <a:rPr lang="en-US" b="0" i="0" dirty="0">
+                <a:effectLst/>
+                <a:highlight>
+                  <a:srgbClr val="FFFF00"/>
+                </a:highlight>
+                <a:latin typeface="Roboto" panose="02000000000000000000" pitchFamily="2" charset="0"/>
+              </a:rPr>
+              <a:t>lots of plugins</a:t>
+            </a:r>
           </a:p>
         </p:txBody>
       </p:sp>
@@ -10164,26 +11082,11 @@
               <a:buFont typeface="Arial" panose="020B0604020202020204" pitchFamily="34" charset="0"/>
               <a:buNone/>
             </a:pPr>
-            <a:r>
-              <a:rPr lang="en-US" dirty="0">
-                <a:highlight>
-                  <a:srgbClr val="FF00FF"/>
-                </a:highlight>
-              </a:rPr>
-              <a:t> Excel          </a:t>
-            </a:r>
-            <a:r>
-              <a:rPr lang="en-US" dirty="0"/>
-              <a:t>vs            Web Application             vs          </a:t>
-            </a:r>
-            <a:r>
-              <a:rPr lang="en-US" dirty="0">
-                <a:highlight>
-                  <a:srgbClr val="00FFFF"/>
-                </a:highlight>
-              </a:rPr>
-              <a:t>Desktop Application</a:t>
-            </a:r>
+            <a:endParaRPr lang="en-US" dirty="0">
+              <a:highlight>
+                <a:srgbClr val="00FFFF"/>
+              </a:highlight>
+            </a:endParaRPr>
           </a:p>
         </p:txBody>
       </p:sp>
@@ -10410,198 +11313,6 @@
       </p:sp>
       <p:sp>
         <p:nvSpPr>
-          <p:cNvPr id="12" name="Oval 11">
-            <a:extLst>
-              <a:ext uri="{FF2B5EF4-FFF2-40B4-BE49-F238E27FC236}">
-                <a16:creationId xmlns:a16="http://schemas.microsoft.com/office/drawing/2014/main" id="{D2618F3B-D958-4335-8E59-DBFA0AB627BA}"/>
-              </a:ext>
-            </a:extLst>
-          </p:cNvPr>
-          <p:cNvSpPr/>
-          <p:nvPr/>
-        </p:nvSpPr>
-        <p:spPr>
-          <a:xfrm>
-            <a:off x="3677264" y="2458065"/>
-            <a:ext cx="2733367" cy="914400"/>
-          </a:xfrm>
-          <a:prstGeom prst="ellipse">
-            <a:avLst/>
-          </a:prstGeom>
-        </p:spPr>
-        <p:style>
-          <a:lnRef idx="2">
-            <a:schemeClr val="accent2"/>
-          </a:lnRef>
-          <a:fillRef idx="1">
-            <a:schemeClr val="lt1"/>
-          </a:fillRef>
-          <a:effectRef idx="0">
-            <a:schemeClr val="accent2"/>
-          </a:effectRef>
-          <a:fontRef idx="minor">
-            <a:schemeClr val="dk1"/>
-          </a:fontRef>
-        </p:style>
-        <p:txBody>
-          <a:bodyPr rtlCol="0" anchor="ctr"/>
-          <a:lstStyle/>
-          <a:p>
-            <a:pPr algn="ctr"/>
-            <a:r>
-              <a:rPr lang="en-US" dirty="0">
-                <a:latin typeface="Comic Sans MS" panose="030F0702030302020204" pitchFamily="66" charset="0"/>
-              </a:rPr>
-              <a:t>designed to </a:t>
-            </a:r>
-            <a:r>
-              <a:rPr lang="en-US" b="1" dirty="0">
-                <a:solidFill>
-                  <a:srgbClr val="C00000"/>
-                </a:solidFill>
-                <a:latin typeface="Comic Sans MS" panose="030F0702030302020204" pitchFamily="66" charset="0"/>
-              </a:rPr>
-              <a:t>involve many users</a:t>
-            </a:r>
-            <a:endParaRPr lang="en-US" dirty="0">
-              <a:latin typeface="Comic Sans MS" panose="030F0702030302020204" pitchFamily="66" charset="0"/>
-            </a:endParaRPr>
-          </a:p>
-        </p:txBody>
-      </p:sp>
-      <p:sp>
-        <p:nvSpPr>
-          <p:cNvPr id="13" name="Oval 12">
-            <a:extLst>
-              <a:ext uri="{FF2B5EF4-FFF2-40B4-BE49-F238E27FC236}">
-                <a16:creationId xmlns:a16="http://schemas.microsoft.com/office/drawing/2014/main" id="{4D3FAAEF-EC29-4E34-8157-1FE6434337EA}"/>
-              </a:ext>
-            </a:extLst>
-          </p:cNvPr>
-          <p:cNvSpPr/>
-          <p:nvPr/>
-        </p:nvSpPr>
-        <p:spPr>
-          <a:xfrm>
-            <a:off x="4272116" y="3517735"/>
-            <a:ext cx="2733367" cy="914400"/>
-          </a:xfrm>
-          <a:prstGeom prst="ellipse">
-            <a:avLst/>
-          </a:prstGeom>
-        </p:spPr>
-        <p:style>
-          <a:lnRef idx="2">
-            <a:schemeClr val="accent2"/>
-          </a:lnRef>
-          <a:fillRef idx="1">
-            <a:schemeClr val="lt1"/>
-          </a:fillRef>
-          <a:effectRef idx="0">
-            <a:schemeClr val="accent2"/>
-          </a:effectRef>
-          <a:fontRef idx="minor">
-            <a:schemeClr val="dk1"/>
-          </a:fontRef>
-        </p:style>
-        <p:txBody>
-          <a:bodyPr rtlCol="0" anchor="ctr"/>
-          <a:lstStyle/>
-          <a:p>
-            <a:pPr algn="just"/>
-            <a:r>
-              <a:rPr lang="en-US" b="1" dirty="0">
-                <a:solidFill>
-                  <a:srgbClr val="C00000"/>
-                </a:solidFill>
-                <a:latin typeface="Comic Sans MS" panose="030F0702030302020204" pitchFamily="66" charset="0"/>
-              </a:rPr>
-              <a:t>data consistency</a:t>
-            </a:r>
-          </a:p>
-        </p:txBody>
-      </p:sp>
-      <p:sp>
-        <p:nvSpPr>
-          <p:cNvPr id="14" name="Oval 13">
-            <a:extLst>
-              <a:ext uri="{FF2B5EF4-FFF2-40B4-BE49-F238E27FC236}">
-                <a16:creationId xmlns:a16="http://schemas.microsoft.com/office/drawing/2014/main" id="{8C829EA1-48E1-4F3A-AF04-44A7B5A26393}"/>
-              </a:ext>
-            </a:extLst>
-          </p:cNvPr>
-          <p:cNvSpPr/>
-          <p:nvPr/>
-        </p:nvSpPr>
-        <p:spPr>
-          <a:xfrm>
-            <a:off x="3213847" y="4607367"/>
-            <a:ext cx="2733367" cy="1081548"/>
-          </a:xfrm>
-          <a:prstGeom prst="ellipse">
-            <a:avLst/>
-          </a:prstGeom>
-        </p:spPr>
-        <p:style>
-          <a:lnRef idx="2">
-            <a:schemeClr val="accent2"/>
-          </a:lnRef>
-          <a:fillRef idx="1">
-            <a:schemeClr val="lt1"/>
-          </a:fillRef>
-          <a:effectRef idx="0">
-            <a:schemeClr val="accent2"/>
-          </a:effectRef>
-          <a:fontRef idx="minor">
-            <a:schemeClr val="dk1"/>
-          </a:fontRef>
-        </p:style>
-        <p:txBody>
-          <a:bodyPr rtlCol="0" anchor="ctr"/>
-          <a:lstStyle/>
-          <a:p>
-            <a:pPr algn="just"/>
-            <a:r>
-              <a:rPr lang="en-US" dirty="0">
-                <a:solidFill>
-                  <a:srgbClr val="C00000"/>
-                </a:solidFill>
-                <a:latin typeface="Cooper Black" panose="0208090404030B020404" pitchFamily="18" charset="0"/>
-              </a:rPr>
-              <a:t> </a:t>
-            </a:r>
-          </a:p>
-          <a:p>
-            <a:pPr algn="just"/>
-            <a:r>
-              <a:rPr lang="en-US" dirty="0">
-                <a:solidFill>
-                  <a:srgbClr val="C00000"/>
-                </a:solidFill>
-                <a:latin typeface="Comic Sans MS" panose="030F0702030302020204" pitchFamily="66" charset="0"/>
-              </a:rPr>
-              <a:t>accessible</a:t>
-            </a:r>
-            <a:r>
-              <a:rPr lang="en-US" dirty="0">
-                <a:latin typeface="Comic Sans MS" panose="030F0702030302020204" pitchFamily="66" charset="0"/>
-              </a:rPr>
-              <a:t> from anywhere</a:t>
-            </a:r>
-          </a:p>
-          <a:p>
-            <a:pPr algn="just"/>
-            <a:endParaRPr lang="en-US" b="1" dirty="0">
-              <a:solidFill>
-                <a:srgbClr val="C00000"/>
-              </a:solidFill>
-              <a:latin typeface="Cooper Black" panose="0208090404030B020404" pitchFamily="18" charset="0"/>
-            </a:endParaRPr>
-          </a:p>
-        </p:txBody>
-      </p:sp>
-      <p:sp>
-        <p:nvSpPr>
           <p:cNvPr id="16" name="Title 1">
             <a:extLst>
               <a:ext uri="{FF2B5EF4-FFF2-40B4-BE49-F238E27FC236}">
@@ -10641,6 +11352,45 @@
           </a:p>
         </p:txBody>
       </p:sp>
+      <p:sp>
+        <p:nvSpPr>
+          <p:cNvPr id="2" name="Textfeld 1">
+            <a:extLst>
+              <a:ext uri="{FF2B5EF4-FFF2-40B4-BE49-F238E27FC236}">
+                <a16:creationId xmlns:a16="http://schemas.microsoft.com/office/drawing/2014/main" id="{E6AFF37A-AE48-46B1-A4E3-6C0533777F1B}"/>
+              </a:ext>
+            </a:extLst>
+          </p:cNvPr>
+          <p:cNvSpPr txBox="1"/>
+          <p:nvPr/>
+        </p:nvSpPr>
+        <p:spPr>
+          <a:xfrm flipH="1">
+            <a:off x="1384881" y="1098615"/>
+            <a:ext cx="8794169" cy="523220"/>
+          </a:xfrm>
+          <a:prstGeom prst="rect">
+            <a:avLst/>
+          </a:prstGeom>
+          <a:noFill/>
+        </p:spPr>
+        <p:txBody>
+          <a:bodyPr wrap="square" rtlCol="0">
+            <a:spAutoFit/>
+          </a:bodyPr>
+          <a:lstStyle/>
+          <a:p>
+            <a:r>
+              <a:rPr lang="en-US" sz="2800" dirty="0">
+                <a:solidFill>
+                  <a:srgbClr val="FF0000"/>
+                </a:solidFill>
+              </a:rPr>
+              <a:t>Why Spring Boot?</a:t>
+            </a:r>
+          </a:p>
+        </p:txBody>
+      </p:sp>
     </p:spTree>
     <p:extLst>
       <p:ext uri="{BB962C8B-B14F-4D97-AF65-F5344CB8AC3E}">
@@ -10654,7 +11404,7 @@
 </p:sld>
 </file>
 
-<file path=ppt/slides/slide8.xml><?xml version="1.0" encoding="utf-8"?>
+<file path=ppt/slides/slide9.xml><?xml version="1.0" encoding="utf-8"?>
 <p:sld xmlns:a="http://schemas.openxmlformats.org/drawingml/2006/main" xmlns:r="http://schemas.openxmlformats.org/officeDocument/2006/relationships" xmlns:p="http://schemas.openxmlformats.org/presentationml/2006/main">
   <p:cSld>
     <p:spTree>
@@ -10673,10 +11423,10 @@
       </p:grpSpPr>
       <p:sp>
         <p:nvSpPr>
-          <p:cNvPr id="18" name="Title 1">
+          <p:cNvPr id="2" name="Titel 1">
             <a:extLst>
               <a:ext uri="{FF2B5EF4-FFF2-40B4-BE49-F238E27FC236}">
-                <a16:creationId xmlns:a16="http://schemas.microsoft.com/office/drawing/2014/main" id="{FCD07BA2-0945-414D-8018-DCF2868ED678}"/>
+                <a16:creationId xmlns:a16="http://schemas.microsoft.com/office/drawing/2014/main" id="{4B450563-F83E-4739-9DFD-95A4611CD77C}"/>
               </a:ext>
             </a:extLst>
           </p:cNvPr>
@@ -10687,98 +11437,94 @@
             <p:ph type="title"/>
           </p:nvPr>
         </p:nvSpPr>
-        <p:spPr>
-          <a:xfrm>
-            <a:off x="838200" y="0"/>
-            <a:ext cx="10515600" cy="2390569"/>
-          </a:xfrm>
-        </p:spPr>
-        <p:txBody>
-          <a:bodyPr>
-            <a:normAutofit/>
-          </a:bodyPr>
+        <p:spPr/>
+        <p:txBody>
+          <a:bodyPr/>
           <a:lstStyle/>
           <a:p>
-            <a:pPr algn="ctr"/>
-            <a:r>
-              <a:rPr lang="en-US" sz="4800" dirty="0">
+            <a:r>
+              <a:rPr lang="en-US" dirty="0">
                 <a:solidFill>
-                  <a:schemeClr val="accent2"/>
+                  <a:srgbClr val="FF0000"/>
                 </a:solidFill>
               </a:rPr>
-              <a:t>Methodology</a:t>
-            </a:r>
-            <a:br>
-              <a:rPr lang="en-US" dirty="0"/>
-            </a:br>
-            <a:r>
-              <a:rPr lang="en-US" dirty="0">
-                <a:solidFill>
-                  <a:srgbClr val="7030A0"/>
-                </a:solidFill>
-              </a:rPr>
-              <a:t>TECHNO</a:t>
-            </a:r>
-            <a:r>
-              <a:rPr lang="en-US" dirty="0">
-                <a:solidFill>
-                  <a:schemeClr val="bg1"/>
-                </a:solidFill>
-                <a:highlight>
-                  <a:srgbClr val="000080"/>
-                </a:highlight>
-              </a:rPr>
-              <a:t>LOGIES</a:t>
-            </a:r>
-            <a:br>
-              <a:rPr lang="en-US" dirty="0"/>
-            </a:br>
-            <a:endParaRPr lang="en-US" dirty="0"/>
-          </a:p>
-        </p:txBody>
-      </p:sp>
-      <p:pic>
-        <p:nvPicPr>
-          <p:cNvPr id="5" name="Content Placeholder 4" descr="A picture containing letter&#10;&#10;Description automatically generated">
+              <a:t>Why Angular?</a:t>
+            </a:r>
+          </a:p>
+        </p:txBody>
+      </p:sp>
+      <p:sp>
+        <p:nvSpPr>
+          <p:cNvPr id="3" name="Inhaltsplatzhalter 2">
             <a:extLst>
               <a:ext uri="{FF2B5EF4-FFF2-40B4-BE49-F238E27FC236}">
-                <a16:creationId xmlns:a16="http://schemas.microsoft.com/office/drawing/2014/main" id="{026E429E-E4E5-43C4-843B-73E9D34B7CF6}"/>
+                <a16:creationId xmlns:a16="http://schemas.microsoft.com/office/drawing/2014/main" id="{E87DC0F5-D5BC-4AF8-A71D-4BB9B3BFD8C4}"/>
               </a:ext>
             </a:extLst>
           </p:cNvPr>
-          <p:cNvPicPr>
-            <a:picLocks noGrp="1" noChangeAspect="1"/>
-          </p:cNvPicPr>
+          <p:cNvSpPr>
+            <a:spLocks noGrp="1"/>
+          </p:cNvSpPr>
           <p:nvPr>
             <p:ph idx="1"/>
           </p:nvPr>
-        </p:nvPicPr>
-        <p:blipFill>
-          <a:blip r:embed="rId2">
-            <a:alphaModFix amt="20000"/>
-            <a:extLst>
-              <a:ext uri="{28A0092B-C50C-407E-A947-70E740481C1C}">
-                <a14:useLocalDpi xmlns:a14="http://schemas.microsoft.com/office/drawing/2010/main" val="0"/>
-              </a:ext>
-            </a:extLst>
-          </a:blip>
-          <a:stretch>
-            <a:fillRect/>
-          </a:stretch>
-        </p:blipFill>
-        <p:spPr>
-          <a:xfrm>
-            <a:off x="0" y="0"/>
-            <a:ext cx="12192000" cy="6858000"/>
-          </a:xfrm>
-        </p:spPr>
-      </p:pic>
+        </p:nvSpPr>
+        <p:spPr/>
+        <p:txBody>
+          <a:bodyPr>
+            <a:normAutofit lnSpcReduction="10000"/>
+          </a:bodyPr>
+          <a:lstStyle/>
+          <a:p>
+            <a:r>
+              <a:rPr lang="en-US" dirty="0"/>
+              <a:t>Faster Development Process</a:t>
+            </a:r>
+          </a:p>
+          <a:p>
+            <a:endParaRPr lang="en-US" dirty="0"/>
+          </a:p>
+          <a:p>
+            <a:r>
+              <a:rPr lang="en-US" dirty="0"/>
+              <a:t>Readable and Testable Code</a:t>
+            </a:r>
+          </a:p>
+          <a:p>
+            <a:endParaRPr lang="en-US" dirty="0"/>
+          </a:p>
+          <a:p>
+            <a:r>
+              <a:rPr lang="en-US" dirty="0"/>
+              <a:t>More Lightweight Web Applications</a:t>
+            </a:r>
+          </a:p>
+          <a:p>
+            <a:endParaRPr lang="en-US" dirty="0"/>
+          </a:p>
+          <a:p>
+            <a:r>
+              <a:rPr lang="en-US" dirty="0"/>
+              <a:t>Efficient Problem-Solving Patterns</a:t>
+            </a:r>
+          </a:p>
+          <a:p>
+            <a:endParaRPr lang="en-US" dirty="0"/>
+          </a:p>
+          <a:p>
+            <a:r>
+              <a:rPr lang="en-US" dirty="0"/>
+              <a:t>Excellent Material Design Library</a:t>
+            </a:r>
+          </a:p>
+        </p:txBody>
+      </p:sp>
       <p:sp>
         <p:nvSpPr>
-          <p:cNvPr id="2" name="Slide Number Placeholder 1">
+          <p:cNvPr id="4" name="Foliennummernplatzhalter 3">
             <a:extLst>
               <a:ext uri="{FF2B5EF4-FFF2-40B4-BE49-F238E27FC236}">
-                <a16:creationId xmlns:a16="http://schemas.microsoft.com/office/drawing/2014/main" id="{B873B1BE-7345-4788-A7B8-F49DE19CD7F9}"/>
+                <a16:creationId xmlns:a16="http://schemas.microsoft.com/office/drawing/2014/main" id="{0063DFAA-2B84-4967-A4B3-37B349A9766D}"/>
               </a:ext>
             </a:extLst>
           </p:cNvPr>
@@ -10796,446 +11542,16 @@
           <a:p>
             <a:fld id="{F5120A83-C056-4377-B827-91A8F8C4B5BB}" type="slidenum">
               <a:rPr lang="en-US" smtClean="0"/>
-              <a:t>8</a:t>
+              <a:t>9</a:t>
             </a:fld>
             <a:endParaRPr lang="en-US"/>
           </a:p>
         </p:txBody>
       </p:sp>
-      <p:sp>
-        <p:nvSpPr>
-          <p:cNvPr id="11" name="Content Placeholder 2">
-            <a:extLst>
-              <a:ext uri="{FF2B5EF4-FFF2-40B4-BE49-F238E27FC236}">
-                <a16:creationId xmlns:a16="http://schemas.microsoft.com/office/drawing/2014/main" id="{33B77824-6145-4305-83B9-0EC06F7A0240}"/>
-              </a:ext>
-            </a:extLst>
-          </p:cNvPr>
-          <p:cNvSpPr txBox="1">
-            <a:spLocks/>
-          </p:cNvSpPr>
-          <p:nvPr/>
-        </p:nvSpPr>
-        <p:spPr>
-          <a:xfrm>
-            <a:off x="3213847" y="4218038"/>
-            <a:ext cx="6313611" cy="2025445"/>
-          </a:xfrm>
-          <a:prstGeom prst="rect">
-            <a:avLst/>
-          </a:prstGeom>
-        </p:spPr>
-        <p:txBody>
-          <a:bodyPr vert="horz" lIns="91440" tIns="45720" rIns="91440" bIns="45720" rtlCol="0">
-            <a:normAutofit/>
-          </a:bodyPr>
-          <a:lstStyle>
-            <a:lvl1pPr marL="228600" indent="-228600" algn="l" defTabSz="914400" rtl="0" eaLnBrk="1" latinLnBrk="0" hangingPunct="1">
-              <a:lnSpc>
-                <a:spcPct val="90000"/>
-              </a:lnSpc>
-              <a:spcBef>
-                <a:spcPts val="1000"/>
-              </a:spcBef>
-              <a:buFont typeface="Arial" panose="020B0604020202020204" pitchFamily="34" charset="0"/>
-              <a:buChar char="•"/>
-              <a:defRPr sz="2800" kern="1200">
-                <a:solidFill>
-                  <a:schemeClr val="tx1"/>
-                </a:solidFill>
-                <a:latin typeface="+mn-lt"/>
-                <a:ea typeface="+mn-ea"/>
-                <a:cs typeface="+mn-cs"/>
-              </a:defRPr>
-            </a:lvl1pPr>
-            <a:lvl2pPr marL="685800" indent="-228600" algn="l" defTabSz="914400" rtl="0" eaLnBrk="1" latinLnBrk="0" hangingPunct="1">
-              <a:lnSpc>
-                <a:spcPct val="90000"/>
-              </a:lnSpc>
-              <a:spcBef>
-                <a:spcPts val="500"/>
-              </a:spcBef>
-              <a:buFont typeface="Arial" panose="020B0604020202020204" pitchFamily="34" charset="0"/>
-              <a:buChar char="•"/>
-              <a:defRPr sz="2400" kern="1200">
-                <a:solidFill>
-                  <a:schemeClr val="tx1"/>
-                </a:solidFill>
-                <a:latin typeface="+mn-lt"/>
-                <a:ea typeface="+mn-ea"/>
-                <a:cs typeface="+mn-cs"/>
-              </a:defRPr>
-            </a:lvl2pPr>
-            <a:lvl3pPr marL="1143000" indent="-228600" algn="l" defTabSz="914400" rtl="0" eaLnBrk="1" latinLnBrk="0" hangingPunct="1">
-              <a:lnSpc>
-                <a:spcPct val="90000"/>
-              </a:lnSpc>
-              <a:spcBef>
-                <a:spcPts val="500"/>
-              </a:spcBef>
-              <a:buFont typeface="Arial" panose="020B0604020202020204" pitchFamily="34" charset="0"/>
-              <a:buChar char="•"/>
-              <a:defRPr sz="2000" kern="1200">
-                <a:solidFill>
-                  <a:schemeClr val="tx1"/>
-                </a:solidFill>
-                <a:latin typeface="+mn-lt"/>
-                <a:ea typeface="+mn-ea"/>
-                <a:cs typeface="+mn-cs"/>
-              </a:defRPr>
-            </a:lvl3pPr>
-            <a:lvl4pPr marL="1600200" indent="-228600" algn="l" defTabSz="914400" rtl="0" eaLnBrk="1" latinLnBrk="0" hangingPunct="1">
-              <a:lnSpc>
-                <a:spcPct val="90000"/>
-              </a:lnSpc>
-              <a:spcBef>
-                <a:spcPts val="500"/>
-              </a:spcBef>
-              <a:buFont typeface="Arial" panose="020B0604020202020204" pitchFamily="34" charset="0"/>
-              <a:buChar char="•"/>
-              <a:defRPr sz="1800" kern="1200">
-                <a:solidFill>
-                  <a:schemeClr val="tx1"/>
-                </a:solidFill>
-                <a:latin typeface="+mn-lt"/>
-                <a:ea typeface="+mn-ea"/>
-                <a:cs typeface="+mn-cs"/>
-              </a:defRPr>
-            </a:lvl4pPr>
-            <a:lvl5pPr marL="2057400" indent="-228600" algn="l" defTabSz="914400" rtl="0" eaLnBrk="1" latinLnBrk="0" hangingPunct="1">
-              <a:lnSpc>
-                <a:spcPct val="90000"/>
-              </a:lnSpc>
-              <a:spcBef>
-                <a:spcPts val="500"/>
-              </a:spcBef>
-              <a:buFont typeface="Arial" panose="020B0604020202020204" pitchFamily="34" charset="0"/>
-              <a:buChar char="•"/>
-              <a:defRPr sz="1800" kern="1200">
-                <a:solidFill>
-                  <a:schemeClr val="tx1"/>
-                </a:solidFill>
-                <a:latin typeface="+mn-lt"/>
-                <a:ea typeface="+mn-ea"/>
-                <a:cs typeface="+mn-cs"/>
-              </a:defRPr>
-            </a:lvl5pPr>
-            <a:lvl6pPr marL="2514600" indent="-228600" algn="l" defTabSz="914400" rtl="0" eaLnBrk="1" latinLnBrk="0" hangingPunct="1">
-              <a:lnSpc>
-                <a:spcPct val="90000"/>
-              </a:lnSpc>
-              <a:spcBef>
-                <a:spcPts val="500"/>
-              </a:spcBef>
-              <a:buFont typeface="Arial" panose="020B0604020202020204" pitchFamily="34" charset="0"/>
-              <a:buChar char="•"/>
-              <a:defRPr sz="1800" kern="1200">
-                <a:solidFill>
-                  <a:schemeClr val="tx1"/>
-                </a:solidFill>
-                <a:latin typeface="+mn-lt"/>
-                <a:ea typeface="+mn-ea"/>
-                <a:cs typeface="+mn-cs"/>
-              </a:defRPr>
-            </a:lvl6pPr>
-            <a:lvl7pPr marL="2971800" indent="-228600" algn="l" defTabSz="914400" rtl="0" eaLnBrk="1" latinLnBrk="0" hangingPunct="1">
-              <a:lnSpc>
-                <a:spcPct val="90000"/>
-              </a:lnSpc>
-              <a:spcBef>
-                <a:spcPts val="500"/>
-              </a:spcBef>
-              <a:buFont typeface="Arial" panose="020B0604020202020204" pitchFamily="34" charset="0"/>
-              <a:buChar char="•"/>
-              <a:defRPr sz="1800" kern="1200">
-                <a:solidFill>
-                  <a:schemeClr val="tx1"/>
-                </a:solidFill>
-                <a:latin typeface="+mn-lt"/>
-                <a:ea typeface="+mn-ea"/>
-                <a:cs typeface="+mn-cs"/>
-              </a:defRPr>
-            </a:lvl7pPr>
-            <a:lvl8pPr marL="3429000" indent="-228600" algn="l" defTabSz="914400" rtl="0" eaLnBrk="1" latinLnBrk="0" hangingPunct="1">
-              <a:lnSpc>
-                <a:spcPct val="90000"/>
-              </a:lnSpc>
-              <a:spcBef>
-                <a:spcPts val="500"/>
-              </a:spcBef>
-              <a:buFont typeface="Arial" panose="020B0604020202020204" pitchFamily="34" charset="0"/>
-              <a:buChar char="•"/>
-              <a:defRPr sz="1800" kern="1200">
-                <a:solidFill>
-                  <a:schemeClr val="tx1"/>
-                </a:solidFill>
-                <a:latin typeface="+mn-lt"/>
-                <a:ea typeface="+mn-ea"/>
-                <a:cs typeface="+mn-cs"/>
-              </a:defRPr>
-            </a:lvl8pPr>
-            <a:lvl9pPr marL="3886200" indent="-228600" algn="l" defTabSz="914400" rtl="0" eaLnBrk="1" latinLnBrk="0" hangingPunct="1">
-              <a:lnSpc>
-                <a:spcPct val="90000"/>
-              </a:lnSpc>
-              <a:spcBef>
-                <a:spcPts val="500"/>
-              </a:spcBef>
-              <a:buFont typeface="Arial" panose="020B0604020202020204" pitchFamily="34" charset="0"/>
-              <a:buChar char="•"/>
-              <a:defRPr sz="1800" kern="1200">
-                <a:solidFill>
-                  <a:schemeClr val="tx1"/>
-                </a:solidFill>
-                <a:latin typeface="+mn-lt"/>
-                <a:ea typeface="+mn-ea"/>
-                <a:cs typeface="+mn-cs"/>
-              </a:defRPr>
-            </a:lvl9pPr>
-          </a:lstStyle>
-          <a:p>
-            <a:pPr marL="0" indent="0" algn="just">
-              <a:buNone/>
-            </a:pPr>
-            <a:r>
-              <a:rPr lang="en-US" dirty="0"/>
-              <a:t> </a:t>
-            </a:r>
-            <a:endParaRPr lang="en-US" b="1" dirty="0">
-              <a:solidFill>
-                <a:srgbClr val="C00000"/>
-              </a:solidFill>
-              <a:latin typeface="Cooper Black" panose="0208090404030B020404" pitchFamily="18" charset="0"/>
-            </a:endParaRPr>
-          </a:p>
-          <a:p>
-            <a:pPr marL="0" indent="0" algn="just">
-              <a:buNone/>
-            </a:pPr>
-            <a:endParaRPr lang="en-US" dirty="0"/>
-          </a:p>
-          <a:p>
-            <a:pPr marL="0" indent="0" algn="just">
-              <a:buFont typeface="Arial" panose="020B0604020202020204" pitchFamily="34" charset="0"/>
-              <a:buNone/>
-            </a:pPr>
-            <a:endParaRPr lang="en-US" dirty="0"/>
-          </a:p>
-        </p:txBody>
-      </p:sp>
-      <p:pic>
-        <p:nvPicPr>
-          <p:cNvPr id="4" name="Grafik 3">
-            <a:extLst>
-              <a:ext uri="{FF2B5EF4-FFF2-40B4-BE49-F238E27FC236}">
-                <a16:creationId xmlns:a16="http://schemas.microsoft.com/office/drawing/2014/main" id="{B74A399D-6D66-4C69-91DD-303BE51C3689}"/>
-              </a:ext>
-            </a:extLst>
-          </p:cNvPr>
-          <p:cNvPicPr>
-            <a:picLocks noChangeAspect="1"/>
-          </p:cNvPicPr>
-          <p:nvPr/>
-        </p:nvPicPr>
-        <p:blipFill>
-          <a:blip r:embed="rId3">
-            <a:extLst>
-              <a:ext uri="{28A0092B-C50C-407E-A947-70E740481C1C}">
-                <a14:useLocalDpi xmlns:a14="http://schemas.microsoft.com/office/drawing/2010/main" val="0"/>
-              </a:ext>
-            </a:extLst>
-          </a:blip>
-          <a:stretch>
-            <a:fillRect/>
-          </a:stretch>
-        </p:blipFill>
-        <p:spPr>
-          <a:xfrm>
-            <a:off x="1944061" y="2566467"/>
-            <a:ext cx="7730137" cy="3181190"/>
-          </a:xfrm>
-          <a:prstGeom prst="rect">
-            <a:avLst/>
-          </a:prstGeom>
-          <a:solidFill>
-            <a:srgbClr val="FFFFFF">
-              <a:shade val="85000"/>
-            </a:srgbClr>
-          </a:solidFill>
-          <a:ln w="190500" cap="rnd">
-            <a:solidFill>
-              <a:srgbClr val="FFFFFF"/>
-            </a:solidFill>
-          </a:ln>
-          <a:effectLst>
-            <a:outerShdw blurRad="36195" dist="12700" dir="11400000" algn="tl" rotWithShape="0">
-              <a:srgbClr val="000000">
-                <a:alpha val="33000"/>
-              </a:srgbClr>
-            </a:outerShdw>
-          </a:effectLst>
-          <a:scene3d>
-            <a:camera prst="perspectiveContrastingLeftFacing">
-              <a:rot lat="540000" lon="2100000" rev="0"/>
-            </a:camera>
-            <a:lightRig rig="soft" dir="t"/>
-          </a:scene3d>
-          <a:sp3d contourW="12700" prstMaterial="matte">
-            <a:bevelT w="63500" h="50800"/>
-            <a:contourClr>
-              <a:srgbClr val="C0C0C0"/>
-            </a:contourClr>
-          </a:sp3d>
-        </p:spPr>
-      </p:pic>
     </p:spTree>
     <p:extLst>
       <p:ext uri="{BB962C8B-B14F-4D97-AF65-F5344CB8AC3E}">
-        <p14:creationId xmlns:p14="http://schemas.microsoft.com/office/powerpoint/2010/main" val="3116630893"/>
-      </p:ext>
-    </p:extLst>
-  </p:cSld>
-  <p:clrMapOvr>
-    <a:masterClrMapping/>
-  </p:clrMapOvr>
-</p:sld>
-</file>
-
-<file path=ppt/slides/slide9.xml><?xml version="1.0" encoding="utf-8"?>
-<p:sld xmlns:a="http://schemas.openxmlformats.org/drawingml/2006/main" xmlns:r="http://schemas.openxmlformats.org/officeDocument/2006/relationships" xmlns:p="http://schemas.openxmlformats.org/presentationml/2006/main">
-  <p:cSld>
-    <p:bg>
-      <p:bgPr>
-        <a:solidFill>
-          <a:schemeClr val="bg2"/>
-        </a:solidFill>
-        <a:effectLst/>
-      </p:bgPr>
-    </p:bg>
-    <p:spTree>
-      <p:nvGrpSpPr>
-        <p:cNvPr id="1" name=""/>
-        <p:cNvGrpSpPr/>
-        <p:nvPr/>
-      </p:nvGrpSpPr>
-      <p:grpSpPr>
-        <a:xfrm>
-          <a:off x="0" y="0"/>
-          <a:ext cx="0" cy="0"/>
-          <a:chOff x="0" y="0"/>
-          <a:chExt cx="0" cy="0"/>
-        </a:xfrm>
-      </p:grpSpPr>
-      <p:sp>
-        <p:nvSpPr>
-          <p:cNvPr id="2" name="Title 1">
-            <a:extLst>
-              <a:ext uri="{FF2B5EF4-FFF2-40B4-BE49-F238E27FC236}">
-                <a16:creationId xmlns:a16="http://schemas.microsoft.com/office/drawing/2014/main" id="{066DBE7E-EAA7-4A84-8D19-89D916CFD1DE}"/>
-              </a:ext>
-            </a:extLst>
-          </p:cNvPr>
-          <p:cNvSpPr>
-            <a:spLocks noGrp="1"/>
-          </p:cNvSpPr>
-          <p:nvPr>
-            <p:ph type="title"/>
-          </p:nvPr>
-        </p:nvSpPr>
-        <p:spPr>
-          <a:xfrm>
-            <a:off x="838200" y="136525"/>
-            <a:ext cx="10515600" cy="862309"/>
-          </a:xfrm>
-        </p:spPr>
-        <p:txBody>
-          <a:bodyPr/>
-          <a:lstStyle/>
-          <a:p>
-            <a:r>
-              <a:rPr lang="en-US">
-                <a:solidFill>
-                  <a:schemeClr val="accent2"/>
-                </a:solidFill>
-              </a:rPr>
-              <a:t>System Architecture and System Design</a:t>
-            </a:r>
-            <a:endParaRPr lang="en-US" dirty="0">
-              <a:solidFill>
-                <a:schemeClr val="accent2"/>
-              </a:solidFill>
-            </a:endParaRPr>
-          </a:p>
-        </p:txBody>
-      </p:sp>
-      <p:sp>
-        <p:nvSpPr>
-          <p:cNvPr id="4" name="Slide Number Placeholder 3">
-            <a:extLst>
-              <a:ext uri="{FF2B5EF4-FFF2-40B4-BE49-F238E27FC236}">
-                <a16:creationId xmlns:a16="http://schemas.microsoft.com/office/drawing/2014/main" id="{4899AAC5-0D7D-458D-9D63-DE96827A7C58}"/>
-              </a:ext>
-            </a:extLst>
-          </p:cNvPr>
-          <p:cNvSpPr>
-            <a:spLocks noGrp="1"/>
-          </p:cNvSpPr>
-          <p:nvPr>
-            <p:ph type="sldNum" sz="quarter" idx="12"/>
-          </p:nvPr>
-        </p:nvSpPr>
-        <p:spPr/>
-        <p:txBody>
-          <a:bodyPr/>
-          <a:lstStyle/>
-          <a:p>
-            <a:fld id="{F5120A83-C056-4377-B827-91A8F8C4B5BB}" type="slidenum">
-              <a:rPr lang="en-US" smtClean="0"/>
-              <a:t>9</a:t>
-            </a:fld>
-            <a:endParaRPr lang="en-US"/>
-          </a:p>
-        </p:txBody>
-      </p:sp>
-      <p:pic>
-        <p:nvPicPr>
-          <p:cNvPr id="7" name="Inhaltsplatzhalter 6">
-            <a:extLst>
-              <a:ext uri="{FF2B5EF4-FFF2-40B4-BE49-F238E27FC236}">
-                <a16:creationId xmlns:a16="http://schemas.microsoft.com/office/drawing/2014/main" id="{D2FD92C7-47D6-460E-BACC-EA0DDC8D5898}"/>
-              </a:ext>
-            </a:extLst>
-          </p:cNvPr>
-          <p:cNvPicPr>
-            <a:picLocks noGrp="1" noChangeAspect="1"/>
-          </p:cNvPicPr>
-          <p:nvPr>
-            <p:ph idx="1"/>
-          </p:nvPr>
-        </p:nvPicPr>
-        <p:blipFill>
-          <a:blip r:embed="rId2">
-            <a:extLst>
-              <a:ext uri="{28A0092B-C50C-407E-A947-70E740481C1C}">
-                <a14:useLocalDpi xmlns:a14="http://schemas.microsoft.com/office/drawing/2010/main" val="0"/>
-              </a:ext>
-            </a:extLst>
-          </a:blip>
-          <a:stretch>
-            <a:fillRect/>
-          </a:stretch>
-        </p:blipFill>
-        <p:spPr>
-          <a:xfrm>
-            <a:off x="3173506" y="1329338"/>
-            <a:ext cx="5609344" cy="5647765"/>
-          </a:xfrm>
-        </p:spPr>
-      </p:pic>
-    </p:spTree>
-    <p:extLst>
-      <p:ext uri="{BB962C8B-B14F-4D97-AF65-F5344CB8AC3E}">
-        <p14:creationId xmlns:p14="http://schemas.microsoft.com/office/powerpoint/2010/main" val="3480988706"/>
+        <p14:creationId xmlns:p14="http://schemas.microsoft.com/office/powerpoint/2010/main" val="2915201517"/>
       </p:ext>
     </p:extLst>
   </p:cSld>
